--- a/Session 06 - Polar Coordinates/Session 06 - Polar Coordinates.pptx
+++ b/Session 06 - Polar Coordinates/Session 06 - Polar Coordinates.pptx
@@ -3026,7 +3026,7 @@
           <a:p>
             <a:fld id="{A241AC98-512A-4A35-865E-757B6C1F07A2}" type="datetimeFigureOut">
               <a:rPr lang="en-US" smtClean="0"/>
-              <a:t>9/23/2023</a:t>
+              <a:t>9/24/2023</a:t>
             </a:fld>
             <a:endParaRPr lang="en-US"/>
           </a:p>
@@ -3192,7 +3192,7 @@
           <a:p>
             <a:fld id="{3854CEE7-15DE-41D9-8CA2-D1E137B1D850}" type="datetimeFigureOut">
               <a:rPr lang="en-US" smtClean="0"/>
-              <a:t>9/23/2023</a:t>
+              <a:t>9/24/2023</a:t>
             </a:fld>
             <a:endParaRPr lang="en-US"/>
           </a:p>
@@ -4515,7 +4515,7 @@
           <a:p>
             <a:fld id="{5555EB2C-244D-4423-AD97-018ED6478B87}" type="datetime1">
               <a:rPr lang="en-US" smtClean="0"/>
-              <a:t>9/23/2023</a:t>
+              <a:t>9/24/2023</a:t>
             </a:fld>
             <a:endParaRPr lang="en-US"/>
           </a:p>
@@ -4694,7 +4694,7 @@
           <a:p>
             <a:fld id="{A2B41D1F-7576-4C60-B4EB-5115BC56CF40}" type="datetime1">
               <a:rPr lang="en-US" smtClean="0"/>
-              <a:t>9/23/2023</a:t>
+              <a:t>9/24/2023</a:t>
             </a:fld>
             <a:endParaRPr lang="en-US"/>
           </a:p>
@@ -4886,7 +4886,7 @@
           <a:p>
             <a:fld id="{E79D1398-4D56-44F9-BA35-34ACF3159A64}" type="datetime1">
               <a:rPr lang="en-US" smtClean="0"/>
-              <a:t>9/23/2023</a:t>
+              <a:t>9/24/2023</a:t>
             </a:fld>
             <a:endParaRPr lang="en-US"/>
           </a:p>
@@ -5068,7 +5068,7 @@
           <a:p>
             <a:fld id="{A3CF632E-48CB-4EEB-A6B6-DEC7AD7CC976}" type="datetime1">
               <a:rPr lang="en-US" smtClean="0"/>
-              <a:t>9/23/2023</a:t>
+              <a:t>9/24/2023</a:t>
             </a:fld>
             <a:endParaRPr lang="en-US"/>
           </a:p>
@@ -5321,7 +5321,7 @@
           <a:p>
             <a:fld id="{BAEEE52C-3A57-458E-95F6-96B2FA9D1DD4}" type="datetime1">
               <a:rPr lang="en-US" smtClean="0"/>
-              <a:t>9/23/2023</a:t>
+              <a:t>9/24/2023</a:t>
             </a:fld>
             <a:endParaRPr lang="en-US"/>
           </a:p>
@@ -5565,7 +5565,7 @@
           <a:p>
             <a:fld id="{766FC747-A48A-4FF2-8EE4-3E95ECD1C2A8}" type="datetime1">
               <a:rPr lang="en-US" smtClean="0"/>
-              <a:t>9/23/2023</a:t>
+              <a:t>9/24/2023</a:t>
             </a:fld>
             <a:endParaRPr lang="en-US"/>
           </a:p>
@@ -5944,7 +5944,7 @@
           <a:p>
             <a:fld id="{C9BF5758-AB7F-463D-B638-E1729B95E126}" type="datetime1">
               <a:rPr lang="en-US" smtClean="0"/>
-              <a:t>9/23/2023</a:t>
+              <a:t>9/24/2023</a:t>
             </a:fld>
             <a:endParaRPr lang="en-US"/>
           </a:p>
@@ -6074,7 +6074,7 @@
           <a:p>
             <a:fld id="{F3718C77-7DD0-4738-BF52-D0EC9F78A76E}" type="datetime1">
               <a:rPr lang="en-US" smtClean="0"/>
-              <a:t>9/23/2023</a:t>
+              <a:t>9/24/2023</a:t>
             </a:fld>
             <a:endParaRPr lang="en-US"/>
           </a:p>
@@ -6181,7 +6181,7 @@
           <a:p>
             <a:fld id="{948970CF-13D9-4E1D-A74F-2CFE4953FCDB}" type="datetime1">
               <a:rPr lang="en-US" smtClean="0"/>
-              <a:t>9/23/2023</a:t>
+              <a:t>9/24/2023</a:t>
             </a:fld>
             <a:endParaRPr lang="en-US"/>
           </a:p>
@@ -6470,7 +6470,7 @@
           <a:p>
             <a:fld id="{F68C49B9-4E1C-4967-B9CF-0BF9FECBE837}" type="datetime1">
               <a:rPr lang="en-US" smtClean="0"/>
-              <a:t>9/23/2023</a:t>
+              <a:t>9/24/2023</a:t>
             </a:fld>
             <a:endParaRPr lang="en-US"/>
           </a:p>
@@ -6738,7 +6738,7 @@
           <a:p>
             <a:fld id="{7E338CBB-1F06-4333-9BBF-66628B15E581}" type="datetime1">
               <a:rPr lang="en-US" smtClean="0"/>
-              <a:t>9/23/2023</a:t>
+              <a:t>9/24/2023</a:t>
             </a:fld>
             <a:endParaRPr lang="en-US"/>
           </a:p>
@@ -6963,7 +6963,7 @@
           <a:p>
             <a:fld id="{705EC883-F03C-4CA3-AF62-BEF30EEA4F65}" type="datetime1">
               <a:rPr lang="en-US" smtClean="0"/>
-              <a:t>9/23/2023</a:t>
+              <a:t>9/24/2023</a:t>
             </a:fld>
             <a:endParaRPr lang="en-US"/>
           </a:p>
@@ -9904,8 +9904,8 @@
           </a:p>
         </p:txBody>
       </p:sp>
-      <mc:AlternateContent xmlns:mc="http://schemas.openxmlformats.org/markup-compatibility/2006">
-        <mc:Choice xmlns:a14="http://schemas.microsoft.com/office/drawing/2010/main" Requires="a14">
+      <mc:AlternateContent xmlns:mc="http://schemas.openxmlformats.org/markup-compatibility/2006" xmlns:a14="http://schemas.microsoft.com/office/drawing/2010/main">
+        <mc:Choice Requires="a14">
           <p:sp>
             <p:nvSpPr>
               <p:cNvPr id="3" name="Content Placeholder 2">
@@ -10202,7 +10202,7 @@
             </p:txBody>
           </p:sp>
         </mc:Choice>
-        <mc:Fallback>
+        <mc:Fallback xmlns="">
           <p:sp>
             <p:nvSpPr>
               <p:cNvPr id="3" name="Content Placeholder 2">
@@ -14276,8 +14276,8 @@
           </a:p>
         </p:txBody>
       </p:sp>
-      <mc:AlternateContent xmlns:mc="http://schemas.openxmlformats.org/markup-compatibility/2006">
-        <mc:Choice xmlns:a14="http://schemas.microsoft.com/office/drawing/2010/main" Requires="a14">
+      <mc:AlternateContent xmlns:mc="http://schemas.openxmlformats.org/markup-compatibility/2006" xmlns:a14="http://schemas.microsoft.com/office/drawing/2010/main">
+        <mc:Choice Requires="a14">
           <p:sp>
             <p:nvSpPr>
               <p:cNvPr id="3" name="Content Placeholder 2"/>
@@ -14810,7 +14810,7 @@
             </p:txBody>
           </p:sp>
         </mc:Choice>
-        <mc:Fallback>
+        <mc:Fallback xmlns="">
           <p:sp>
             <p:nvSpPr>
               <p:cNvPr id="3" name="Content Placeholder 2"/>
@@ -17118,8 +17118,8 @@
           </a:prstGeom>
         </p:spPr>
       </p:pic>
-      <mc:AlternateContent xmlns:mc="http://schemas.openxmlformats.org/markup-compatibility/2006">
-        <mc:Choice xmlns:a14="http://schemas.microsoft.com/office/drawing/2010/main" Requires="a14">
+      <mc:AlternateContent xmlns:mc="http://schemas.openxmlformats.org/markup-compatibility/2006" xmlns:a14="http://schemas.microsoft.com/office/drawing/2010/main">
+        <mc:Choice Requires="a14">
           <p:sp>
             <p:nvSpPr>
               <p:cNvPr id="36" name="TextBox 35">
@@ -17271,7 +17271,7 @@
             </p:txBody>
           </p:sp>
         </mc:Choice>
-        <mc:Fallback>
+        <mc:Fallback xmlns="">
           <p:sp>
             <p:nvSpPr>
               <p:cNvPr id="36" name="TextBox 35">
@@ -17316,8 +17316,8 @@
           </p:sp>
         </mc:Fallback>
       </mc:AlternateContent>
-      <mc:AlternateContent xmlns:mc="http://schemas.openxmlformats.org/markup-compatibility/2006">
-        <mc:Choice xmlns:a14="http://schemas.microsoft.com/office/drawing/2010/main" Requires="a14">
+      <mc:AlternateContent xmlns:mc="http://schemas.openxmlformats.org/markup-compatibility/2006" xmlns:a14="http://schemas.microsoft.com/office/drawing/2010/main">
+        <mc:Choice Requires="a14">
           <p:sp>
             <p:nvSpPr>
               <p:cNvPr id="38" name="TextBox 37">
@@ -17516,7 +17516,7 @@
             </p:txBody>
           </p:sp>
         </mc:Choice>
-        <mc:Fallback>
+        <mc:Fallback xmlns="">
           <p:sp>
             <p:nvSpPr>
               <p:cNvPr id="38" name="TextBox 37">
@@ -17561,8 +17561,8 @@
           </p:sp>
         </mc:Fallback>
       </mc:AlternateContent>
-      <mc:AlternateContent xmlns:mc="http://schemas.openxmlformats.org/markup-compatibility/2006">
-        <mc:Choice xmlns:a14="http://schemas.microsoft.com/office/drawing/2010/main" Requires="a14">
+      <mc:AlternateContent xmlns:mc="http://schemas.openxmlformats.org/markup-compatibility/2006" xmlns:a14="http://schemas.microsoft.com/office/drawing/2010/main">
+        <mc:Choice Requires="a14">
           <p:sp>
             <p:nvSpPr>
               <p:cNvPr id="40" name="TextBox 39">
@@ -17766,7 +17766,7 @@
             </p:txBody>
           </p:sp>
         </mc:Choice>
-        <mc:Fallback>
+        <mc:Fallback xmlns="">
           <p:sp>
             <p:nvSpPr>
               <p:cNvPr id="40" name="TextBox 39">
@@ -18384,8 +18384,8 @@
           </a:p>
         </p:txBody>
       </p:sp>
-      <mc:AlternateContent xmlns:mc="http://schemas.openxmlformats.org/markup-compatibility/2006">
-        <mc:Choice xmlns:a14="http://schemas.microsoft.com/office/drawing/2010/main" Requires="a14">
+      <mc:AlternateContent xmlns:mc="http://schemas.openxmlformats.org/markup-compatibility/2006" xmlns:a14="http://schemas.microsoft.com/office/drawing/2010/main">
+        <mc:Choice Requires="a14">
           <p:sp>
             <p:nvSpPr>
               <p:cNvPr id="3" name="Content Placeholder 2"/>
@@ -18717,7 +18717,7 @@
             </p:txBody>
           </p:sp>
         </mc:Choice>
-        <mc:Fallback>
+        <mc:Fallback xmlns="">
           <p:sp>
             <p:nvSpPr>
               <p:cNvPr id="3" name="Content Placeholder 2"/>
@@ -19373,8 +19373,8 @@
           </p:txBody>
         </p:sp>
       </p:grpSp>
-      <mc:AlternateContent xmlns:mc="http://schemas.openxmlformats.org/markup-compatibility/2006">
-        <mc:Choice xmlns:a14="http://schemas.microsoft.com/office/drawing/2010/main" Requires="a14">
+      <mc:AlternateContent xmlns:mc="http://schemas.openxmlformats.org/markup-compatibility/2006" xmlns:a14="http://schemas.microsoft.com/office/drawing/2010/main">
+        <mc:Choice Requires="a14">
           <p:sp>
             <p:nvSpPr>
               <p:cNvPr id="43" name="TextBox 42">
@@ -19452,7 +19452,7 @@
             </p:txBody>
           </p:sp>
         </mc:Choice>
-        <mc:Fallback>
+        <mc:Fallback xmlns="">
           <p:sp>
             <p:nvSpPr>
               <p:cNvPr id="43" name="TextBox 42">
@@ -19497,8 +19497,8 @@
           </p:sp>
         </mc:Fallback>
       </mc:AlternateContent>
-      <mc:AlternateContent xmlns:mc="http://schemas.openxmlformats.org/markup-compatibility/2006">
-        <mc:Choice xmlns:a14="http://schemas.microsoft.com/office/drawing/2010/main" Requires="a14">
+      <mc:AlternateContent xmlns:mc="http://schemas.openxmlformats.org/markup-compatibility/2006" xmlns:a14="http://schemas.microsoft.com/office/drawing/2010/main">
+        <mc:Choice Requires="a14">
           <p:sp>
             <p:nvSpPr>
               <p:cNvPr id="45" name="TextBox 44">
@@ -19668,7 +19668,7 @@
             </p:txBody>
           </p:sp>
         </mc:Choice>
-        <mc:Fallback>
+        <mc:Fallback xmlns="">
           <p:sp>
             <p:nvSpPr>
               <p:cNvPr id="45" name="TextBox 44">
@@ -19885,8 +19885,8 @@
           </a:p>
         </p:txBody>
       </p:sp>
-      <mc:AlternateContent xmlns:mc="http://schemas.openxmlformats.org/markup-compatibility/2006">
-        <mc:Choice xmlns:a14="http://schemas.microsoft.com/office/drawing/2010/main" Requires="a14">
+      <mc:AlternateContent xmlns:mc="http://schemas.openxmlformats.org/markup-compatibility/2006" xmlns:a14="http://schemas.microsoft.com/office/drawing/2010/main">
+        <mc:Choice Requires="a14">
           <p:sp>
             <p:nvSpPr>
               <p:cNvPr id="54" name="TextBox 53">
@@ -19915,6 +19915,7 @@
               </a:bodyPr>
               <a:lstStyle/>
               <a:p>
+                <a:pPr/>
                 <a14:m>
                   <m:oMathPara xmlns:m="http://schemas.openxmlformats.org/officeDocument/2006/math">
                     <m:oMathParaPr>
@@ -20136,7 +20137,7 @@
             </p:txBody>
           </p:sp>
         </mc:Choice>
-        <mc:Fallback>
+        <mc:Fallback xmlns="">
           <p:sp>
             <p:nvSpPr>
               <p:cNvPr id="54" name="TextBox 53">
@@ -21467,8 +21468,8 @@
           </a:prstGeom>
         </p:spPr>
       </p:pic>
-      <mc:AlternateContent xmlns:mc="http://schemas.openxmlformats.org/markup-compatibility/2006">
-        <mc:Choice xmlns:a14="http://schemas.microsoft.com/office/drawing/2010/main" Requires="a14">
+      <mc:AlternateContent xmlns:mc="http://schemas.openxmlformats.org/markup-compatibility/2006" xmlns:a14="http://schemas.microsoft.com/office/drawing/2010/main">
+        <mc:Choice Requires="a14">
           <p:sp>
             <p:nvSpPr>
               <p:cNvPr id="8" name="TextBox 7">
@@ -21832,7 +21833,7 @@
             </p:txBody>
           </p:sp>
         </mc:Choice>
-        <mc:Fallback>
+        <mc:Fallback xmlns="">
           <p:sp>
             <p:nvSpPr>
               <p:cNvPr id="8" name="TextBox 7">
@@ -23924,7 +23925,7 @@
               <a:p>
                 <a:r>
                   <a:rPr lang="en-US" sz="2400" dirty="0"/>
-                  <a:t>Edit the Python program called </a:t>
+                  <a:t>Update the Python program called </a:t>
                 </a:r>
                 <a:r>
                   <a:rPr lang="en-US" sz="2400" b="1" dirty="0"/>
@@ -24031,7 +24032,7 @@
               <a:blipFill>
                 <a:blip r:embed="rId2"/>
                 <a:stretch>
-                  <a:fillRect l="-1005" t="-1961"/>
+                  <a:fillRect l="-1005" t="-1961" r="-386"/>
                 </a:stretch>
               </a:blipFill>
             </p:spPr>
@@ -24090,6 +24091,85 @@
   <p:clrMapOvr>
     <a:masterClrMapping/>
   </p:clrMapOvr>
+  <p:timing>
+    <p:tnLst>
+      <p:par>
+        <p:cTn id="1" dur="indefinite" restart="never" nodeType="tmRoot">
+          <p:childTnLst>
+            <p:seq concurrent="1" nextAc="seek">
+              <p:cTn id="2" dur="indefinite" nodeType="mainSeq">
+                <p:childTnLst>
+                  <p:par>
+                    <p:cTn id="3" fill="hold">
+                      <p:stCondLst>
+                        <p:cond delay="indefinite"/>
+                      </p:stCondLst>
+                      <p:childTnLst>
+                        <p:par>
+                          <p:cTn id="4" fill="hold">
+                            <p:stCondLst>
+                              <p:cond delay="0"/>
+                            </p:stCondLst>
+                            <p:childTnLst>
+                              <p:par>
+                                <p:cTn id="5" presetID="1" presetClass="entr" presetSubtype="0" fill="hold" nodeType="clickEffect">
+                                  <p:stCondLst>
+                                    <p:cond delay="0"/>
+                                  </p:stCondLst>
+                                  <p:childTnLst>
+                                    <p:set>
+                                      <p:cBhvr>
+                                        <p:cTn id="6" dur="1" fill="hold">
+                                          <p:stCondLst>
+                                            <p:cond delay="0"/>
+                                          </p:stCondLst>
+                                        </p:cTn>
+                                        <p:tgtEl>
+                                          <p:spTgt spid="3">
+                                            <p:txEl>
+                                              <p:pRg st="1" end="1"/>
+                                            </p:txEl>
+                                          </p:spTgt>
+                                        </p:tgtEl>
+                                        <p:attrNameLst>
+                                          <p:attrName>style.visibility</p:attrName>
+                                        </p:attrNameLst>
+                                      </p:cBhvr>
+                                      <p:to>
+                                        <p:strVal val="visible"/>
+                                      </p:to>
+                                    </p:set>
+                                  </p:childTnLst>
+                                </p:cTn>
+                              </p:par>
+                            </p:childTnLst>
+                          </p:cTn>
+                        </p:par>
+                      </p:childTnLst>
+                    </p:cTn>
+                  </p:par>
+                </p:childTnLst>
+              </p:cTn>
+              <p:prevCondLst>
+                <p:cond evt="onPrev" delay="0">
+                  <p:tgtEl>
+                    <p:sldTgt/>
+                  </p:tgtEl>
+                </p:cond>
+              </p:prevCondLst>
+              <p:nextCondLst>
+                <p:cond evt="onNext" delay="0">
+                  <p:tgtEl>
+                    <p:sldTgt/>
+                  </p:tgtEl>
+                </p:cond>
+              </p:nextCondLst>
+            </p:seq>
+          </p:childTnLst>
+        </p:cTn>
+      </p:par>
+    </p:tnLst>
+  </p:timing>
 </p:sld>
 </file>
 

--- a/Session 06 - Polar Coordinates/Session 06 - Polar Coordinates.pptx
+++ b/Session 06 - Polar Coordinates/Session 06 - Polar Coordinates.pptx
@@ -5,10 +5,10 @@
     <p:sldMasterId id="2147483660" r:id="rId1"/>
   </p:sldMasterIdLst>
   <p:notesMasterIdLst>
-    <p:notesMasterId r:id="rId31"/>
+    <p:notesMasterId r:id="rId36"/>
   </p:notesMasterIdLst>
   <p:handoutMasterIdLst>
-    <p:handoutMasterId r:id="rId32"/>
+    <p:handoutMasterId r:id="rId37"/>
   </p:handoutMasterIdLst>
   <p:sldIdLst>
     <p:sldId id="1019" r:id="rId2"/>
@@ -38,8 +38,13 @@
     <p:sldId id="1270" r:id="rId26"/>
     <p:sldId id="287" r:id="rId27"/>
     <p:sldId id="398" r:id="rId28"/>
-    <p:sldId id="973" r:id="rId29"/>
-    <p:sldId id="1008" r:id="rId30"/>
+    <p:sldId id="1271" r:id="rId29"/>
+    <p:sldId id="1055" r:id="rId30"/>
+    <p:sldId id="1272" r:id="rId31"/>
+    <p:sldId id="1273" r:id="rId32"/>
+    <p:sldId id="1274" r:id="rId33"/>
+    <p:sldId id="973" r:id="rId34"/>
+    <p:sldId id="1008" r:id="rId35"/>
   </p:sldIdLst>
   <p:sldSz cx="9144000" cy="6858000" type="screen4x3"/>
   <p:notesSz cx="7077075" cy="9363075"/>
@@ -3026,7 +3031,7 @@
           <a:p>
             <a:fld id="{A241AC98-512A-4A35-865E-757B6C1F07A2}" type="datetimeFigureOut">
               <a:rPr lang="en-US" smtClean="0"/>
-              <a:t>9/24/2023</a:t>
+              <a:t>10/10/2023</a:t>
             </a:fld>
             <a:endParaRPr lang="en-US"/>
           </a:p>
@@ -3192,7 +3197,7 @@
           <a:p>
             <a:fld id="{3854CEE7-15DE-41D9-8CA2-D1E137B1D850}" type="datetimeFigureOut">
               <a:rPr lang="en-US" smtClean="0"/>
-              <a:t>9/24/2023</a:t>
+              <a:t>10/10/2023</a:t>
             </a:fld>
             <a:endParaRPr lang="en-US"/>
           </a:p>
@@ -4515,7 +4520,7 @@
           <a:p>
             <a:fld id="{5555EB2C-244D-4423-AD97-018ED6478B87}" type="datetime1">
               <a:rPr lang="en-US" smtClean="0"/>
-              <a:t>9/24/2023</a:t>
+              <a:t>10/10/2023</a:t>
             </a:fld>
             <a:endParaRPr lang="en-US"/>
           </a:p>
@@ -4694,7 +4699,7 @@
           <a:p>
             <a:fld id="{A2B41D1F-7576-4C60-B4EB-5115BC56CF40}" type="datetime1">
               <a:rPr lang="en-US" smtClean="0"/>
-              <a:t>9/24/2023</a:t>
+              <a:t>10/10/2023</a:t>
             </a:fld>
             <a:endParaRPr lang="en-US"/>
           </a:p>
@@ -4886,7 +4891,7 @@
           <a:p>
             <a:fld id="{E79D1398-4D56-44F9-BA35-34ACF3159A64}" type="datetime1">
               <a:rPr lang="en-US" smtClean="0"/>
-              <a:t>9/24/2023</a:t>
+              <a:t>10/10/2023</a:t>
             </a:fld>
             <a:endParaRPr lang="en-US"/>
           </a:p>
@@ -5068,7 +5073,7 @@
           <a:p>
             <a:fld id="{A3CF632E-48CB-4EEB-A6B6-DEC7AD7CC976}" type="datetime1">
               <a:rPr lang="en-US" smtClean="0"/>
-              <a:t>9/24/2023</a:t>
+              <a:t>10/10/2023</a:t>
             </a:fld>
             <a:endParaRPr lang="en-US"/>
           </a:p>
@@ -5321,7 +5326,7 @@
           <a:p>
             <a:fld id="{BAEEE52C-3A57-458E-95F6-96B2FA9D1DD4}" type="datetime1">
               <a:rPr lang="en-US" smtClean="0"/>
-              <a:t>9/24/2023</a:t>
+              <a:t>10/10/2023</a:t>
             </a:fld>
             <a:endParaRPr lang="en-US"/>
           </a:p>
@@ -5565,7 +5570,7 @@
           <a:p>
             <a:fld id="{766FC747-A48A-4FF2-8EE4-3E95ECD1C2A8}" type="datetime1">
               <a:rPr lang="en-US" smtClean="0"/>
-              <a:t>9/24/2023</a:t>
+              <a:t>10/10/2023</a:t>
             </a:fld>
             <a:endParaRPr lang="en-US"/>
           </a:p>
@@ -5944,7 +5949,7 @@
           <a:p>
             <a:fld id="{C9BF5758-AB7F-463D-B638-E1729B95E126}" type="datetime1">
               <a:rPr lang="en-US" smtClean="0"/>
-              <a:t>9/24/2023</a:t>
+              <a:t>10/10/2023</a:t>
             </a:fld>
             <a:endParaRPr lang="en-US"/>
           </a:p>
@@ -6074,7 +6079,7 @@
           <a:p>
             <a:fld id="{F3718C77-7DD0-4738-BF52-D0EC9F78A76E}" type="datetime1">
               <a:rPr lang="en-US" smtClean="0"/>
-              <a:t>9/24/2023</a:t>
+              <a:t>10/10/2023</a:t>
             </a:fld>
             <a:endParaRPr lang="en-US"/>
           </a:p>
@@ -6181,7 +6186,7 @@
           <a:p>
             <a:fld id="{948970CF-13D9-4E1D-A74F-2CFE4953FCDB}" type="datetime1">
               <a:rPr lang="en-US" smtClean="0"/>
-              <a:t>9/24/2023</a:t>
+              <a:t>10/10/2023</a:t>
             </a:fld>
             <a:endParaRPr lang="en-US"/>
           </a:p>
@@ -6470,7 +6475,7 @@
           <a:p>
             <a:fld id="{F68C49B9-4E1C-4967-B9CF-0BF9FECBE837}" type="datetime1">
               <a:rPr lang="en-US" smtClean="0"/>
-              <a:t>9/24/2023</a:t>
+              <a:t>10/10/2023</a:t>
             </a:fld>
             <a:endParaRPr lang="en-US"/>
           </a:p>
@@ -6738,7 +6743,7 @@
           <a:p>
             <a:fld id="{7E338CBB-1F06-4333-9BBF-66628B15E581}" type="datetime1">
               <a:rPr lang="en-US" smtClean="0"/>
-              <a:t>9/24/2023</a:t>
+              <a:t>10/10/2023</a:t>
             </a:fld>
             <a:endParaRPr lang="en-US"/>
           </a:p>
@@ -6963,7 +6968,7 @@
           <a:p>
             <a:fld id="{705EC883-F03C-4CA3-AF62-BEF30EEA4F65}" type="datetime1">
               <a:rPr lang="en-US" smtClean="0"/>
-              <a:t>9/24/2023</a:t>
+              <a:t>10/10/2023</a:t>
             </a:fld>
             <a:endParaRPr lang="en-US"/>
           </a:p>
@@ -23427,6 +23432,3774 @@
           <a:p>
             <a:pPr algn="ctr"/>
             <a:r>
+              <a:rPr lang="en-US" sz="3200" b="1" dirty="0">
+                <a:latin typeface="+mn-lt"/>
+              </a:rPr>
+              <a:t>Random Walks</a:t>
+            </a:r>
+          </a:p>
+        </p:txBody>
+      </p:sp>
+      <mc:AlternateContent xmlns:mc="http://schemas.openxmlformats.org/markup-compatibility/2006">
+        <mc:Choice xmlns:a14="http://schemas.microsoft.com/office/drawing/2010/main" Requires="a14">
+          <p:sp>
+            <p:nvSpPr>
+              <p:cNvPr id="3" name="Content Placeholder 2">
+                <a:extLst>
+                  <a:ext uri="{FF2B5EF4-FFF2-40B4-BE49-F238E27FC236}">
+                    <a16:creationId xmlns:a16="http://schemas.microsoft.com/office/drawing/2014/main" id="{9B72E0DF-EA1E-2B29-FBAA-C77F1DA8F842}"/>
+                  </a:ext>
+                </a:extLst>
+              </p:cNvPr>
+              <p:cNvSpPr>
+                <a:spLocks noGrp="1"/>
+              </p:cNvSpPr>
+              <p:nvPr>
+                <p:ph idx="1"/>
+              </p:nvPr>
+            </p:nvSpPr>
+            <p:spPr/>
+            <p:txBody>
+              <a:bodyPr>
+                <a:normAutofit/>
+              </a:bodyPr>
+              <a:lstStyle/>
+              <a:p>
+                <a:r>
+                  <a:rPr lang="en-US" sz="2400" dirty="0"/>
+                  <a:t>Your scientist wants you to create a Python program to display the </a:t>
+                </a:r>
+                <a:r>
+                  <a:rPr lang="en-US" sz="2400" b="1" dirty="0"/>
+                  <a:t>2D</a:t>
+                </a:r>
+                <a:r>
+                  <a:rPr lang="en-US" sz="2400" dirty="0"/>
+                  <a:t> Cartesian plot of a meandering walker</a:t>
+                </a:r>
+              </a:p>
+              <a:p>
+                <a:r>
+                  <a:rPr lang="en-US" sz="2400" dirty="0"/>
+                  <a:t>The walker starts at the (0,0) origin and takes one step at a time</a:t>
+                </a:r>
+              </a:p>
+              <a:p>
+                <a:r>
+                  <a:rPr lang="en-US" sz="2400" dirty="0"/>
+                  <a:t>At each step, the walker picks a random angle (</a:t>
+                </a:r>
+                <a:r>
+                  <a:rPr lang="en-US" sz="2400" b="1" dirty="0">
+                    <a:solidFill>
+                      <a:srgbClr val="00B050"/>
+                    </a:solidFill>
+                  </a:rPr>
+                  <a:t>uniform</a:t>
+                </a:r>
+                <a:r>
+                  <a:rPr lang="en-US" sz="2400" dirty="0"/>
+                  <a:t> distribution) within the interval </a:t>
+                </a:r>
+                <a14:m>
+                  <m:oMath xmlns:m="http://schemas.openxmlformats.org/officeDocument/2006/math">
+                    <m:r>
+                      <a:rPr lang="en-US" sz="2400" dirty="0">
+                        <a:latin typeface="Cambria Math" panose="02040503050406030204" pitchFamily="18" charset="0"/>
+                      </a:rPr>
+                      <m:t>[</m:t>
+                    </m:r>
+                    <m:r>
+                      <a:rPr lang="en-US" sz="2400" i="1" dirty="0" smtClean="0">
+                        <a:latin typeface="Cambria Math" panose="02040503050406030204" pitchFamily="18" charset="0"/>
+                      </a:rPr>
+                      <m:t>0</m:t>
+                    </m:r>
+                    <m:r>
+                      <a:rPr lang="en-US" sz="2400" b="0" i="1" dirty="0" smtClean="0">
+                        <a:latin typeface="Cambria Math" panose="02040503050406030204" pitchFamily="18" charset="0"/>
+                      </a:rPr>
+                      <m:t>,2</m:t>
+                    </m:r>
+                    <m:r>
+                      <a:rPr lang="en-US" sz="2400" b="0" i="1" dirty="0" smtClean="0">
+                        <a:latin typeface="Cambria Math" panose="02040503050406030204" pitchFamily="18" charset="0"/>
+                        <a:ea typeface="Cambria Math" panose="02040503050406030204" pitchFamily="18" charset="0"/>
+                      </a:rPr>
+                      <m:t>𝜋</m:t>
+                    </m:r>
+                    <m:r>
+                      <a:rPr lang="en-US" sz="2400" b="0" i="1" dirty="0" smtClean="0">
+                        <a:latin typeface="Cambria Math" panose="02040503050406030204" pitchFamily="18" charset="0"/>
+                        <a:ea typeface="Cambria Math" panose="02040503050406030204" pitchFamily="18" charset="0"/>
+                      </a:rPr>
+                      <m:t>)</m:t>
+                    </m:r>
+                  </m:oMath>
+                </a14:m>
+                <a:r>
+                  <a:rPr lang="en-US" sz="2400" dirty="0"/>
+                  <a:t> and moves (from his current position) </a:t>
+                </a:r>
+                <a:r>
+                  <a:rPr lang="en-US" sz="2400" u="sng" dirty="0"/>
+                  <a:t>one</a:t>
+                </a:r>
+                <a:r>
+                  <a:rPr lang="en-US" sz="2400" dirty="0"/>
+                  <a:t> unit of distance in that </a:t>
+                </a:r>
+                <a:r>
+                  <a:rPr lang="en-US" sz="2400" b="1" dirty="0">
+                    <a:solidFill>
+                      <a:srgbClr val="FF0000"/>
+                    </a:solidFill>
+                  </a:rPr>
+                  <a:t>radial</a:t>
+                </a:r>
+                <a:r>
+                  <a:rPr lang="en-US" sz="2400" dirty="0"/>
+                  <a:t> direction</a:t>
+                </a:r>
+              </a:p>
+              <a:p>
+                <a:r>
+                  <a:rPr lang="en-US" sz="2400" dirty="0"/>
+                  <a:t>Your boss wants your program to show the entire journey of </a:t>
+                </a:r>
+                <a:r>
+                  <a:rPr lang="en-US" sz="2400" b="1" dirty="0">
+                    <a:solidFill>
+                      <a:srgbClr val="0070C0"/>
+                    </a:solidFill>
+                  </a:rPr>
+                  <a:t>10,000</a:t>
+                </a:r>
+                <a:r>
+                  <a:rPr lang="en-US" sz="2400" dirty="0"/>
+                  <a:t> random steps in your plot</a:t>
+                </a:r>
+              </a:p>
+              <a:p>
+                <a:r>
+                  <a:rPr lang="en-US" sz="2400" dirty="0"/>
+                  <a:t>On average, how far away (Pythagorean distance) from the start point will the walker </a:t>
+                </a:r>
+                <a:r>
+                  <a:rPr lang="en-US" sz="2400" b="1" dirty="0"/>
+                  <a:t>stop</a:t>
+                </a:r>
+                <a:r>
+                  <a:rPr lang="en-US" sz="2400" dirty="0"/>
+                  <a:t>?</a:t>
+                </a:r>
+              </a:p>
+            </p:txBody>
+          </p:sp>
+        </mc:Choice>
+        <mc:Fallback>
+          <p:sp>
+            <p:nvSpPr>
+              <p:cNvPr id="3" name="Content Placeholder 2">
+                <a:extLst>
+                  <a:ext uri="{FF2B5EF4-FFF2-40B4-BE49-F238E27FC236}">
+                    <a16:creationId xmlns:a16="http://schemas.microsoft.com/office/drawing/2014/main" id="{9B72E0DF-EA1E-2B29-FBAA-C77F1DA8F842}"/>
+                  </a:ext>
+                </a:extLst>
+              </p:cNvPr>
+              <p:cNvSpPr>
+                <a:spLocks noGrp="1" noRot="1" noChangeAspect="1" noMove="1" noResize="1" noEditPoints="1" noAdjustHandles="1" noChangeArrowheads="1" noChangeShapeType="1" noTextEdit="1"/>
+              </p:cNvSpPr>
+              <p:nvPr>
+                <p:ph idx="1"/>
+              </p:nvPr>
+            </p:nvSpPr>
+            <p:spPr>
+              <a:blipFill>
+                <a:blip r:embed="rId2"/>
+                <a:stretch>
+                  <a:fillRect l="-1005" t="-1961" r="-1391" b="-140"/>
+                </a:stretch>
+              </a:blipFill>
+            </p:spPr>
+            <p:txBody>
+              <a:bodyPr/>
+              <a:lstStyle/>
+              <a:p>
+                <a:r>
+                  <a:rPr lang="en-US">
+                    <a:noFill/>
+                  </a:rPr>
+                  <a:t> </a:t>
+                </a:r>
+              </a:p>
+            </p:txBody>
+          </p:sp>
+        </mc:Fallback>
+      </mc:AlternateContent>
+      <p:sp>
+        <p:nvSpPr>
+          <p:cNvPr id="4" name="Slide Number Placeholder 3">
+            <a:extLst>
+              <a:ext uri="{FF2B5EF4-FFF2-40B4-BE49-F238E27FC236}">
+                <a16:creationId xmlns:a16="http://schemas.microsoft.com/office/drawing/2014/main" id="{80CC9F32-161F-C116-92EA-A6FCC6DD8558}"/>
+              </a:ext>
+            </a:extLst>
+          </p:cNvPr>
+          <p:cNvSpPr>
+            <a:spLocks noGrp="1"/>
+          </p:cNvSpPr>
+          <p:nvPr>
+            <p:ph type="sldNum" sz="quarter" idx="12"/>
+          </p:nvPr>
+        </p:nvSpPr>
+        <p:spPr/>
+        <p:txBody>
+          <a:bodyPr/>
+          <a:lstStyle/>
+          <a:p>
+            <a:fld id="{650AD656-6FF9-465D-B7B0-1CD0DD39CD23}" type="slidenum">
+              <a:rPr lang="en-US" smtClean="0"/>
+              <a:pPr/>
+              <a:t>28</a:t>
+            </a:fld>
+            <a:endParaRPr lang="en-US"/>
+          </a:p>
+        </p:txBody>
+      </p:sp>
+    </p:spTree>
+    <p:extLst>
+      <p:ext uri="{BB962C8B-B14F-4D97-AF65-F5344CB8AC3E}">
+        <p14:creationId xmlns:p14="http://schemas.microsoft.com/office/powerpoint/2010/main" val="782645928"/>
+      </p:ext>
+    </p:extLst>
+  </p:cSld>
+  <p:clrMapOvr>
+    <a:masterClrMapping/>
+  </p:clrMapOvr>
+  <p:timing>
+    <p:tnLst>
+      <p:par>
+        <p:cTn id="1" dur="indefinite" restart="never" nodeType="tmRoot">
+          <p:childTnLst>
+            <p:seq concurrent="1" nextAc="seek">
+              <p:cTn id="2" dur="indefinite" nodeType="mainSeq">
+                <p:childTnLst>
+                  <p:par>
+                    <p:cTn id="3" fill="hold">
+                      <p:stCondLst>
+                        <p:cond delay="indefinite"/>
+                      </p:stCondLst>
+                      <p:childTnLst>
+                        <p:par>
+                          <p:cTn id="4" fill="hold">
+                            <p:stCondLst>
+                              <p:cond delay="0"/>
+                            </p:stCondLst>
+                            <p:childTnLst>
+                              <p:par>
+                                <p:cTn id="5" presetID="1" presetClass="entr" presetSubtype="0" fill="hold" nodeType="clickEffect">
+                                  <p:stCondLst>
+                                    <p:cond delay="0"/>
+                                  </p:stCondLst>
+                                  <p:childTnLst>
+                                    <p:set>
+                                      <p:cBhvr>
+                                        <p:cTn id="6" dur="1" fill="hold">
+                                          <p:stCondLst>
+                                            <p:cond delay="0"/>
+                                          </p:stCondLst>
+                                        </p:cTn>
+                                        <p:tgtEl>
+                                          <p:spTgt spid="3">
+                                            <p:txEl>
+                                              <p:pRg st="1" end="1"/>
+                                            </p:txEl>
+                                          </p:spTgt>
+                                        </p:tgtEl>
+                                        <p:attrNameLst>
+                                          <p:attrName>style.visibility</p:attrName>
+                                        </p:attrNameLst>
+                                      </p:cBhvr>
+                                      <p:to>
+                                        <p:strVal val="visible"/>
+                                      </p:to>
+                                    </p:set>
+                                  </p:childTnLst>
+                                </p:cTn>
+                              </p:par>
+                            </p:childTnLst>
+                          </p:cTn>
+                        </p:par>
+                      </p:childTnLst>
+                    </p:cTn>
+                  </p:par>
+                  <p:par>
+                    <p:cTn id="7" fill="hold">
+                      <p:stCondLst>
+                        <p:cond delay="indefinite"/>
+                      </p:stCondLst>
+                      <p:childTnLst>
+                        <p:par>
+                          <p:cTn id="8" fill="hold">
+                            <p:stCondLst>
+                              <p:cond delay="0"/>
+                            </p:stCondLst>
+                            <p:childTnLst>
+                              <p:par>
+                                <p:cTn id="9" presetID="1" presetClass="entr" presetSubtype="0" fill="hold" nodeType="clickEffect">
+                                  <p:stCondLst>
+                                    <p:cond delay="0"/>
+                                  </p:stCondLst>
+                                  <p:childTnLst>
+                                    <p:set>
+                                      <p:cBhvr>
+                                        <p:cTn id="10" dur="1" fill="hold">
+                                          <p:stCondLst>
+                                            <p:cond delay="0"/>
+                                          </p:stCondLst>
+                                        </p:cTn>
+                                        <p:tgtEl>
+                                          <p:spTgt spid="3">
+                                            <p:txEl>
+                                              <p:pRg st="2" end="2"/>
+                                            </p:txEl>
+                                          </p:spTgt>
+                                        </p:tgtEl>
+                                        <p:attrNameLst>
+                                          <p:attrName>style.visibility</p:attrName>
+                                        </p:attrNameLst>
+                                      </p:cBhvr>
+                                      <p:to>
+                                        <p:strVal val="visible"/>
+                                      </p:to>
+                                    </p:set>
+                                  </p:childTnLst>
+                                </p:cTn>
+                              </p:par>
+                            </p:childTnLst>
+                          </p:cTn>
+                        </p:par>
+                      </p:childTnLst>
+                    </p:cTn>
+                  </p:par>
+                  <p:par>
+                    <p:cTn id="11" fill="hold">
+                      <p:stCondLst>
+                        <p:cond delay="indefinite"/>
+                      </p:stCondLst>
+                      <p:childTnLst>
+                        <p:par>
+                          <p:cTn id="12" fill="hold">
+                            <p:stCondLst>
+                              <p:cond delay="0"/>
+                            </p:stCondLst>
+                            <p:childTnLst>
+                              <p:par>
+                                <p:cTn id="13" presetID="1" presetClass="entr" presetSubtype="0" fill="hold" nodeType="clickEffect">
+                                  <p:stCondLst>
+                                    <p:cond delay="0"/>
+                                  </p:stCondLst>
+                                  <p:childTnLst>
+                                    <p:set>
+                                      <p:cBhvr>
+                                        <p:cTn id="14" dur="1" fill="hold">
+                                          <p:stCondLst>
+                                            <p:cond delay="0"/>
+                                          </p:stCondLst>
+                                        </p:cTn>
+                                        <p:tgtEl>
+                                          <p:spTgt spid="3">
+                                            <p:txEl>
+                                              <p:pRg st="3" end="3"/>
+                                            </p:txEl>
+                                          </p:spTgt>
+                                        </p:tgtEl>
+                                        <p:attrNameLst>
+                                          <p:attrName>style.visibility</p:attrName>
+                                        </p:attrNameLst>
+                                      </p:cBhvr>
+                                      <p:to>
+                                        <p:strVal val="visible"/>
+                                      </p:to>
+                                    </p:set>
+                                  </p:childTnLst>
+                                </p:cTn>
+                              </p:par>
+                            </p:childTnLst>
+                          </p:cTn>
+                        </p:par>
+                      </p:childTnLst>
+                    </p:cTn>
+                  </p:par>
+                  <p:par>
+                    <p:cTn id="15" fill="hold">
+                      <p:stCondLst>
+                        <p:cond delay="indefinite"/>
+                      </p:stCondLst>
+                      <p:childTnLst>
+                        <p:par>
+                          <p:cTn id="16" fill="hold">
+                            <p:stCondLst>
+                              <p:cond delay="0"/>
+                            </p:stCondLst>
+                            <p:childTnLst>
+                              <p:par>
+                                <p:cTn id="17" presetID="1" presetClass="entr" presetSubtype="0" fill="hold" nodeType="clickEffect">
+                                  <p:stCondLst>
+                                    <p:cond delay="0"/>
+                                  </p:stCondLst>
+                                  <p:childTnLst>
+                                    <p:set>
+                                      <p:cBhvr>
+                                        <p:cTn id="18" dur="1" fill="hold">
+                                          <p:stCondLst>
+                                            <p:cond delay="0"/>
+                                          </p:stCondLst>
+                                        </p:cTn>
+                                        <p:tgtEl>
+                                          <p:spTgt spid="3">
+                                            <p:txEl>
+                                              <p:pRg st="4" end="4"/>
+                                            </p:txEl>
+                                          </p:spTgt>
+                                        </p:tgtEl>
+                                        <p:attrNameLst>
+                                          <p:attrName>style.visibility</p:attrName>
+                                        </p:attrNameLst>
+                                      </p:cBhvr>
+                                      <p:to>
+                                        <p:strVal val="visible"/>
+                                      </p:to>
+                                    </p:set>
+                                  </p:childTnLst>
+                                </p:cTn>
+                              </p:par>
+                            </p:childTnLst>
+                          </p:cTn>
+                        </p:par>
+                      </p:childTnLst>
+                    </p:cTn>
+                  </p:par>
+                </p:childTnLst>
+              </p:cTn>
+              <p:prevCondLst>
+                <p:cond evt="onPrev" delay="0">
+                  <p:tgtEl>
+                    <p:sldTgt/>
+                  </p:tgtEl>
+                </p:cond>
+              </p:prevCondLst>
+              <p:nextCondLst>
+                <p:cond evt="onNext" delay="0">
+                  <p:tgtEl>
+                    <p:sldTgt/>
+                  </p:tgtEl>
+                </p:cond>
+              </p:nextCondLst>
+            </p:seq>
+          </p:childTnLst>
+        </p:cTn>
+      </p:par>
+    </p:tnLst>
+  </p:timing>
+</p:sld>
+</file>
+
+<file path=ppt/slides/slide29.xml><?xml version="1.0" encoding="utf-8"?>
+<p:sld xmlns:a="http://schemas.openxmlformats.org/drawingml/2006/main" xmlns:r="http://schemas.openxmlformats.org/officeDocument/2006/relationships" xmlns:p="http://schemas.openxmlformats.org/presentationml/2006/main">
+  <p:cSld>
+    <p:spTree>
+      <p:nvGrpSpPr>
+        <p:cNvPr id="1" name=""/>
+        <p:cNvGrpSpPr/>
+        <p:nvPr/>
+      </p:nvGrpSpPr>
+      <p:grpSpPr>
+        <a:xfrm>
+          <a:off x="0" y="0"/>
+          <a:ext cx="0" cy="0"/>
+          <a:chOff x="0" y="0"/>
+          <a:chExt cx="0" cy="0"/>
+        </a:xfrm>
+      </p:grpSpPr>
+      <p:pic>
+        <p:nvPicPr>
+          <p:cNvPr id="10" name="Picture 9">
+            <a:extLst>
+              <a:ext uri="{FF2B5EF4-FFF2-40B4-BE49-F238E27FC236}">
+                <a16:creationId xmlns:a16="http://schemas.microsoft.com/office/drawing/2014/main" id="{E7E2376B-0076-2EA6-5C92-B4B98B0516DB}"/>
+              </a:ext>
+            </a:extLst>
+          </p:cNvPr>
+          <p:cNvPicPr>
+            <a:picLocks noChangeAspect="1"/>
+          </p:cNvPicPr>
+          <p:nvPr/>
+        </p:nvPicPr>
+        <p:blipFill>
+          <a:blip r:embed="rId2"/>
+          <a:stretch>
+            <a:fillRect/>
+          </a:stretch>
+        </p:blipFill>
+        <p:spPr>
+          <a:xfrm>
+            <a:off x="2248190" y="1809024"/>
+            <a:ext cx="4647619" cy="4619048"/>
+          </a:xfrm>
+          <a:prstGeom prst="rect">
+            <a:avLst/>
+          </a:prstGeom>
+          <a:ln>
+            <a:solidFill>
+              <a:schemeClr val="tx1"/>
+            </a:solidFill>
+          </a:ln>
+        </p:spPr>
+      </p:pic>
+      <p:sp>
+        <p:nvSpPr>
+          <p:cNvPr id="2" name="Title 1"/>
+          <p:cNvSpPr>
+            <a:spLocks noGrp="1"/>
+          </p:cNvSpPr>
+          <p:nvPr>
+            <p:ph type="title"/>
+          </p:nvPr>
+        </p:nvSpPr>
+        <p:spPr/>
+        <p:txBody>
+          <a:bodyPr>
+            <a:noAutofit/>
+          </a:bodyPr>
+          <a:lstStyle/>
+          <a:p>
+            <a:pPr algn="ctr"/>
+            <a:r>
+              <a:rPr lang="en-US" sz="3200" b="1" dirty="0">
+                <a:solidFill>
+                  <a:srgbClr val="FF0000"/>
+                </a:solidFill>
+                <a:latin typeface="+mn-lt"/>
+              </a:rPr>
+              <a:t>Edit</a:t>
+            </a:r>
+            <a:r>
+              <a:rPr lang="en-US" sz="3200" dirty="0">
+                <a:latin typeface="+mn-lt"/>
+              </a:rPr>
+              <a:t> random_walk.py</a:t>
+            </a:r>
+          </a:p>
+        </p:txBody>
+      </p:sp>
+      <p:sp>
+        <p:nvSpPr>
+          <p:cNvPr id="4" name="Slide Number Placeholder 3"/>
+          <p:cNvSpPr>
+            <a:spLocks noGrp="1"/>
+          </p:cNvSpPr>
+          <p:nvPr>
+            <p:ph type="sldNum" sz="quarter" idx="12"/>
+          </p:nvPr>
+        </p:nvSpPr>
+        <p:spPr/>
+        <p:txBody>
+          <a:bodyPr/>
+          <a:lstStyle/>
+          <a:p>
+            <a:fld id="{650AD656-6FF9-465D-B7B0-1CD0DD39CD23}" type="slidenum">
+              <a:rPr lang="en-US" smtClean="0"/>
+              <a:t>29</a:t>
+            </a:fld>
+            <a:endParaRPr lang="en-US" dirty="0"/>
+          </a:p>
+        </p:txBody>
+      </p:sp>
+      <p:sp>
+        <p:nvSpPr>
+          <p:cNvPr id="8" name="Rectangle 7">
+            <a:extLst>
+              <a:ext uri="{FF2B5EF4-FFF2-40B4-BE49-F238E27FC236}">
+                <a16:creationId xmlns:a16="http://schemas.microsoft.com/office/drawing/2014/main" id="{585391E5-BC90-E82A-22F8-C65E8DA64E99}"/>
+              </a:ext>
+            </a:extLst>
+          </p:cNvPr>
+          <p:cNvSpPr/>
+          <p:nvPr/>
+        </p:nvSpPr>
+        <p:spPr>
+          <a:xfrm>
+            <a:off x="2248190" y="3944673"/>
+            <a:ext cx="4647619" cy="777229"/>
+          </a:xfrm>
+          <a:prstGeom prst="rect">
+            <a:avLst/>
+          </a:prstGeom>
+          <a:noFill/>
+          <a:ln w="28575">
+            <a:solidFill>
+              <a:srgbClr val="00B050"/>
+            </a:solidFill>
+          </a:ln>
+        </p:spPr>
+        <p:style>
+          <a:lnRef idx="2">
+            <a:schemeClr val="accent1">
+              <a:shade val="15000"/>
+            </a:schemeClr>
+          </a:lnRef>
+          <a:fillRef idx="1">
+            <a:schemeClr val="accent1"/>
+          </a:fillRef>
+          <a:effectRef idx="0">
+            <a:schemeClr val="accent1"/>
+          </a:effectRef>
+          <a:fontRef idx="minor">
+            <a:schemeClr val="lt1"/>
+          </a:fontRef>
+        </p:style>
+        <p:txBody>
+          <a:bodyPr rtlCol="0" anchor="ctr"/>
+          <a:lstStyle/>
+          <a:p>
+            <a:pPr algn="ctr"/>
+            <a:endParaRPr lang="en-US"/>
+          </a:p>
+        </p:txBody>
+      </p:sp>
+      <p:grpSp>
+        <p:nvGrpSpPr>
+          <p:cNvPr id="11" name="Group 10">
+            <a:extLst>
+              <a:ext uri="{FF2B5EF4-FFF2-40B4-BE49-F238E27FC236}">
+                <a16:creationId xmlns:a16="http://schemas.microsoft.com/office/drawing/2014/main" id="{FC8A52F0-7EE5-9C31-C388-C68ACC9187F3}"/>
+              </a:ext>
+            </a:extLst>
+          </p:cNvPr>
+          <p:cNvGrpSpPr/>
+          <p:nvPr/>
+        </p:nvGrpSpPr>
+        <p:grpSpPr>
+          <a:xfrm>
+            <a:off x="4477599" y="2707173"/>
+            <a:ext cx="1076632" cy="369332"/>
+            <a:chOff x="4968362" y="2079211"/>
+            <a:chExt cx="1076632" cy="369332"/>
+          </a:xfrm>
+        </p:grpSpPr>
+        <p:cxnSp>
+          <p:nvCxnSpPr>
+            <p:cNvPr id="12" name="Straight Arrow Connector 11">
+              <a:extLst>
+                <a:ext uri="{FF2B5EF4-FFF2-40B4-BE49-F238E27FC236}">
+                  <a16:creationId xmlns:a16="http://schemas.microsoft.com/office/drawing/2014/main" id="{D459E5EE-182A-0BC2-673D-9DE4D926ADCF}"/>
+                </a:ext>
+              </a:extLst>
+            </p:cNvPr>
+            <p:cNvCxnSpPr>
+              <a:cxnSpLocks/>
+            </p:cNvCxnSpPr>
+            <p:nvPr/>
+          </p:nvCxnSpPr>
+          <p:spPr>
+            <a:xfrm flipH="1">
+              <a:off x="4968362" y="2263877"/>
+              <a:ext cx="693174" cy="0"/>
+            </a:xfrm>
+            <a:prstGeom prst="straightConnector1">
+              <a:avLst/>
+            </a:prstGeom>
+            <a:ln w="38100">
+              <a:solidFill>
+                <a:srgbClr val="FF0000"/>
+              </a:solidFill>
+              <a:tailEnd type="triangle"/>
+            </a:ln>
+          </p:spPr>
+          <p:style>
+            <a:lnRef idx="1">
+              <a:schemeClr val="accent1"/>
+            </a:lnRef>
+            <a:fillRef idx="0">
+              <a:schemeClr val="accent1"/>
+            </a:fillRef>
+            <a:effectRef idx="0">
+              <a:schemeClr val="accent1"/>
+            </a:effectRef>
+            <a:fontRef idx="minor">
+              <a:schemeClr val="tx1"/>
+            </a:fontRef>
+          </p:style>
+        </p:cxnSp>
+        <p:sp>
+          <p:nvSpPr>
+            <p:cNvPr id="13" name="TextBox 12">
+              <a:extLst>
+                <a:ext uri="{FF2B5EF4-FFF2-40B4-BE49-F238E27FC236}">
+                  <a16:creationId xmlns:a16="http://schemas.microsoft.com/office/drawing/2014/main" id="{2D9945A8-437D-2F41-6108-5729BBCDEDC3}"/>
+                </a:ext>
+              </a:extLst>
+            </p:cNvPr>
+            <p:cNvSpPr txBox="1"/>
+            <p:nvPr/>
+          </p:nvSpPr>
+          <p:spPr>
+            <a:xfrm>
+              <a:off x="5661536" y="2079211"/>
+              <a:ext cx="383458" cy="369332"/>
+            </a:xfrm>
+            <a:prstGeom prst="rect">
+              <a:avLst/>
+            </a:prstGeom>
+            <a:noFill/>
+          </p:spPr>
+          <p:txBody>
+            <a:bodyPr wrap="square" rtlCol="0">
+              <a:spAutoFit/>
+            </a:bodyPr>
+            <a:lstStyle/>
+            <a:p>
+              <a:r>
+                <a:rPr lang="en-US" dirty="0">
+                  <a:ln>
+                    <a:solidFill>
+                      <a:srgbClr val="FF0000"/>
+                    </a:solidFill>
+                  </a:ln>
+                  <a:solidFill>
+                    <a:srgbClr val="FF0000"/>
+                  </a:solidFill>
+                  <a:sym typeface="Wingdings" panose="05000000000000000000" pitchFamily="2" charset="2"/>
+                </a:rPr>
+                <a:t></a:t>
+              </a:r>
+              <a:endParaRPr lang="en-US" dirty="0">
+                <a:ln>
+                  <a:solidFill>
+                    <a:srgbClr val="FF0000"/>
+                  </a:solidFill>
+                </a:ln>
+                <a:solidFill>
+                  <a:srgbClr val="FF0000"/>
+                </a:solidFill>
+              </a:endParaRPr>
+            </a:p>
+          </p:txBody>
+        </p:sp>
+      </p:grpSp>
+      <p:grpSp>
+        <p:nvGrpSpPr>
+          <p:cNvPr id="14" name="Group 13">
+            <a:extLst>
+              <a:ext uri="{FF2B5EF4-FFF2-40B4-BE49-F238E27FC236}">
+                <a16:creationId xmlns:a16="http://schemas.microsoft.com/office/drawing/2014/main" id="{E38D92CF-FE20-15B2-DB4C-1388EF21AD1E}"/>
+              </a:ext>
+            </a:extLst>
+          </p:cNvPr>
+          <p:cNvGrpSpPr/>
+          <p:nvPr/>
+        </p:nvGrpSpPr>
+        <p:grpSpPr>
+          <a:xfrm>
+            <a:off x="3660641" y="2905832"/>
+            <a:ext cx="1076632" cy="369332"/>
+            <a:chOff x="4704120" y="2356972"/>
+            <a:chExt cx="1076632" cy="369332"/>
+          </a:xfrm>
+        </p:grpSpPr>
+        <p:cxnSp>
+          <p:nvCxnSpPr>
+            <p:cNvPr id="15" name="Straight Arrow Connector 14">
+              <a:extLst>
+                <a:ext uri="{FF2B5EF4-FFF2-40B4-BE49-F238E27FC236}">
+                  <a16:creationId xmlns:a16="http://schemas.microsoft.com/office/drawing/2014/main" id="{6117E890-D1BD-B283-2F82-343BE9CE2E1D}"/>
+                </a:ext>
+              </a:extLst>
+            </p:cNvPr>
+            <p:cNvCxnSpPr>
+              <a:cxnSpLocks/>
+            </p:cNvCxnSpPr>
+            <p:nvPr/>
+          </p:nvCxnSpPr>
+          <p:spPr>
+            <a:xfrm flipH="1">
+              <a:off x="4704120" y="2541638"/>
+              <a:ext cx="693174" cy="0"/>
+            </a:xfrm>
+            <a:prstGeom prst="straightConnector1">
+              <a:avLst/>
+            </a:prstGeom>
+            <a:ln w="38100">
+              <a:solidFill>
+                <a:srgbClr val="FF0000"/>
+              </a:solidFill>
+              <a:tailEnd type="triangle"/>
+            </a:ln>
+          </p:spPr>
+          <p:style>
+            <a:lnRef idx="1">
+              <a:schemeClr val="accent1"/>
+            </a:lnRef>
+            <a:fillRef idx="0">
+              <a:schemeClr val="accent1"/>
+            </a:fillRef>
+            <a:effectRef idx="0">
+              <a:schemeClr val="accent1"/>
+            </a:effectRef>
+            <a:fontRef idx="minor">
+              <a:schemeClr val="tx1"/>
+            </a:fontRef>
+          </p:style>
+        </p:cxnSp>
+        <p:sp>
+          <p:nvSpPr>
+            <p:cNvPr id="16" name="TextBox 15">
+              <a:extLst>
+                <a:ext uri="{FF2B5EF4-FFF2-40B4-BE49-F238E27FC236}">
+                  <a16:creationId xmlns:a16="http://schemas.microsoft.com/office/drawing/2014/main" id="{084A8D69-BEA4-5E8C-47C9-9E741715D40C}"/>
+                </a:ext>
+              </a:extLst>
+            </p:cNvPr>
+            <p:cNvSpPr txBox="1"/>
+            <p:nvPr/>
+          </p:nvSpPr>
+          <p:spPr>
+            <a:xfrm>
+              <a:off x="5397294" y="2356972"/>
+              <a:ext cx="383458" cy="369332"/>
+            </a:xfrm>
+            <a:prstGeom prst="rect">
+              <a:avLst/>
+            </a:prstGeom>
+            <a:noFill/>
+          </p:spPr>
+          <p:txBody>
+            <a:bodyPr wrap="square" rtlCol="0">
+              <a:spAutoFit/>
+            </a:bodyPr>
+            <a:lstStyle/>
+            <a:p>
+              <a:r>
+                <a:rPr lang="en-US" dirty="0">
+                  <a:ln>
+                    <a:solidFill>
+                      <a:srgbClr val="FF0000"/>
+                    </a:solidFill>
+                  </a:ln>
+                  <a:solidFill>
+                    <a:srgbClr val="FF0000"/>
+                  </a:solidFill>
+                  <a:sym typeface="Wingdings" panose="05000000000000000000" pitchFamily="2" charset="2"/>
+                </a:rPr>
+                <a:t></a:t>
+              </a:r>
+              <a:endParaRPr lang="en-US" dirty="0">
+                <a:ln>
+                  <a:solidFill>
+                    <a:srgbClr val="FF0000"/>
+                  </a:solidFill>
+                </a:ln>
+                <a:solidFill>
+                  <a:srgbClr val="FF0000"/>
+                </a:solidFill>
+              </a:endParaRPr>
+            </a:p>
+          </p:txBody>
+        </p:sp>
+      </p:grpSp>
+      <p:grpSp>
+        <p:nvGrpSpPr>
+          <p:cNvPr id="17" name="Group 16">
+            <a:extLst>
+              <a:ext uri="{FF2B5EF4-FFF2-40B4-BE49-F238E27FC236}">
+                <a16:creationId xmlns:a16="http://schemas.microsoft.com/office/drawing/2014/main" id="{0535D000-53D2-1BBB-1025-390F091323BF}"/>
+              </a:ext>
+            </a:extLst>
+          </p:cNvPr>
+          <p:cNvGrpSpPr/>
+          <p:nvPr/>
+        </p:nvGrpSpPr>
+        <p:grpSpPr>
+          <a:xfrm>
+            <a:off x="4102130" y="3155066"/>
+            <a:ext cx="1068643" cy="369332"/>
+            <a:chOff x="3647644" y="4910075"/>
+            <a:chExt cx="1068643" cy="369332"/>
+          </a:xfrm>
+        </p:grpSpPr>
+        <p:sp>
+          <p:nvSpPr>
+            <p:cNvPr id="18" name="TextBox 17">
+              <a:extLst>
+                <a:ext uri="{FF2B5EF4-FFF2-40B4-BE49-F238E27FC236}">
+                  <a16:creationId xmlns:a16="http://schemas.microsoft.com/office/drawing/2014/main" id="{8516AA1A-5CE9-113A-C36D-99ADB10886B0}"/>
+                </a:ext>
+              </a:extLst>
+            </p:cNvPr>
+            <p:cNvSpPr txBox="1"/>
+            <p:nvPr/>
+          </p:nvSpPr>
+          <p:spPr>
+            <a:xfrm>
+              <a:off x="4332829" y="4910075"/>
+              <a:ext cx="383458" cy="369332"/>
+            </a:xfrm>
+            <a:prstGeom prst="rect">
+              <a:avLst/>
+            </a:prstGeom>
+            <a:noFill/>
+          </p:spPr>
+          <p:txBody>
+            <a:bodyPr wrap="square" rtlCol="0">
+              <a:spAutoFit/>
+            </a:bodyPr>
+            <a:lstStyle/>
+            <a:p>
+              <a:r>
+                <a:rPr lang="en-US" dirty="0">
+                  <a:ln>
+                    <a:solidFill>
+                      <a:srgbClr val="FF0000"/>
+                    </a:solidFill>
+                  </a:ln>
+                  <a:solidFill>
+                    <a:srgbClr val="FF0000"/>
+                  </a:solidFill>
+                  <a:sym typeface="Wingdings" panose="05000000000000000000" pitchFamily="2" charset="2"/>
+                </a:rPr>
+                <a:t></a:t>
+              </a:r>
+              <a:endParaRPr lang="en-US" dirty="0">
+                <a:ln>
+                  <a:solidFill>
+                    <a:srgbClr val="FF0000"/>
+                  </a:solidFill>
+                </a:ln>
+                <a:solidFill>
+                  <a:srgbClr val="FF0000"/>
+                </a:solidFill>
+              </a:endParaRPr>
+            </a:p>
+          </p:txBody>
+        </p:sp>
+        <p:cxnSp>
+          <p:nvCxnSpPr>
+            <p:cNvPr id="19" name="Straight Arrow Connector 18">
+              <a:extLst>
+                <a:ext uri="{FF2B5EF4-FFF2-40B4-BE49-F238E27FC236}">
+                  <a16:creationId xmlns:a16="http://schemas.microsoft.com/office/drawing/2014/main" id="{64624F48-9815-57D1-88E1-BB0AE61CFAD5}"/>
+                </a:ext>
+              </a:extLst>
+            </p:cNvPr>
+            <p:cNvCxnSpPr>
+              <a:cxnSpLocks/>
+            </p:cNvCxnSpPr>
+            <p:nvPr/>
+          </p:nvCxnSpPr>
+          <p:spPr>
+            <a:xfrm flipH="1">
+              <a:off x="3647644" y="5094741"/>
+              <a:ext cx="693174" cy="0"/>
+            </a:xfrm>
+            <a:prstGeom prst="straightConnector1">
+              <a:avLst/>
+            </a:prstGeom>
+            <a:ln w="38100">
+              <a:solidFill>
+                <a:srgbClr val="FF0000"/>
+              </a:solidFill>
+              <a:tailEnd type="triangle"/>
+            </a:ln>
+          </p:spPr>
+          <p:style>
+            <a:lnRef idx="1">
+              <a:schemeClr val="accent1"/>
+            </a:lnRef>
+            <a:fillRef idx="0">
+              <a:schemeClr val="accent1"/>
+            </a:fillRef>
+            <a:effectRef idx="0">
+              <a:schemeClr val="accent1"/>
+            </a:effectRef>
+            <a:fontRef idx="minor">
+              <a:schemeClr val="tx1"/>
+            </a:fontRef>
+          </p:style>
+        </p:cxnSp>
+      </p:grpSp>
+      <p:grpSp>
+        <p:nvGrpSpPr>
+          <p:cNvPr id="20" name="Group 19">
+            <a:extLst>
+              <a:ext uri="{FF2B5EF4-FFF2-40B4-BE49-F238E27FC236}">
+                <a16:creationId xmlns:a16="http://schemas.microsoft.com/office/drawing/2014/main" id="{A31DCA7A-D50D-185D-888F-F6E06AD9CC68}"/>
+              </a:ext>
+            </a:extLst>
+          </p:cNvPr>
+          <p:cNvGrpSpPr/>
+          <p:nvPr/>
+        </p:nvGrpSpPr>
+        <p:grpSpPr>
+          <a:xfrm>
+            <a:off x="4623589" y="3865114"/>
+            <a:ext cx="1064340" cy="369332"/>
+            <a:chOff x="3647644" y="5421073"/>
+            <a:chExt cx="1064340" cy="369332"/>
+          </a:xfrm>
+        </p:grpSpPr>
+        <p:sp>
+          <p:nvSpPr>
+            <p:cNvPr id="21" name="TextBox 20">
+              <a:extLst>
+                <a:ext uri="{FF2B5EF4-FFF2-40B4-BE49-F238E27FC236}">
+                  <a16:creationId xmlns:a16="http://schemas.microsoft.com/office/drawing/2014/main" id="{B75F2F50-DA89-BF6A-6395-FC92736A5F40}"/>
+                </a:ext>
+              </a:extLst>
+            </p:cNvPr>
+            <p:cNvSpPr txBox="1"/>
+            <p:nvPr/>
+          </p:nvSpPr>
+          <p:spPr>
+            <a:xfrm>
+              <a:off x="4328526" y="5421073"/>
+              <a:ext cx="383458" cy="369332"/>
+            </a:xfrm>
+            <a:prstGeom prst="rect">
+              <a:avLst/>
+            </a:prstGeom>
+            <a:noFill/>
+          </p:spPr>
+          <p:txBody>
+            <a:bodyPr wrap="square" rtlCol="0">
+              <a:spAutoFit/>
+            </a:bodyPr>
+            <a:lstStyle/>
+            <a:p>
+              <a:r>
+                <a:rPr lang="en-US" dirty="0">
+                  <a:ln>
+                    <a:solidFill>
+                      <a:srgbClr val="FF0000"/>
+                    </a:solidFill>
+                  </a:ln>
+                  <a:solidFill>
+                    <a:srgbClr val="FF0000"/>
+                  </a:solidFill>
+                  <a:sym typeface="Wingdings" panose="05000000000000000000" pitchFamily="2" charset="2"/>
+                </a:rPr>
+                <a:t></a:t>
+              </a:r>
+              <a:endParaRPr lang="en-US" dirty="0">
+                <a:ln>
+                  <a:solidFill>
+                    <a:srgbClr val="FF0000"/>
+                  </a:solidFill>
+                </a:ln>
+                <a:solidFill>
+                  <a:srgbClr val="FF0000"/>
+                </a:solidFill>
+              </a:endParaRPr>
+            </a:p>
+          </p:txBody>
+        </p:sp>
+        <p:cxnSp>
+          <p:nvCxnSpPr>
+            <p:cNvPr id="22" name="Straight Arrow Connector 21">
+              <a:extLst>
+                <a:ext uri="{FF2B5EF4-FFF2-40B4-BE49-F238E27FC236}">
+                  <a16:creationId xmlns:a16="http://schemas.microsoft.com/office/drawing/2014/main" id="{14E8D808-E819-6934-A470-36B59FE8BD83}"/>
+                </a:ext>
+              </a:extLst>
+            </p:cNvPr>
+            <p:cNvCxnSpPr>
+              <a:cxnSpLocks/>
+            </p:cNvCxnSpPr>
+            <p:nvPr/>
+          </p:nvCxnSpPr>
+          <p:spPr>
+            <a:xfrm flipH="1">
+              <a:off x="3647644" y="5594437"/>
+              <a:ext cx="693174" cy="0"/>
+            </a:xfrm>
+            <a:prstGeom prst="straightConnector1">
+              <a:avLst/>
+            </a:prstGeom>
+            <a:ln w="38100">
+              <a:solidFill>
+                <a:srgbClr val="FF0000"/>
+              </a:solidFill>
+              <a:tailEnd type="triangle"/>
+            </a:ln>
+          </p:spPr>
+          <p:style>
+            <a:lnRef idx="1">
+              <a:schemeClr val="accent1"/>
+            </a:lnRef>
+            <a:fillRef idx="0">
+              <a:schemeClr val="accent1"/>
+            </a:fillRef>
+            <a:effectRef idx="0">
+              <a:schemeClr val="accent1"/>
+            </a:effectRef>
+            <a:fontRef idx="minor">
+              <a:schemeClr val="tx1"/>
+            </a:fontRef>
+          </p:style>
+        </p:cxnSp>
+      </p:grpSp>
+      <p:grpSp>
+        <p:nvGrpSpPr>
+          <p:cNvPr id="23" name="Group 22">
+            <a:extLst>
+              <a:ext uri="{FF2B5EF4-FFF2-40B4-BE49-F238E27FC236}">
+                <a16:creationId xmlns:a16="http://schemas.microsoft.com/office/drawing/2014/main" id="{815480A0-1429-3B80-0166-BE05186A32F2}"/>
+              </a:ext>
+            </a:extLst>
+          </p:cNvPr>
+          <p:cNvGrpSpPr/>
+          <p:nvPr/>
+        </p:nvGrpSpPr>
+        <p:grpSpPr>
+          <a:xfrm>
+            <a:off x="5834489" y="4049780"/>
+            <a:ext cx="1068643" cy="369332"/>
+            <a:chOff x="3647644" y="5359159"/>
+            <a:chExt cx="1068643" cy="369332"/>
+          </a:xfrm>
+        </p:grpSpPr>
+        <p:sp>
+          <p:nvSpPr>
+            <p:cNvPr id="24" name="TextBox 23">
+              <a:extLst>
+                <a:ext uri="{FF2B5EF4-FFF2-40B4-BE49-F238E27FC236}">
+                  <a16:creationId xmlns:a16="http://schemas.microsoft.com/office/drawing/2014/main" id="{CE8F61E4-DEE2-B62C-B3B1-7366311D437A}"/>
+                </a:ext>
+              </a:extLst>
+            </p:cNvPr>
+            <p:cNvSpPr txBox="1"/>
+            <p:nvPr/>
+          </p:nvSpPr>
+          <p:spPr>
+            <a:xfrm>
+              <a:off x="4332829" y="5359159"/>
+              <a:ext cx="383458" cy="369332"/>
+            </a:xfrm>
+            <a:prstGeom prst="rect">
+              <a:avLst/>
+            </a:prstGeom>
+            <a:noFill/>
+          </p:spPr>
+          <p:txBody>
+            <a:bodyPr wrap="square" rtlCol="0">
+              <a:spAutoFit/>
+            </a:bodyPr>
+            <a:lstStyle/>
+            <a:p>
+              <a:r>
+                <a:rPr lang="en-US" dirty="0">
+                  <a:ln>
+                    <a:solidFill>
+                      <a:srgbClr val="FF0000"/>
+                    </a:solidFill>
+                  </a:ln>
+                  <a:solidFill>
+                    <a:srgbClr val="FF0000"/>
+                  </a:solidFill>
+                  <a:sym typeface="Wingdings" panose="05000000000000000000" pitchFamily="2" charset="2"/>
+                </a:rPr>
+                <a:t></a:t>
+              </a:r>
+              <a:endParaRPr lang="en-US" dirty="0">
+                <a:ln>
+                  <a:solidFill>
+                    <a:srgbClr val="FF0000"/>
+                  </a:solidFill>
+                </a:ln>
+                <a:solidFill>
+                  <a:srgbClr val="FF0000"/>
+                </a:solidFill>
+              </a:endParaRPr>
+            </a:p>
+          </p:txBody>
+        </p:sp>
+        <p:cxnSp>
+          <p:nvCxnSpPr>
+            <p:cNvPr id="25" name="Straight Arrow Connector 24">
+              <a:extLst>
+                <a:ext uri="{FF2B5EF4-FFF2-40B4-BE49-F238E27FC236}">
+                  <a16:creationId xmlns:a16="http://schemas.microsoft.com/office/drawing/2014/main" id="{DCC38D75-2574-86E1-533E-1D4704DC347D}"/>
+                </a:ext>
+              </a:extLst>
+            </p:cNvPr>
+            <p:cNvCxnSpPr>
+              <a:cxnSpLocks/>
+            </p:cNvCxnSpPr>
+            <p:nvPr/>
+          </p:nvCxnSpPr>
+          <p:spPr>
+            <a:xfrm flipH="1">
+              <a:off x="3647644" y="5541057"/>
+              <a:ext cx="693174" cy="0"/>
+            </a:xfrm>
+            <a:prstGeom prst="straightConnector1">
+              <a:avLst/>
+            </a:prstGeom>
+            <a:ln w="38100">
+              <a:solidFill>
+                <a:srgbClr val="FF0000"/>
+              </a:solidFill>
+              <a:tailEnd type="triangle"/>
+            </a:ln>
+          </p:spPr>
+          <p:style>
+            <a:lnRef idx="1">
+              <a:schemeClr val="accent1"/>
+            </a:lnRef>
+            <a:fillRef idx="0">
+              <a:schemeClr val="accent1"/>
+            </a:fillRef>
+            <a:effectRef idx="0">
+              <a:schemeClr val="accent1"/>
+            </a:effectRef>
+            <a:fontRef idx="minor">
+              <a:schemeClr val="tx1"/>
+            </a:fontRef>
+          </p:style>
+        </p:cxnSp>
+      </p:grpSp>
+      <p:grpSp>
+        <p:nvGrpSpPr>
+          <p:cNvPr id="26" name="Group 25">
+            <a:extLst>
+              <a:ext uri="{FF2B5EF4-FFF2-40B4-BE49-F238E27FC236}">
+                <a16:creationId xmlns:a16="http://schemas.microsoft.com/office/drawing/2014/main" id="{ACFB02FF-4D76-9FDD-D747-6AC5229DA771}"/>
+              </a:ext>
+            </a:extLst>
+          </p:cNvPr>
+          <p:cNvGrpSpPr/>
+          <p:nvPr/>
+        </p:nvGrpSpPr>
+        <p:grpSpPr>
+          <a:xfrm>
+            <a:off x="5451031" y="4282622"/>
+            <a:ext cx="1076632" cy="369332"/>
+            <a:chOff x="2157212" y="5356391"/>
+            <a:chExt cx="1076632" cy="369332"/>
+          </a:xfrm>
+        </p:grpSpPr>
+        <p:sp>
+          <p:nvSpPr>
+            <p:cNvPr id="27" name="TextBox 26">
+              <a:extLst>
+                <a:ext uri="{FF2B5EF4-FFF2-40B4-BE49-F238E27FC236}">
+                  <a16:creationId xmlns:a16="http://schemas.microsoft.com/office/drawing/2014/main" id="{7ED2E161-5441-D8AD-88E7-ED33C80532EC}"/>
+                </a:ext>
+              </a:extLst>
+            </p:cNvPr>
+            <p:cNvSpPr txBox="1"/>
+            <p:nvPr/>
+          </p:nvSpPr>
+          <p:spPr>
+            <a:xfrm>
+              <a:off x="2850386" y="5356391"/>
+              <a:ext cx="383458" cy="369332"/>
+            </a:xfrm>
+            <a:prstGeom prst="rect">
+              <a:avLst/>
+            </a:prstGeom>
+            <a:noFill/>
+          </p:spPr>
+          <p:txBody>
+            <a:bodyPr wrap="square" rtlCol="0">
+              <a:spAutoFit/>
+            </a:bodyPr>
+            <a:lstStyle/>
+            <a:p>
+              <a:r>
+                <a:rPr lang="en-US" dirty="0">
+                  <a:ln>
+                    <a:solidFill>
+                      <a:srgbClr val="FF0000"/>
+                    </a:solidFill>
+                  </a:ln>
+                  <a:solidFill>
+                    <a:srgbClr val="FF0000"/>
+                  </a:solidFill>
+                  <a:sym typeface="Wingdings" panose="05000000000000000000" pitchFamily="2" charset="2"/>
+                </a:rPr>
+                <a:t></a:t>
+              </a:r>
+              <a:endParaRPr lang="en-US" dirty="0">
+                <a:ln>
+                  <a:solidFill>
+                    <a:srgbClr val="FF0000"/>
+                  </a:solidFill>
+                </a:ln>
+                <a:solidFill>
+                  <a:srgbClr val="FF0000"/>
+                </a:solidFill>
+              </a:endParaRPr>
+            </a:p>
+          </p:txBody>
+        </p:sp>
+        <p:cxnSp>
+          <p:nvCxnSpPr>
+            <p:cNvPr id="28" name="Straight Arrow Connector 27">
+              <a:extLst>
+                <a:ext uri="{FF2B5EF4-FFF2-40B4-BE49-F238E27FC236}">
+                  <a16:creationId xmlns:a16="http://schemas.microsoft.com/office/drawing/2014/main" id="{C324BBCA-2483-9434-4E45-C71BA3788511}"/>
+                </a:ext>
+              </a:extLst>
+            </p:cNvPr>
+            <p:cNvCxnSpPr>
+              <a:cxnSpLocks/>
+            </p:cNvCxnSpPr>
+            <p:nvPr/>
+          </p:nvCxnSpPr>
+          <p:spPr>
+            <a:xfrm flipH="1">
+              <a:off x="2157212" y="5545146"/>
+              <a:ext cx="693174" cy="0"/>
+            </a:xfrm>
+            <a:prstGeom prst="straightConnector1">
+              <a:avLst/>
+            </a:prstGeom>
+            <a:ln w="38100">
+              <a:solidFill>
+                <a:srgbClr val="FF0000"/>
+              </a:solidFill>
+              <a:tailEnd type="triangle"/>
+            </a:ln>
+          </p:spPr>
+          <p:style>
+            <a:lnRef idx="1">
+              <a:schemeClr val="accent1"/>
+            </a:lnRef>
+            <a:fillRef idx="0">
+              <a:schemeClr val="accent1"/>
+            </a:fillRef>
+            <a:effectRef idx="0">
+              <a:schemeClr val="accent1"/>
+            </a:effectRef>
+            <a:fontRef idx="minor">
+              <a:schemeClr val="tx1"/>
+            </a:fontRef>
+          </p:style>
+        </p:cxnSp>
+      </p:grpSp>
+      <p:grpSp>
+        <p:nvGrpSpPr>
+          <p:cNvPr id="29" name="Group 28">
+            <a:extLst>
+              <a:ext uri="{FF2B5EF4-FFF2-40B4-BE49-F238E27FC236}">
+                <a16:creationId xmlns:a16="http://schemas.microsoft.com/office/drawing/2014/main" id="{62CC1E29-9F81-5B9B-DA5E-B0CB4E8AB01D}"/>
+              </a:ext>
+            </a:extLst>
+          </p:cNvPr>
+          <p:cNvGrpSpPr/>
+          <p:nvPr/>
+        </p:nvGrpSpPr>
+        <p:grpSpPr>
+          <a:xfrm>
+            <a:off x="3958018" y="5183170"/>
+            <a:ext cx="1076632" cy="369332"/>
+            <a:chOff x="2157212" y="5356391"/>
+            <a:chExt cx="1076632" cy="369332"/>
+          </a:xfrm>
+        </p:grpSpPr>
+        <p:sp>
+          <p:nvSpPr>
+            <p:cNvPr id="30" name="TextBox 29">
+              <a:extLst>
+                <a:ext uri="{FF2B5EF4-FFF2-40B4-BE49-F238E27FC236}">
+                  <a16:creationId xmlns:a16="http://schemas.microsoft.com/office/drawing/2014/main" id="{9A53B8C5-ED8C-EBA7-2CE7-FED9B1F0E5F8}"/>
+                </a:ext>
+              </a:extLst>
+            </p:cNvPr>
+            <p:cNvSpPr txBox="1"/>
+            <p:nvPr/>
+          </p:nvSpPr>
+          <p:spPr>
+            <a:xfrm>
+              <a:off x="2850386" y="5356391"/>
+              <a:ext cx="383458" cy="369332"/>
+            </a:xfrm>
+            <a:prstGeom prst="rect">
+              <a:avLst/>
+            </a:prstGeom>
+            <a:noFill/>
+          </p:spPr>
+          <p:txBody>
+            <a:bodyPr wrap="square" rtlCol="0">
+              <a:spAutoFit/>
+            </a:bodyPr>
+            <a:lstStyle/>
+            <a:p>
+              <a:r>
+                <a:rPr lang="en-US" dirty="0">
+                  <a:ln>
+                    <a:solidFill>
+                      <a:srgbClr val="FF0000"/>
+                    </a:solidFill>
+                  </a:ln>
+                  <a:solidFill>
+                    <a:srgbClr val="FF0000"/>
+                  </a:solidFill>
+                  <a:sym typeface="Wingdings" panose="05000000000000000000" pitchFamily="2" charset="2"/>
+                </a:rPr>
+                <a:t></a:t>
+              </a:r>
+              <a:endParaRPr lang="en-US" dirty="0">
+                <a:ln>
+                  <a:solidFill>
+                    <a:srgbClr val="FF0000"/>
+                  </a:solidFill>
+                </a:ln>
+                <a:solidFill>
+                  <a:srgbClr val="FF0000"/>
+                </a:solidFill>
+              </a:endParaRPr>
+            </a:p>
+          </p:txBody>
+        </p:sp>
+        <p:cxnSp>
+          <p:nvCxnSpPr>
+            <p:cNvPr id="31" name="Straight Arrow Connector 30">
+              <a:extLst>
+                <a:ext uri="{FF2B5EF4-FFF2-40B4-BE49-F238E27FC236}">
+                  <a16:creationId xmlns:a16="http://schemas.microsoft.com/office/drawing/2014/main" id="{EE63E7AE-22D9-F8DA-A8C4-97680E2D6C9F}"/>
+                </a:ext>
+              </a:extLst>
+            </p:cNvPr>
+            <p:cNvCxnSpPr>
+              <a:cxnSpLocks/>
+            </p:cNvCxnSpPr>
+            <p:nvPr/>
+          </p:nvCxnSpPr>
+          <p:spPr>
+            <a:xfrm flipH="1">
+              <a:off x="2157212" y="5545146"/>
+              <a:ext cx="693174" cy="0"/>
+            </a:xfrm>
+            <a:prstGeom prst="straightConnector1">
+              <a:avLst/>
+            </a:prstGeom>
+            <a:ln w="38100">
+              <a:solidFill>
+                <a:srgbClr val="FF0000"/>
+              </a:solidFill>
+              <a:tailEnd type="triangle"/>
+            </a:ln>
+          </p:spPr>
+          <p:style>
+            <a:lnRef idx="1">
+              <a:schemeClr val="accent1"/>
+            </a:lnRef>
+            <a:fillRef idx="0">
+              <a:schemeClr val="accent1"/>
+            </a:fillRef>
+            <a:effectRef idx="0">
+              <a:schemeClr val="accent1"/>
+            </a:effectRef>
+            <a:fontRef idx="minor">
+              <a:schemeClr val="tx1"/>
+            </a:fontRef>
+          </p:style>
+        </p:cxnSp>
+      </p:grpSp>
+      <p:grpSp>
+        <p:nvGrpSpPr>
+          <p:cNvPr id="32" name="Group 31">
+            <a:extLst>
+              <a:ext uri="{FF2B5EF4-FFF2-40B4-BE49-F238E27FC236}">
+                <a16:creationId xmlns:a16="http://schemas.microsoft.com/office/drawing/2014/main" id="{477B17A3-777D-A1C3-A2E6-02394541A9B5}"/>
+              </a:ext>
+            </a:extLst>
+          </p:cNvPr>
+          <p:cNvGrpSpPr/>
+          <p:nvPr/>
+        </p:nvGrpSpPr>
+        <p:grpSpPr>
+          <a:xfrm>
+            <a:off x="6843784" y="5376420"/>
+            <a:ext cx="1076632" cy="369332"/>
+            <a:chOff x="2157212" y="5356391"/>
+            <a:chExt cx="1076632" cy="369332"/>
+          </a:xfrm>
+        </p:grpSpPr>
+        <p:sp>
+          <p:nvSpPr>
+            <p:cNvPr id="33" name="TextBox 32">
+              <a:extLst>
+                <a:ext uri="{FF2B5EF4-FFF2-40B4-BE49-F238E27FC236}">
+                  <a16:creationId xmlns:a16="http://schemas.microsoft.com/office/drawing/2014/main" id="{0007645E-19C4-BE4D-016E-6D92DA560121}"/>
+                </a:ext>
+              </a:extLst>
+            </p:cNvPr>
+            <p:cNvSpPr txBox="1"/>
+            <p:nvPr/>
+          </p:nvSpPr>
+          <p:spPr>
+            <a:xfrm>
+              <a:off x="2850386" y="5356391"/>
+              <a:ext cx="383458" cy="369332"/>
+            </a:xfrm>
+            <a:prstGeom prst="rect">
+              <a:avLst/>
+            </a:prstGeom>
+            <a:noFill/>
+          </p:spPr>
+          <p:txBody>
+            <a:bodyPr wrap="square" rtlCol="0">
+              <a:spAutoFit/>
+            </a:bodyPr>
+            <a:lstStyle/>
+            <a:p>
+              <a:r>
+                <a:rPr lang="en-US" dirty="0">
+                  <a:ln>
+                    <a:solidFill>
+                      <a:srgbClr val="FF0000"/>
+                    </a:solidFill>
+                  </a:ln>
+                  <a:solidFill>
+                    <a:srgbClr val="FF0000"/>
+                  </a:solidFill>
+                  <a:sym typeface="Wingdings" panose="05000000000000000000" pitchFamily="2" charset="2"/>
+                </a:rPr>
+                <a:t></a:t>
+              </a:r>
+              <a:endParaRPr lang="en-US" dirty="0">
+                <a:ln>
+                  <a:solidFill>
+                    <a:srgbClr val="FF0000"/>
+                  </a:solidFill>
+                </a:ln>
+                <a:solidFill>
+                  <a:srgbClr val="FF0000"/>
+                </a:solidFill>
+              </a:endParaRPr>
+            </a:p>
+          </p:txBody>
+        </p:sp>
+        <p:cxnSp>
+          <p:nvCxnSpPr>
+            <p:cNvPr id="34" name="Straight Arrow Connector 33">
+              <a:extLst>
+                <a:ext uri="{FF2B5EF4-FFF2-40B4-BE49-F238E27FC236}">
+                  <a16:creationId xmlns:a16="http://schemas.microsoft.com/office/drawing/2014/main" id="{1EE4E2FF-ACF8-D4F2-7D42-E785F9C7F2E4}"/>
+                </a:ext>
+              </a:extLst>
+            </p:cNvPr>
+            <p:cNvCxnSpPr>
+              <a:cxnSpLocks/>
+            </p:cNvCxnSpPr>
+            <p:nvPr/>
+          </p:nvCxnSpPr>
+          <p:spPr>
+            <a:xfrm flipH="1">
+              <a:off x="2157212" y="5545146"/>
+              <a:ext cx="693174" cy="0"/>
+            </a:xfrm>
+            <a:prstGeom prst="straightConnector1">
+              <a:avLst/>
+            </a:prstGeom>
+            <a:ln w="38100">
+              <a:solidFill>
+                <a:srgbClr val="FF0000"/>
+              </a:solidFill>
+              <a:tailEnd type="triangle"/>
+            </a:ln>
+          </p:spPr>
+          <p:style>
+            <a:lnRef idx="1">
+              <a:schemeClr val="accent1"/>
+            </a:lnRef>
+            <a:fillRef idx="0">
+              <a:schemeClr val="accent1"/>
+            </a:fillRef>
+            <a:effectRef idx="0">
+              <a:schemeClr val="accent1"/>
+            </a:effectRef>
+            <a:fontRef idx="minor">
+              <a:schemeClr val="tx1"/>
+            </a:fontRef>
+          </p:style>
+        </p:cxnSp>
+      </p:grpSp>
+      <p:grpSp>
+        <p:nvGrpSpPr>
+          <p:cNvPr id="35" name="Group 34">
+            <a:extLst>
+              <a:ext uri="{FF2B5EF4-FFF2-40B4-BE49-F238E27FC236}">
+                <a16:creationId xmlns:a16="http://schemas.microsoft.com/office/drawing/2014/main" id="{1FBBA8D2-4BE9-D479-DBFD-5B6032B9530A}"/>
+              </a:ext>
+            </a:extLst>
+          </p:cNvPr>
+          <p:cNvGrpSpPr/>
+          <p:nvPr/>
+        </p:nvGrpSpPr>
+        <p:grpSpPr>
+          <a:xfrm>
+            <a:off x="6847630" y="5575080"/>
+            <a:ext cx="1076632" cy="369332"/>
+            <a:chOff x="2157212" y="5356391"/>
+            <a:chExt cx="1076632" cy="369332"/>
+          </a:xfrm>
+        </p:grpSpPr>
+        <p:sp>
+          <p:nvSpPr>
+            <p:cNvPr id="36" name="TextBox 35">
+              <a:extLst>
+                <a:ext uri="{FF2B5EF4-FFF2-40B4-BE49-F238E27FC236}">
+                  <a16:creationId xmlns:a16="http://schemas.microsoft.com/office/drawing/2014/main" id="{B87FE881-4B06-6854-6454-A37F84BAD63C}"/>
+                </a:ext>
+              </a:extLst>
+            </p:cNvPr>
+            <p:cNvSpPr txBox="1"/>
+            <p:nvPr/>
+          </p:nvSpPr>
+          <p:spPr>
+            <a:xfrm>
+              <a:off x="2850386" y="5356391"/>
+              <a:ext cx="383458" cy="369332"/>
+            </a:xfrm>
+            <a:prstGeom prst="rect">
+              <a:avLst/>
+            </a:prstGeom>
+            <a:noFill/>
+          </p:spPr>
+          <p:txBody>
+            <a:bodyPr wrap="square" rtlCol="0">
+              <a:spAutoFit/>
+            </a:bodyPr>
+            <a:lstStyle/>
+            <a:p>
+              <a:r>
+                <a:rPr lang="en-US" dirty="0">
+                  <a:ln>
+                    <a:solidFill>
+                      <a:srgbClr val="FF0000"/>
+                    </a:solidFill>
+                  </a:ln>
+                  <a:solidFill>
+                    <a:srgbClr val="FF0000"/>
+                  </a:solidFill>
+                  <a:sym typeface="Wingdings" panose="05000000000000000000" pitchFamily="2" charset="2"/>
+                </a:rPr>
+                <a:t></a:t>
+              </a:r>
+              <a:endParaRPr lang="en-US" dirty="0">
+                <a:ln>
+                  <a:solidFill>
+                    <a:srgbClr val="FF0000"/>
+                  </a:solidFill>
+                </a:ln>
+                <a:solidFill>
+                  <a:srgbClr val="FF0000"/>
+                </a:solidFill>
+              </a:endParaRPr>
+            </a:p>
+          </p:txBody>
+        </p:sp>
+        <p:cxnSp>
+          <p:nvCxnSpPr>
+            <p:cNvPr id="37" name="Straight Arrow Connector 36">
+              <a:extLst>
+                <a:ext uri="{FF2B5EF4-FFF2-40B4-BE49-F238E27FC236}">
+                  <a16:creationId xmlns:a16="http://schemas.microsoft.com/office/drawing/2014/main" id="{A814AD10-7D5F-418B-3B42-1DF35FCCEC5A}"/>
+                </a:ext>
+              </a:extLst>
+            </p:cNvPr>
+            <p:cNvCxnSpPr>
+              <a:cxnSpLocks/>
+            </p:cNvCxnSpPr>
+            <p:nvPr/>
+          </p:nvCxnSpPr>
+          <p:spPr>
+            <a:xfrm flipH="1">
+              <a:off x="2157212" y="5545146"/>
+              <a:ext cx="693174" cy="0"/>
+            </a:xfrm>
+            <a:prstGeom prst="straightConnector1">
+              <a:avLst/>
+            </a:prstGeom>
+            <a:ln w="38100">
+              <a:solidFill>
+                <a:srgbClr val="FF0000"/>
+              </a:solidFill>
+              <a:tailEnd type="triangle"/>
+            </a:ln>
+          </p:spPr>
+          <p:style>
+            <a:lnRef idx="1">
+              <a:schemeClr val="accent1"/>
+            </a:lnRef>
+            <a:fillRef idx="0">
+              <a:schemeClr val="accent1"/>
+            </a:fillRef>
+            <a:effectRef idx="0">
+              <a:schemeClr val="accent1"/>
+            </a:effectRef>
+            <a:fontRef idx="minor">
+              <a:schemeClr val="tx1"/>
+            </a:fontRef>
+          </p:style>
+        </p:cxnSp>
+      </p:grpSp>
+      <p:grpSp>
+        <p:nvGrpSpPr>
+          <p:cNvPr id="38" name="Group 37">
+            <a:extLst>
+              <a:ext uri="{FF2B5EF4-FFF2-40B4-BE49-F238E27FC236}">
+                <a16:creationId xmlns:a16="http://schemas.microsoft.com/office/drawing/2014/main" id="{2C6783B0-E66C-66E0-D7E0-30970188D908}"/>
+              </a:ext>
+            </a:extLst>
+          </p:cNvPr>
+          <p:cNvGrpSpPr/>
+          <p:nvPr/>
+        </p:nvGrpSpPr>
+        <p:grpSpPr>
+          <a:xfrm>
+            <a:off x="4253304" y="5756679"/>
+            <a:ext cx="1076632" cy="369332"/>
+            <a:chOff x="2157212" y="5356391"/>
+            <a:chExt cx="1076632" cy="369332"/>
+          </a:xfrm>
+        </p:grpSpPr>
+        <p:sp>
+          <p:nvSpPr>
+            <p:cNvPr id="39" name="TextBox 38">
+              <a:extLst>
+                <a:ext uri="{FF2B5EF4-FFF2-40B4-BE49-F238E27FC236}">
+                  <a16:creationId xmlns:a16="http://schemas.microsoft.com/office/drawing/2014/main" id="{CCBC3916-8BB9-EF8F-F905-114E0523774E}"/>
+                </a:ext>
+              </a:extLst>
+            </p:cNvPr>
+            <p:cNvSpPr txBox="1"/>
+            <p:nvPr/>
+          </p:nvSpPr>
+          <p:spPr>
+            <a:xfrm>
+              <a:off x="2850386" y="5356391"/>
+              <a:ext cx="383458" cy="369332"/>
+            </a:xfrm>
+            <a:prstGeom prst="rect">
+              <a:avLst/>
+            </a:prstGeom>
+            <a:noFill/>
+          </p:spPr>
+          <p:txBody>
+            <a:bodyPr wrap="square" rtlCol="0">
+              <a:spAutoFit/>
+            </a:bodyPr>
+            <a:lstStyle/>
+            <a:p>
+              <a:r>
+                <a:rPr lang="en-US" dirty="0">
+                  <a:ln>
+                    <a:solidFill>
+                      <a:srgbClr val="FF0000"/>
+                    </a:solidFill>
+                  </a:ln>
+                  <a:solidFill>
+                    <a:srgbClr val="FF0000"/>
+                  </a:solidFill>
+                  <a:sym typeface="Wingdings" panose="05000000000000000000" pitchFamily="2" charset="2"/>
+                </a:rPr>
+                <a:t></a:t>
+              </a:r>
+              <a:endParaRPr lang="en-US" dirty="0">
+                <a:ln>
+                  <a:solidFill>
+                    <a:srgbClr val="FF0000"/>
+                  </a:solidFill>
+                </a:ln>
+                <a:solidFill>
+                  <a:srgbClr val="FF0000"/>
+                </a:solidFill>
+              </a:endParaRPr>
+            </a:p>
+          </p:txBody>
+        </p:sp>
+        <p:cxnSp>
+          <p:nvCxnSpPr>
+            <p:cNvPr id="40" name="Straight Arrow Connector 39">
+              <a:extLst>
+                <a:ext uri="{FF2B5EF4-FFF2-40B4-BE49-F238E27FC236}">
+                  <a16:creationId xmlns:a16="http://schemas.microsoft.com/office/drawing/2014/main" id="{2E1290C2-55C4-A000-D984-7D4F11713E67}"/>
+                </a:ext>
+              </a:extLst>
+            </p:cNvPr>
+            <p:cNvCxnSpPr>
+              <a:cxnSpLocks/>
+            </p:cNvCxnSpPr>
+            <p:nvPr/>
+          </p:nvCxnSpPr>
+          <p:spPr>
+            <a:xfrm flipH="1">
+              <a:off x="2157212" y="5545146"/>
+              <a:ext cx="693174" cy="0"/>
+            </a:xfrm>
+            <a:prstGeom prst="straightConnector1">
+              <a:avLst/>
+            </a:prstGeom>
+            <a:ln w="38100">
+              <a:solidFill>
+                <a:srgbClr val="FF0000"/>
+              </a:solidFill>
+              <a:tailEnd type="triangle"/>
+            </a:ln>
+          </p:spPr>
+          <p:style>
+            <a:lnRef idx="1">
+              <a:schemeClr val="accent1"/>
+            </a:lnRef>
+            <a:fillRef idx="0">
+              <a:schemeClr val="accent1"/>
+            </a:fillRef>
+            <a:effectRef idx="0">
+              <a:schemeClr val="accent1"/>
+            </a:effectRef>
+            <a:fontRef idx="minor">
+              <a:schemeClr val="tx1"/>
+            </a:fontRef>
+          </p:style>
+        </p:cxnSp>
+      </p:grpSp>
+    </p:spTree>
+    <p:extLst>
+      <p:ext uri="{BB962C8B-B14F-4D97-AF65-F5344CB8AC3E}">
+        <p14:creationId xmlns:p14="http://schemas.microsoft.com/office/powerpoint/2010/main" val="428698838"/>
+      </p:ext>
+    </p:extLst>
+  </p:cSld>
+  <p:clrMapOvr>
+    <a:masterClrMapping/>
+  </p:clrMapOvr>
+  <p:timing>
+    <p:tnLst>
+      <p:par>
+        <p:cTn id="1" dur="indefinite" restart="never" nodeType="tmRoot">
+          <p:childTnLst>
+            <p:seq concurrent="1" nextAc="seek">
+              <p:cTn id="2" dur="indefinite" nodeType="mainSeq">
+                <p:childTnLst>
+                  <p:par>
+                    <p:cTn id="3" fill="hold">
+                      <p:stCondLst>
+                        <p:cond delay="indefinite"/>
+                        <p:cond evt="onBegin" delay="0">
+                          <p:tn val="2"/>
+                        </p:cond>
+                      </p:stCondLst>
+                      <p:childTnLst>
+                        <p:par>
+                          <p:cTn id="4" fill="hold">
+                            <p:stCondLst>
+                              <p:cond delay="0"/>
+                            </p:stCondLst>
+                            <p:childTnLst>
+                              <p:par>
+                                <p:cTn id="5" presetID="22" presetClass="entr" presetSubtype="1" fill="hold" nodeType="afterEffect">
+                                  <p:stCondLst>
+                                    <p:cond delay="0"/>
+                                  </p:stCondLst>
+                                  <p:childTnLst>
+                                    <p:set>
+                                      <p:cBhvr>
+                                        <p:cTn id="6" dur="1" fill="hold">
+                                          <p:stCondLst>
+                                            <p:cond delay="0"/>
+                                          </p:stCondLst>
+                                        </p:cTn>
+                                        <p:tgtEl>
+                                          <p:spTgt spid="10"/>
+                                        </p:tgtEl>
+                                        <p:attrNameLst>
+                                          <p:attrName>style.visibility</p:attrName>
+                                        </p:attrNameLst>
+                                      </p:cBhvr>
+                                      <p:to>
+                                        <p:strVal val="visible"/>
+                                      </p:to>
+                                    </p:set>
+                                    <p:animEffect transition="in" filter="wipe(up)">
+                                      <p:cBhvr>
+                                        <p:cTn id="7" dur="500"/>
+                                        <p:tgtEl>
+                                          <p:spTgt spid="10"/>
+                                        </p:tgtEl>
+                                      </p:cBhvr>
+                                    </p:animEffect>
+                                  </p:childTnLst>
+                                </p:cTn>
+                              </p:par>
+                            </p:childTnLst>
+                          </p:cTn>
+                        </p:par>
+                        <p:par>
+                          <p:cTn id="8" fill="hold">
+                            <p:stCondLst>
+                              <p:cond delay="500"/>
+                            </p:stCondLst>
+                            <p:childTnLst>
+                              <p:par>
+                                <p:cTn id="9" presetID="22" presetClass="entr" presetSubtype="2" fill="hold" nodeType="afterEffect">
+                                  <p:stCondLst>
+                                    <p:cond delay="0"/>
+                                  </p:stCondLst>
+                                  <p:childTnLst>
+                                    <p:set>
+                                      <p:cBhvr>
+                                        <p:cTn id="10" dur="1" fill="hold">
+                                          <p:stCondLst>
+                                            <p:cond delay="0"/>
+                                          </p:stCondLst>
+                                        </p:cTn>
+                                        <p:tgtEl>
+                                          <p:spTgt spid="11"/>
+                                        </p:tgtEl>
+                                        <p:attrNameLst>
+                                          <p:attrName>style.visibility</p:attrName>
+                                        </p:attrNameLst>
+                                      </p:cBhvr>
+                                      <p:to>
+                                        <p:strVal val="visible"/>
+                                      </p:to>
+                                    </p:set>
+                                    <p:animEffect transition="in" filter="wipe(right)">
+                                      <p:cBhvr>
+                                        <p:cTn id="11" dur="500"/>
+                                        <p:tgtEl>
+                                          <p:spTgt spid="11"/>
+                                        </p:tgtEl>
+                                      </p:cBhvr>
+                                    </p:animEffect>
+                                  </p:childTnLst>
+                                </p:cTn>
+                              </p:par>
+                            </p:childTnLst>
+                          </p:cTn>
+                        </p:par>
+                      </p:childTnLst>
+                    </p:cTn>
+                  </p:par>
+                  <p:par>
+                    <p:cTn id="12" fill="hold">
+                      <p:stCondLst>
+                        <p:cond delay="indefinite"/>
+                      </p:stCondLst>
+                      <p:childTnLst>
+                        <p:par>
+                          <p:cTn id="13" fill="hold">
+                            <p:stCondLst>
+                              <p:cond delay="0"/>
+                            </p:stCondLst>
+                            <p:childTnLst>
+                              <p:par>
+                                <p:cTn id="14" presetID="22" presetClass="entr" presetSubtype="2" fill="hold" nodeType="clickEffect">
+                                  <p:stCondLst>
+                                    <p:cond delay="0"/>
+                                  </p:stCondLst>
+                                  <p:childTnLst>
+                                    <p:set>
+                                      <p:cBhvr>
+                                        <p:cTn id="15" dur="1" fill="hold">
+                                          <p:stCondLst>
+                                            <p:cond delay="0"/>
+                                          </p:stCondLst>
+                                        </p:cTn>
+                                        <p:tgtEl>
+                                          <p:spTgt spid="14"/>
+                                        </p:tgtEl>
+                                        <p:attrNameLst>
+                                          <p:attrName>style.visibility</p:attrName>
+                                        </p:attrNameLst>
+                                      </p:cBhvr>
+                                      <p:to>
+                                        <p:strVal val="visible"/>
+                                      </p:to>
+                                    </p:set>
+                                    <p:animEffect transition="in" filter="wipe(right)">
+                                      <p:cBhvr>
+                                        <p:cTn id="16" dur="500"/>
+                                        <p:tgtEl>
+                                          <p:spTgt spid="14"/>
+                                        </p:tgtEl>
+                                      </p:cBhvr>
+                                    </p:animEffect>
+                                  </p:childTnLst>
+                                </p:cTn>
+                              </p:par>
+                            </p:childTnLst>
+                          </p:cTn>
+                        </p:par>
+                      </p:childTnLst>
+                    </p:cTn>
+                  </p:par>
+                  <p:par>
+                    <p:cTn id="17" fill="hold">
+                      <p:stCondLst>
+                        <p:cond delay="indefinite"/>
+                      </p:stCondLst>
+                      <p:childTnLst>
+                        <p:par>
+                          <p:cTn id="18" fill="hold">
+                            <p:stCondLst>
+                              <p:cond delay="0"/>
+                            </p:stCondLst>
+                            <p:childTnLst>
+                              <p:par>
+                                <p:cTn id="19" presetID="22" presetClass="entr" presetSubtype="2" fill="hold" nodeType="clickEffect">
+                                  <p:stCondLst>
+                                    <p:cond delay="0"/>
+                                  </p:stCondLst>
+                                  <p:childTnLst>
+                                    <p:set>
+                                      <p:cBhvr>
+                                        <p:cTn id="20" dur="1" fill="hold">
+                                          <p:stCondLst>
+                                            <p:cond delay="0"/>
+                                          </p:stCondLst>
+                                        </p:cTn>
+                                        <p:tgtEl>
+                                          <p:spTgt spid="17"/>
+                                        </p:tgtEl>
+                                        <p:attrNameLst>
+                                          <p:attrName>style.visibility</p:attrName>
+                                        </p:attrNameLst>
+                                      </p:cBhvr>
+                                      <p:to>
+                                        <p:strVal val="visible"/>
+                                      </p:to>
+                                    </p:set>
+                                    <p:animEffect transition="in" filter="wipe(right)">
+                                      <p:cBhvr>
+                                        <p:cTn id="21" dur="500"/>
+                                        <p:tgtEl>
+                                          <p:spTgt spid="17"/>
+                                        </p:tgtEl>
+                                      </p:cBhvr>
+                                    </p:animEffect>
+                                  </p:childTnLst>
+                                </p:cTn>
+                              </p:par>
+                            </p:childTnLst>
+                          </p:cTn>
+                        </p:par>
+                      </p:childTnLst>
+                    </p:cTn>
+                  </p:par>
+                  <p:par>
+                    <p:cTn id="22" fill="hold">
+                      <p:stCondLst>
+                        <p:cond delay="indefinite"/>
+                      </p:stCondLst>
+                      <p:childTnLst>
+                        <p:par>
+                          <p:cTn id="23" fill="hold">
+                            <p:stCondLst>
+                              <p:cond delay="0"/>
+                            </p:stCondLst>
+                            <p:childTnLst>
+                              <p:par>
+                                <p:cTn id="24" presetID="16" presetClass="entr" presetSubtype="21" fill="hold" grpId="0" nodeType="clickEffect">
+                                  <p:stCondLst>
+                                    <p:cond delay="0"/>
+                                  </p:stCondLst>
+                                  <p:childTnLst>
+                                    <p:set>
+                                      <p:cBhvr>
+                                        <p:cTn id="25" dur="1" fill="hold">
+                                          <p:stCondLst>
+                                            <p:cond delay="0"/>
+                                          </p:stCondLst>
+                                        </p:cTn>
+                                        <p:tgtEl>
+                                          <p:spTgt spid="8"/>
+                                        </p:tgtEl>
+                                        <p:attrNameLst>
+                                          <p:attrName>style.visibility</p:attrName>
+                                        </p:attrNameLst>
+                                      </p:cBhvr>
+                                      <p:to>
+                                        <p:strVal val="visible"/>
+                                      </p:to>
+                                    </p:set>
+                                    <p:animEffect transition="in" filter="barn(inVertical)">
+                                      <p:cBhvr>
+                                        <p:cTn id="26" dur="500"/>
+                                        <p:tgtEl>
+                                          <p:spTgt spid="8"/>
+                                        </p:tgtEl>
+                                      </p:cBhvr>
+                                    </p:animEffect>
+                                  </p:childTnLst>
+                                </p:cTn>
+                              </p:par>
+                            </p:childTnLst>
+                          </p:cTn>
+                        </p:par>
+                      </p:childTnLst>
+                    </p:cTn>
+                  </p:par>
+                  <p:par>
+                    <p:cTn id="27" fill="hold">
+                      <p:stCondLst>
+                        <p:cond delay="indefinite"/>
+                      </p:stCondLst>
+                      <p:childTnLst>
+                        <p:par>
+                          <p:cTn id="28" fill="hold">
+                            <p:stCondLst>
+                              <p:cond delay="0"/>
+                            </p:stCondLst>
+                            <p:childTnLst>
+                              <p:par>
+                                <p:cTn id="29" presetID="22" presetClass="entr" presetSubtype="2" fill="hold" nodeType="clickEffect">
+                                  <p:stCondLst>
+                                    <p:cond delay="0"/>
+                                  </p:stCondLst>
+                                  <p:childTnLst>
+                                    <p:set>
+                                      <p:cBhvr>
+                                        <p:cTn id="30" dur="1" fill="hold">
+                                          <p:stCondLst>
+                                            <p:cond delay="0"/>
+                                          </p:stCondLst>
+                                        </p:cTn>
+                                        <p:tgtEl>
+                                          <p:spTgt spid="20"/>
+                                        </p:tgtEl>
+                                        <p:attrNameLst>
+                                          <p:attrName>style.visibility</p:attrName>
+                                        </p:attrNameLst>
+                                      </p:cBhvr>
+                                      <p:to>
+                                        <p:strVal val="visible"/>
+                                      </p:to>
+                                    </p:set>
+                                    <p:animEffect transition="in" filter="wipe(right)">
+                                      <p:cBhvr>
+                                        <p:cTn id="31" dur="500"/>
+                                        <p:tgtEl>
+                                          <p:spTgt spid="20"/>
+                                        </p:tgtEl>
+                                      </p:cBhvr>
+                                    </p:animEffect>
+                                  </p:childTnLst>
+                                </p:cTn>
+                              </p:par>
+                            </p:childTnLst>
+                          </p:cTn>
+                        </p:par>
+                      </p:childTnLst>
+                    </p:cTn>
+                  </p:par>
+                  <p:par>
+                    <p:cTn id="32" fill="hold">
+                      <p:stCondLst>
+                        <p:cond delay="indefinite"/>
+                      </p:stCondLst>
+                      <p:childTnLst>
+                        <p:par>
+                          <p:cTn id="33" fill="hold">
+                            <p:stCondLst>
+                              <p:cond delay="0"/>
+                            </p:stCondLst>
+                            <p:childTnLst>
+                              <p:par>
+                                <p:cTn id="34" presetID="22" presetClass="entr" presetSubtype="2" fill="hold" nodeType="clickEffect">
+                                  <p:stCondLst>
+                                    <p:cond delay="0"/>
+                                  </p:stCondLst>
+                                  <p:childTnLst>
+                                    <p:set>
+                                      <p:cBhvr>
+                                        <p:cTn id="35" dur="1" fill="hold">
+                                          <p:stCondLst>
+                                            <p:cond delay="0"/>
+                                          </p:stCondLst>
+                                        </p:cTn>
+                                        <p:tgtEl>
+                                          <p:spTgt spid="23"/>
+                                        </p:tgtEl>
+                                        <p:attrNameLst>
+                                          <p:attrName>style.visibility</p:attrName>
+                                        </p:attrNameLst>
+                                      </p:cBhvr>
+                                      <p:to>
+                                        <p:strVal val="visible"/>
+                                      </p:to>
+                                    </p:set>
+                                    <p:animEffect transition="in" filter="wipe(right)">
+                                      <p:cBhvr>
+                                        <p:cTn id="36" dur="500"/>
+                                        <p:tgtEl>
+                                          <p:spTgt spid="23"/>
+                                        </p:tgtEl>
+                                      </p:cBhvr>
+                                    </p:animEffect>
+                                  </p:childTnLst>
+                                </p:cTn>
+                              </p:par>
+                            </p:childTnLst>
+                          </p:cTn>
+                        </p:par>
+                      </p:childTnLst>
+                    </p:cTn>
+                  </p:par>
+                  <p:par>
+                    <p:cTn id="37" fill="hold">
+                      <p:stCondLst>
+                        <p:cond delay="indefinite"/>
+                      </p:stCondLst>
+                      <p:childTnLst>
+                        <p:par>
+                          <p:cTn id="38" fill="hold">
+                            <p:stCondLst>
+                              <p:cond delay="0"/>
+                            </p:stCondLst>
+                            <p:childTnLst>
+                              <p:par>
+                                <p:cTn id="39" presetID="22" presetClass="entr" presetSubtype="2" fill="hold" nodeType="clickEffect">
+                                  <p:stCondLst>
+                                    <p:cond delay="0"/>
+                                  </p:stCondLst>
+                                  <p:childTnLst>
+                                    <p:set>
+                                      <p:cBhvr>
+                                        <p:cTn id="40" dur="1" fill="hold">
+                                          <p:stCondLst>
+                                            <p:cond delay="0"/>
+                                          </p:stCondLst>
+                                        </p:cTn>
+                                        <p:tgtEl>
+                                          <p:spTgt spid="26"/>
+                                        </p:tgtEl>
+                                        <p:attrNameLst>
+                                          <p:attrName>style.visibility</p:attrName>
+                                        </p:attrNameLst>
+                                      </p:cBhvr>
+                                      <p:to>
+                                        <p:strVal val="visible"/>
+                                      </p:to>
+                                    </p:set>
+                                    <p:animEffect transition="in" filter="wipe(right)">
+                                      <p:cBhvr>
+                                        <p:cTn id="41" dur="500"/>
+                                        <p:tgtEl>
+                                          <p:spTgt spid="26"/>
+                                        </p:tgtEl>
+                                      </p:cBhvr>
+                                    </p:animEffect>
+                                  </p:childTnLst>
+                                </p:cTn>
+                              </p:par>
+                            </p:childTnLst>
+                          </p:cTn>
+                        </p:par>
+                      </p:childTnLst>
+                    </p:cTn>
+                  </p:par>
+                  <p:par>
+                    <p:cTn id="42" fill="hold">
+                      <p:stCondLst>
+                        <p:cond delay="indefinite"/>
+                      </p:stCondLst>
+                      <p:childTnLst>
+                        <p:par>
+                          <p:cTn id="43" fill="hold">
+                            <p:stCondLst>
+                              <p:cond delay="0"/>
+                            </p:stCondLst>
+                            <p:childTnLst>
+                              <p:par>
+                                <p:cTn id="44" presetID="22" presetClass="entr" presetSubtype="2" fill="hold" nodeType="clickEffect">
+                                  <p:stCondLst>
+                                    <p:cond delay="0"/>
+                                  </p:stCondLst>
+                                  <p:childTnLst>
+                                    <p:set>
+                                      <p:cBhvr>
+                                        <p:cTn id="45" dur="1" fill="hold">
+                                          <p:stCondLst>
+                                            <p:cond delay="0"/>
+                                          </p:stCondLst>
+                                        </p:cTn>
+                                        <p:tgtEl>
+                                          <p:spTgt spid="29"/>
+                                        </p:tgtEl>
+                                        <p:attrNameLst>
+                                          <p:attrName>style.visibility</p:attrName>
+                                        </p:attrNameLst>
+                                      </p:cBhvr>
+                                      <p:to>
+                                        <p:strVal val="visible"/>
+                                      </p:to>
+                                    </p:set>
+                                    <p:animEffect transition="in" filter="wipe(right)">
+                                      <p:cBhvr>
+                                        <p:cTn id="46" dur="500"/>
+                                        <p:tgtEl>
+                                          <p:spTgt spid="29"/>
+                                        </p:tgtEl>
+                                      </p:cBhvr>
+                                    </p:animEffect>
+                                  </p:childTnLst>
+                                </p:cTn>
+                              </p:par>
+                            </p:childTnLst>
+                          </p:cTn>
+                        </p:par>
+                      </p:childTnLst>
+                    </p:cTn>
+                  </p:par>
+                  <p:par>
+                    <p:cTn id="47" fill="hold">
+                      <p:stCondLst>
+                        <p:cond delay="indefinite"/>
+                      </p:stCondLst>
+                      <p:childTnLst>
+                        <p:par>
+                          <p:cTn id="48" fill="hold">
+                            <p:stCondLst>
+                              <p:cond delay="0"/>
+                            </p:stCondLst>
+                            <p:childTnLst>
+                              <p:par>
+                                <p:cTn id="49" presetID="22" presetClass="entr" presetSubtype="2" fill="hold" nodeType="clickEffect">
+                                  <p:stCondLst>
+                                    <p:cond delay="0"/>
+                                  </p:stCondLst>
+                                  <p:childTnLst>
+                                    <p:set>
+                                      <p:cBhvr>
+                                        <p:cTn id="50" dur="1" fill="hold">
+                                          <p:stCondLst>
+                                            <p:cond delay="0"/>
+                                          </p:stCondLst>
+                                        </p:cTn>
+                                        <p:tgtEl>
+                                          <p:spTgt spid="32"/>
+                                        </p:tgtEl>
+                                        <p:attrNameLst>
+                                          <p:attrName>style.visibility</p:attrName>
+                                        </p:attrNameLst>
+                                      </p:cBhvr>
+                                      <p:to>
+                                        <p:strVal val="visible"/>
+                                      </p:to>
+                                    </p:set>
+                                    <p:animEffect transition="in" filter="wipe(right)">
+                                      <p:cBhvr>
+                                        <p:cTn id="51" dur="500"/>
+                                        <p:tgtEl>
+                                          <p:spTgt spid="32"/>
+                                        </p:tgtEl>
+                                      </p:cBhvr>
+                                    </p:animEffect>
+                                  </p:childTnLst>
+                                </p:cTn>
+                              </p:par>
+                            </p:childTnLst>
+                          </p:cTn>
+                        </p:par>
+                      </p:childTnLst>
+                    </p:cTn>
+                  </p:par>
+                  <p:par>
+                    <p:cTn id="52" fill="hold">
+                      <p:stCondLst>
+                        <p:cond delay="indefinite"/>
+                      </p:stCondLst>
+                      <p:childTnLst>
+                        <p:par>
+                          <p:cTn id="53" fill="hold">
+                            <p:stCondLst>
+                              <p:cond delay="0"/>
+                            </p:stCondLst>
+                            <p:childTnLst>
+                              <p:par>
+                                <p:cTn id="54" presetID="22" presetClass="entr" presetSubtype="2" fill="hold" nodeType="clickEffect">
+                                  <p:stCondLst>
+                                    <p:cond delay="0"/>
+                                  </p:stCondLst>
+                                  <p:childTnLst>
+                                    <p:set>
+                                      <p:cBhvr>
+                                        <p:cTn id="55" dur="1" fill="hold">
+                                          <p:stCondLst>
+                                            <p:cond delay="0"/>
+                                          </p:stCondLst>
+                                        </p:cTn>
+                                        <p:tgtEl>
+                                          <p:spTgt spid="35"/>
+                                        </p:tgtEl>
+                                        <p:attrNameLst>
+                                          <p:attrName>style.visibility</p:attrName>
+                                        </p:attrNameLst>
+                                      </p:cBhvr>
+                                      <p:to>
+                                        <p:strVal val="visible"/>
+                                      </p:to>
+                                    </p:set>
+                                    <p:animEffect transition="in" filter="wipe(right)">
+                                      <p:cBhvr>
+                                        <p:cTn id="56" dur="500"/>
+                                        <p:tgtEl>
+                                          <p:spTgt spid="35"/>
+                                        </p:tgtEl>
+                                      </p:cBhvr>
+                                    </p:animEffect>
+                                  </p:childTnLst>
+                                </p:cTn>
+                              </p:par>
+                            </p:childTnLst>
+                          </p:cTn>
+                        </p:par>
+                      </p:childTnLst>
+                    </p:cTn>
+                  </p:par>
+                  <p:par>
+                    <p:cTn id="57" fill="hold">
+                      <p:stCondLst>
+                        <p:cond delay="indefinite"/>
+                      </p:stCondLst>
+                      <p:childTnLst>
+                        <p:par>
+                          <p:cTn id="58" fill="hold">
+                            <p:stCondLst>
+                              <p:cond delay="0"/>
+                            </p:stCondLst>
+                            <p:childTnLst>
+                              <p:par>
+                                <p:cTn id="59" presetID="22" presetClass="entr" presetSubtype="2" fill="hold" nodeType="clickEffect">
+                                  <p:stCondLst>
+                                    <p:cond delay="0"/>
+                                  </p:stCondLst>
+                                  <p:childTnLst>
+                                    <p:set>
+                                      <p:cBhvr>
+                                        <p:cTn id="60" dur="1" fill="hold">
+                                          <p:stCondLst>
+                                            <p:cond delay="0"/>
+                                          </p:stCondLst>
+                                        </p:cTn>
+                                        <p:tgtEl>
+                                          <p:spTgt spid="38"/>
+                                        </p:tgtEl>
+                                        <p:attrNameLst>
+                                          <p:attrName>style.visibility</p:attrName>
+                                        </p:attrNameLst>
+                                      </p:cBhvr>
+                                      <p:to>
+                                        <p:strVal val="visible"/>
+                                      </p:to>
+                                    </p:set>
+                                    <p:animEffect transition="in" filter="wipe(right)">
+                                      <p:cBhvr>
+                                        <p:cTn id="61" dur="500"/>
+                                        <p:tgtEl>
+                                          <p:spTgt spid="38"/>
+                                        </p:tgtEl>
+                                      </p:cBhvr>
+                                    </p:animEffect>
+                                  </p:childTnLst>
+                                </p:cTn>
+                              </p:par>
+                            </p:childTnLst>
+                          </p:cTn>
+                        </p:par>
+                      </p:childTnLst>
+                    </p:cTn>
+                  </p:par>
+                </p:childTnLst>
+              </p:cTn>
+              <p:prevCondLst>
+                <p:cond evt="onPrev" delay="0">
+                  <p:tgtEl>
+                    <p:sldTgt/>
+                  </p:tgtEl>
+                </p:cond>
+              </p:prevCondLst>
+              <p:nextCondLst>
+                <p:cond evt="onNext" delay="0">
+                  <p:tgtEl>
+                    <p:sldTgt/>
+                  </p:tgtEl>
+                </p:cond>
+              </p:nextCondLst>
+            </p:seq>
+          </p:childTnLst>
+        </p:cTn>
+      </p:par>
+    </p:tnLst>
+    <p:bldLst>
+      <p:bldP spid="8" grpId="0" animBg="1"/>
+    </p:bldLst>
+  </p:timing>
+</p:sld>
+</file>
+
+<file path=ppt/slides/slide3.xml><?xml version="1.0" encoding="utf-8"?>
+<p:sld xmlns:a="http://schemas.openxmlformats.org/drawingml/2006/main" xmlns:r="http://schemas.openxmlformats.org/officeDocument/2006/relationships" xmlns:p="http://schemas.openxmlformats.org/presentationml/2006/main">
+  <p:cSld>
+    <p:spTree>
+      <p:nvGrpSpPr>
+        <p:cNvPr id="1" name=""/>
+        <p:cNvGrpSpPr/>
+        <p:nvPr/>
+      </p:nvGrpSpPr>
+      <p:grpSpPr>
+        <a:xfrm>
+          <a:off x="0" y="0"/>
+          <a:ext cx="0" cy="0"/>
+          <a:chOff x="0" y="0"/>
+          <a:chExt cx="0" cy="0"/>
+        </a:xfrm>
+      </p:grpSpPr>
+      <p:sp>
+        <p:nvSpPr>
+          <p:cNvPr id="2" name="Title 1"/>
+          <p:cNvSpPr>
+            <a:spLocks noGrp="1"/>
+          </p:cNvSpPr>
+          <p:nvPr>
+            <p:ph type="title"/>
+          </p:nvPr>
+        </p:nvSpPr>
+        <p:spPr/>
+        <p:txBody>
+          <a:bodyPr>
+            <a:noAutofit/>
+          </a:bodyPr>
+          <a:lstStyle/>
+          <a:p>
+            <a:pPr algn="ctr"/>
+            <a:r>
+              <a:rPr lang="en-US" sz="3200" dirty="0">
+                <a:latin typeface="+mn-lt"/>
+              </a:rPr>
+              <a:t>Python User Interfaces via </a:t>
+            </a:r>
+            <a:r>
+              <a:rPr lang="en-US" sz="3200" b="1" dirty="0">
+                <a:latin typeface="+mn-lt"/>
+              </a:rPr>
+              <a:t>Qt</a:t>
+            </a:r>
+          </a:p>
+        </p:txBody>
+      </p:sp>
+      <p:sp>
+        <p:nvSpPr>
+          <p:cNvPr id="3" name="Slide Number Placeholder 2"/>
+          <p:cNvSpPr>
+            <a:spLocks noGrp="1"/>
+          </p:cNvSpPr>
+          <p:nvPr>
+            <p:ph type="sldNum" sz="quarter" idx="12"/>
+          </p:nvPr>
+        </p:nvSpPr>
+        <p:spPr/>
+        <p:txBody>
+          <a:bodyPr/>
+          <a:lstStyle/>
+          <a:p>
+            <a:fld id="{650AD656-6FF9-465D-B7B0-1CD0DD39CD23}" type="slidenum">
+              <a:rPr lang="en-US" smtClean="0"/>
+              <a:t>3</a:t>
+            </a:fld>
+            <a:endParaRPr lang="en-US" dirty="0"/>
+          </a:p>
+        </p:txBody>
+      </p:sp>
+      <p:sp>
+        <p:nvSpPr>
+          <p:cNvPr id="10" name="TextBox 9">
+            <a:extLst>
+              <a:ext uri="{FF2B5EF4-FFF2-40B4-BE49-F238E27FC236}">
+                <a16:creationId xmlns:a16="http://schemas.microsoft.com/office/drawing/2014/main" id="{7EA28FBA-9A18-C43F-0200-822C69EF5FA4}"/>
+              </a:ext>
+            </a:extLst>
+          </p:cNvPr>
+          <p:cNvSpPr txBox="1"/>
+          <p:nvPr/>
+        </p:nvSpPr>
+        <p:spPr>
+          <a:xfrm>
+            <a:off x="1789451" y="1402598"/>
+            <a:ext cx="5565099" cy="369332"/>
+          </a:xfrm>
+          <a:prstGeom prst="rect">
+            <a:avLst/>
+          </a:prstGeom>
+          <a:noFill/>
+        </p:spPr>
+        <p:txBody>
+          <a:bodyPr wrap="square">
+            <a:spAutoFit/>
+          </a:bodyPr>
+          <a:lstStyle/>
+          <a:p>
+            <a:pPr algn="ctr"/>
+            <a:r>
+              <a:rPr lang="en-US" dirty="0">
+                <a:hlinkClick r:id="rId2"/>
+              </a:rPr>
+              <a:t>https://en.wikipedia.org/wiki/Qt_(software)</a:t>
+            </a:r>
+            <a:endParaRPr lang="en-US" dirty="0"/>
+          </a:p>
+        </p:txBody>
+      </p:sp>
+      <p:pic>
+        <p:nvPicPr>
+          <p:cNvPr id="5" name="Picture 4">
+            <a:extLst>
+              <a:ext uri="{FF2B5EF4-FFF2-40B4-BE49-F238E27FC236}">
+                <a16:creationId xmlns:a16="http://schemas.microsoft.com/office/drawing/2014/main" id="{34692001-A8CA-44A1-00F1-705CD7F94D97}"/>
+              </a:ext>
+            </a:extLst>
+          </p:cNvPr>
+          <p:cNvPicPr>
+            <a:picLocks noChangeAspect="1"/>
+          </p:cNvPicPr>
+          <p:nvPr/>
+        </p:nvPicPr>
+        <p:blipFill>
+          <a:blip r:embed="rId3"/>
+          <a:stretch>
+            <a:fillRect/>
+          </a:stretch>
+        </p:blipFill>
+        <p:spPr>
+          <a:xfrm>
+            <a:off x="1384241" y="1979883"/>
+            <a:ext cx="6375518" cy="4559030"/>
+          </a:xfrm>
+          <a:prstGeom prst="rect">
+            <a:avLst/>
+          </a:prstGeom>
+          <a:ln>
+            <a:solidFill>
+              <a:schemeClr val="tx1"/>
+            </a:solidFill>
+          </a:ln>
+        </p:spPr>
+      </p:pic>
+      <p:sp>
+        <p:nvSpPr>
+          <p:cNvPr id="7" name="Rectangle 6">
+            <a:extLst>
+              <a:ext uri="{FF2B5EF4-FFF2-40B4-BE49-F238E27FC236}">
+                <a16:creationId xmlns:a16="http://schemas.microsoft.com/office/drawing/2014/main" id="{8676569D-5D89-A3B4-AA8F-E5CAA10ED8F3}"/>
+              </a:ext>
+            </a:extLst>
+          </p:cNvPr>
+          <p:cNvSpPr/>
+          <p:nvPr/>
+        </p:nvSpPr>
+        <p:spPr>
+          <a:xfrm>
+            <a:off x="1469092" y="2728161"/>
+            <a:ext cx="4159715" cy="891964"/>
+          </a:xfrm>
+          <a:prstGeom prst="rect">
+            <a:avLst/>
+          </a:prstGeom>
+          <a:noFill/>
+          <a:ln w="28575">
+            <a:solidFill>
+              <a:srgbClr val="FF0000"/>
+            </a:solidFill>
+          </a:ln>
+        </p:spPr>
+        <p:style>
+          <a:lnRef idx="2">
+            <a:schemeClr val="accent1">
+              <a:shade val="15000"/>
+            </a:schemeClr>
+          </a:lnRef>
+          <a:fillRef idx="1">
+            <a:schemeClr val="accent1"/>
+          </a:fillRef>
+          <a:effectRef idx="0">
+            <a:schemeClr val="accent1"/>
+          </a:effectRef>
+          <a:fontRef idx="minor">
+            <a:schemeClr val="lt1"/>
+          </a:fontRef>
+        </p:style>
+        <p:txBody>
+          <a:bodyPr rtlCol="0" anchor="ctr"/>
+          <a:lstStyle/>
+          <a:p>
+            <a:pPr algn="ctr"/>
+            <a:endParaRPr lang="en-US"/>
+          </a:p>
+        </p:txBody>
+      </p:sp>
+    </p:spTree>
+    <p:extLst>
+      <p:ext uri="{BB962C8B-B14F-4D97-AF65-F5344CB8AC3E}">
+        <p14:creationId xmlns:p14="http://schemas.microsoft.com/office/powerpoint/2010/main" val="1221811580"/>
+      </p:ext>
+    </p:extLst>
+  </p:cSld>
+  <p:clrMapOvr>
+    <a:masterClrMapping/>
+  </p:clrMapOvr>
+</p:sld>
+</file>
+
+<file path=ppt/slides/slide30.xml><?xml version="1.0" encoding="utf-8"?>
+<p:sld xmlns:a="http://schemas.openxmlformats.org/drawingml/2006/main" xmlns:r="http://schemas.openxmlformats.org/officeDocument/2006/relationships" xmlns:p="http://schemas.openxmlformats.org/presentationml/2006/main">
+  <p:cSld>
+    <p:spTree>
+      <p:nvGrpSpPr>
+        <p:cNvPr id="1" name=""/>
+        <p:cNvGrpSpPr/>
+        <p:nvPr/>
+      </p:nvGrpSpPr>
+      <p:grpSpPr>
+        <a:xfrm>
+          <a:off x="0" y="0"/>
+          <a:ext cx="0" cy="0"/>
+          <a:chOff x="0" y="0"/>
+          <a:chExt cx="0" cy="0"/>
+        </a:xfrm>
+      </p:grpSpPr>
+      <p:sp>
+        <p:nvSpPr>
+          <p:cNvPr id="2" name="Title 1"/>
+          <p:cNvSpPr>
+            <a:spLocks noGrp="1"/>
+          </p:cNvSpPr>
+          <p:nvPr>
+            <p:ph type="title"/>
+          </p:nvPr>
+        </p:nvSpPr>
+        <p:spPr/>
+        <p:txBody>
+          <a:bodyPr>
+            <a:noAutofit/>
+          </a:bodyPr>
+          <a:lstStyle/>
+          <a:p>
+            <a:pPr algn="ctr"/>
+            <a:r>
+              <a:rPr lang="en-US" sz="3200" b="1" dirty="0">
+                <a:solidFill>
+                  <a:srgbClr val="00B050"/>
+                </a:solidFill>
+                <a:latin typeface="+mn-lt"/>
+              </a:rPr>
+              <a:t>Run</a:t>
+            </a:r>
+            <a:r>
+              <a:rPr lang="en-US" sz="3200" dirty="0">
+                <a:latin typeface="+mn-lt"/>
+              </a:rPr>
+              <a:t> random_walk.py</a:t>
+            </a:r>
+          </a:p>
+        </p:txBody>
+      </p:sp>
+      <p:sp>
+        <p:nvSpPr>
+          <p:cNvPr id="4" name="Slide Number Placeholder 3"/>
+          <p:cNvSpPr>
+            <a:spLocks noGrp="1"/>
+          </p:cNvSpPr>
+          <p:nvPr>
+            <p:ph type="sldNum" sz="quarter" idx="12"/>
+          </p:nvPr>
+        </p:nvSpPr>
+        <p:spPr/>
+        <p:txBody>
+          <a:bodyPr/>
+          <a:lstStyle/>
+          <a:p>
+            <a:fld id="{650AD656-6FF9-465D-B7B0-1CD0DD39CD23}" type="slidenum">
+              <a:rPr lang="en-US" smtClean="0"/>
+              <a:t>30</a:t>
+            </a:fld>
+            <a:endParaRPr lang="en-US" dirty="0"/>
+          </a:p>
+        </p:txBody>
+      </p:sp>
+      <p:pic>
+        <p:nvPicPr>
+          <p:cNvPr id="5" name="Picture 4">
+            <a:extLst>
+              <a:ext uri="{FF2B5EF4-FFF2-40B4-BE49-F238E27FC236}">
+                <a16:creationId xmlns:a16="http://schemas.microsoft.com/office/drawing/2014/main" id="{A81251C7-5005-472F-73CD-AE054E088D16}"/>
+              </a:ext>
+            </a:extLst>
+          </p:cNvPr>
+          <p:cNvPicPr>
+            <a:picLocks noChangeAspect="1"/>
+          </p:cNvPicPr>
+          <p:nvPr/>
+        </p:nvPicPr>
+        <p:blipFill>
+          <a:blip r:embed="rId2"/>
+          <a:stretch>
+            <a:fillRect/>
+          </a:stretch>
+        </p:blipFill>
+        <p:spPr>
+          <a:xfrm>
+            <a:off x="430498" y="1489745"/>
+            <a:ext cx="8283003" cy="4838376"/>
+          </a:xfrm>
+          <a:prstGeom prst="rect">
+            <a:avLst/>
+          </a:prstGeom>
+        </p:spPr>
+      </p:pic>
+      <p:cxnSp>
+        <p:nvCxnSpPr>
+          <p:cNvPr id="7" name="Straight Arrow Connector 6">
+            <a:extLst>
+              <a:ext uri="{FF2B5EF4-FFF2-40B4-BE49-F238E27FC236}">
+                <a16:creationId xmlns:a16="http://schemas.microsoft.com/office/drawing/2014/main" id="{53B0605A-6C1D-F6BF-39B7-44FD9D2B977E}"/>
+              </a:ext>
+            </a:extLst>
+          </p:cNvPr>
+          <p:cNvCxnSpPr>
+            <a:cxnSpLocks/>
+          </p:cNvCxnSpPr>
+          <p:nvPr/>
+        </p:nvCxnSpPr>
+        <p:spPr>
+          <a:xfrm flipV="1">
+            <a:off x="3990298" y="2787650"/>
+            <a:ext cx="4172627" cy="2580605"/>
+          </a:xfrm>
+          <a:prstGeom prst="straightConnector1">
+            <a:avLst/>
+          </a:prstGeom>
+          <a:ln w="38100">
+            <a:solidFill>
+              <a:schemeClr val="tx1"/>
+            </a:solidFill>
+            <a:tailEnd type="triangle"/>
+          </a:ln>
+        </p:spPr>
+        <p:style>
+          <a:lnRef idx="1">
+            <a:schemeClr val="accent1"/>
+          </a:lnRef>
+          <a:fillRef idx="0">
+            <a:schemeClr val="accent1"/>
+          </a:fillRef>
+          <a:effectRef idx="0">
+            <a:schemeClr val="accent1"/>
+          </a:effectRef>
+          <a:fontRef idx="minor">
+            <a:schemeClr val="tx1"/>
+          </a:fontRef>
+        </p:style>
+      </p:cxnSp>
+      <p:sp>
+        <p:nvSpPr>
+          <p:cNvPr id="41" name="TextBox 40">
+            <a:extLst>
+              <a:ext uri="{FF2B5EF4-FFF2-40B4-BE49-F238E27FC236}">
+                <a16:creationId xmlns:a16="http://schemas.microsoft.com/office/drawing/2014/main" id="{20C9B911-9783-769B-3F52-0732D1E3BDAC}"/>
+              </a:ext>
+            </a:extLst>
+          </p:cNvPr>
+          <p:cNvSpPr txBox="1"/>
+          <p:nvPr/>
+        </p:nvSpPr>
+        <p:spPr>
+          <a:xfrm>
+            <a:off x="3581816" y="5368255"/>
+            <a:ext cx="816964" cy="369332"/>
+          </a:xfrm>
+          <a:prstGeom prst="rect">
+            <a:avLst/>
+          </a:prstGeom>
+          <a:noFill/>
+        </p:spPr>
+        <p:txBody>
+          <a:bodyPr wrap="square" rtlCol="0">
+            <a:spAutoFit/>
+          </a:bodyPr>
+          <a:lstStyle/>
+          <a:p>
+            <a:pPr algn="ctr"/>
+            <a:r>
+              <a:rPr lang="en-US" b="1" dirty="0"/>
+              <a:t>Start</a:t>
+            </a:r>
+          </a:p>
+        </p:txBody>
+      </p:sp>
+      <p:sp>
+        <p:nvSpPr>
+          <p:cNvPr id="43" name="TextBox 42">
+            <a:extLst>
+              <a:ext uri="{FF2B5EF4-FFF2-40B4-BE49-F238E27FC236}">
+                <a16:creationId xmlns:a16="http://schemas.microsoft.com/office/drawing/2014/main" id="{66E7520F-B0C2-2C6C-B59D-11F306E30C2C}"/>
+              </a:ext>
+            </a:extLst>
+          </p:cNvPr>
+          <p:cNvSpPr txBox="1"/>
+          <p:nvPr/>
+        </p:nvSpPr>
+        <p:spPr>
+          <a:xfrm>
+            <a:off x="7754443" y="2297770"/>
+            <a:ext cx="816964" cy="369332"/>
+          </a:xfrm>
+          <a:prstGeom prst="rect">
+            <a:avLst/>
+          </a:prstGeom>
+          <a:noFill/>
+        </p:spPr>
+        <p:txBody>
+          <a:bodyPr wrap="square" rtlCol="0">
+            <a:spAutoFit/>
+          </a:bodyPr>
+          <a:lstStyle/>
+          <a:p>
+            <a:pPr algn="ctr"/>
+            <a:r>
+              <a:rPr lang="en-US" b="1" dirty="0"/>
+              <a:t>Stop</a:t>
+            </a:r>
+          </a:p>
+        </p:txBody>
+      </p:sp>
+      <mc:AlternateContent xmlns:mc="http://schemas.openxmlformats.org/markup-compatibility/2006">
+        <mc:Choice xmlns:a14="http://schemas.microsoft.com/office/drawing/2010/main" Requires="a14">
+          <p:sp>
+            <p:nvSpPr>
+              <p:cNvPr id="44" name="TextBox 43">
+                <a:extLst>
+                  <a:ext uri="{FF2B5EF4-FFF2-40B4-BE49-F238E27FC236}">
+                    <a16:creationId xmlns:a16="http://schemas.microsoft.com/office/drawing/2014/main" id="{AF7393F3-4FBC-6A63-DBA1-41E3815FB03D}"/>
+                  </a:ext>
+                </a:extLst>
+              </p:cNvPr>
+              <p:cNvSpPr txBox="1"/>
+              <p:nvPr/>
+            </p:nvSpPr>
+            <p:spPr>
+              <a:xfrm>
+                <a:off x="959370" y="1780344"/>
+                <a:ext cx="2788172" cy="372410"/>
+              </a:xfrm>
+              <a:prstGeom prst="rect">
+                <a:avLst/>
+              </a:prstGeom>
+              <a:noFill/>
+            </p:spPr>
+            <p:txBody>
+              <a:bodyPr wrap="square" rtlCol="0">
+                <a:spAutoFit/>
+              </a:bodyPr>
+              <a:lstStyle/>
+              <a:p>
+                <a:r>
+                  <a:rPr lang="en-US" dirty="0"/>
+                  <a:t>Average final distance = </a:t>
+                </a:r>
+                <a14:m>
+                  <m:oMath xmlns:m="http://schemas.openxmlformats.org/officeDocument/2006/math">
+                    <m:rad>
+                      <m:radPr>
+                        <m:degHide m:val="on"/>
+                        <m:ctrlPr>
+                          <a:rPr lang="en-US" i="1" smtClean="0">
+                            <a:ln>
+                              <a:solidFill>
+                                <a:sysClr val="windowText" lastClr="000000"/>
+                              </a:solidFill>
+                            </a:ln>
+                            <a:solidFill>
+                              <a:sysClr val="windowText" lastClr="000000"/>
+                            </a:solidFill>
+                            <a:latin typeface="Cambria Math" panose="02040503050406030204" pitchFamily="18" charset="0"/>
+                          </a:rPr>
+                        </m:ctrlPr>
+                      </m:radPr>
+                      <m:deg/>
+                      <m:e>
+                        <m:r>
+                          <a:rPr lang="en-US" b="0" i="1" smtClean="0">
+                            <a:ln>
+                              <a:solidFill>
+                                <a:sysClr val="windowText" lastClr="000000"/>
+                              </a:solidFill>
+                            </a:ln>
+                            <a:solidFill>
+                              <a:sysClr val="windowText" lastClr="000000"/>
+                            </a:solidFill>
+                            <a:latin typeface="Cambria Math" panose="02040503050406030204" pitchFamily="18" charset="0"/>
+                          </a:rPr>
+                          <m:t>𝑛</m:t>
+                        </m:r>
+                      </m:e>
+                    </m:rad>
+                  </m:oMath>
+                </a14:m>
+                <a:endParaRPr lang="en-US" dirty="0"/>
+              </a:p>
+            </p:txBody>
+          </p:sp>
+        </mc:Choice>
+        <mc:Fallback>
+          <p:sp>
+            <p:nvSpPr>
+              <p:cNvPr id="44" name="TextBox 43">
+                <a:extLst>
+                  <a:ext uri="{FF2B5EF4-FFF2-40B4-BE49-F238E27FC236}">
+                    <a16:creationId xmlns:a16="http://schemas.microsoft.com/office/drawing/2014/main" id="{AF7393F3-4FBC-6A63-DBA1-41E3815FB03D}"/>
+                  </a:ext>
+                </a:extLst>
+              </p:cNvPr>
+              <p:cNvSpPr txBox="1">
+                <a:spLocks noRot="1" noChangeAspect="1" noMove="1" noResize="1" noEditPoints="1" noAdjustHandles="1" noChangeArrowheads="1" noChangeShapeType="1" noTextEdit="1"/>
+              </p:cNvSpPr>
+              <p:nvPr/>
+            </p:nvSpPr>
+            <p:spPr>
+              <a:xfrm>
+                <a:off x="959370" y="1780344"/>
+                <a:ext cx="2788172" cy="372410"/>
+              </a:xfrm>
+              <a:prstGeom prst="rect">
+                <a:avLst/>
+              </a:prstGeom>
+              <a:blipFill>
+                <a:blip r:embed="rId3"/>
+                <a:stretch>
+                  <a:fillRect l="-1747" t="-6557" b="-26230"/>
+                </a:stretch>
+              </a:blipFill>
+            </p:spPr>
+            <p:txBody>
+              <a:bodyPr/>
+              <a:lstStyle/>
+              <a:p>
+                <a:r>
+                  <a:rPr lang="en-US">
+                    <a:noFill/>
+                  </a:rPr>
+                  <a:t> </a:t>
+                </a:r>
+              </a:p>
+            </p:txBody>
+          </p:sp>
+        </mc:Fallback>
+      </mc:AlternateContent>
+      <p:grpSp>
+        <p:nvGrpSpPr>
+          <p:cNvPr id="47" name="Group 46">
+            <a:extLst>
+              <a:ext uri="{FF2B5EF4-FFF2-40B4-BE49-F238E27FC236}">
+                <a16:creationId xmlns:a16="http://schemas.microsoft.com/office/drawing/2014/main" id="{D4C74288-9BEA-C51F-5EAC-47F7DD5D71F1}"/>
+              </a:ext>
+            </a:extLst>
+          </p:cNvPr>
+          <p:cNvGrpSpPr/>
+          <p:nvPr/>
+        </p:nvGrpSpPr>
+        <p:grpSpPr>
+          <a:xfrm>
+            <a:off x="7083164" y="3810930"/>
+            <a:ext cx="1342557" cy="2135678"/>
+            <a:chOff x="7083164" y="3810930"/>
+            <a:chExt cx="1342557" cy="2135678"/>
+          </a:xfrm>
+        </p:grpSpPr>
+        <p:pic>
+          <p:nvPicPr>
+            <p:cNvPr id="45" name="Picture 44">
+              <a:extLst>
+                <a:ext uri="{FF2B5EF4-FFF2-40B4-BE49-F238E27FC236}">
+                  <a16:creationId xmlns:a16="http://schemas.microsoft.com/office/drawing/2014/main" id="{6DDAE363-22DC-4994-0DB2-B12EF543F8CF}"/>
+                </a:ext>
+              </a:extLst>
+            </p:cNvPr>
+            <p:cNvPicPr>
+              <a:picLocks noChangeAspect="1"/>
+            </p:cNvPicPr>
+            <p:nvPr/>
+          </p:nvPicPr>
+          <p:blipFill>
+            <a:blip r:embed="rId4"/>
+            <a:stretch>
+              <a:fillRect/>
+            </a:stretch>
+          </p:blipFill>
+          <p:spPr>
+            <a:xfrm>
+              <a:off x="7140704" y="3810930"/>
+              <a:ext cx="1227477" cy="1612458"/>
+            </a:xfrm>
+            <a:prstGeom prst="rect">
+              <a:avLst/>
+            </a:prstGeom>
+          </p:spPr>
+        </p:pic>
+        <p:sp>
+          <p:nvSpPr>
+            <p:cNvPr id="46" name="TextBox 45">
+              <a:extLst>
+                <a:ext uri="{FF2B5EF4-FFF2-40B4-BE49-F238E27FC236}">
+                  <a16:creationId xmlns:a16="http://schemas.microsoft.com/office/drawing/2014/main" id="{CAB0E2AE-EFED-75D6-D80C-3C373987B3AB}"/>
+                </a:ext>
+              </a:extLst>
+            </p:cNvPr>
+            <p:cNvSpPr txBox="1"/>
+            <p:nvPr/>
+          </p:nvSpPr>
+          <p:spPr>
+            <a:xfrm>
+              <a:off x="7083164" y="5423388"/>
+              <a:ext cx="1342557" cy="523220"/>
+            </a:xfrm>
+            <a:prstGeom prst="rect">
+              <a:avLst/>
+            </a:prstGeom>
+            <a:noFill/>
+          </p:spPr>
+          <p:txBody>
+            <a:bodyPr wrap="square" rtlCol="0">
+              <a:spAutoFit/>
+            </a:bodyPr>
+            <a:lstStyle/>
+            <a:p>
+              <a:pPr algn="ctr"/>
+              <a:r>
+                <a:rPr lang="en-US" sz="1400" b="1" dirty="0"/>
+                <a:t>Albert Einstein</a:t>
+              </a:r>
+            </a:p>
+            <a:p>
+              <a:pPr algn="ctr"/>
+              <a:r>
+                <a:rPr lang="en-US" sz="1400" dirty="0"/>
+                <a:t>(1879 – 1955)</a:t>
+              </a:r>
+            </a:p>
+          </p:txBody>
+        </p:sp>
+      </p:grpSp>
+    </p:spTree>
+    <p:extLst>
+      <p:ext uri="{BB962C8B-B14F-4D97-AF65-F5344CB8AC3E}">
+        <p14:creationId xmlns:p14="http://schemas.microsoft.com/office/powerpoint/2010/main" val="2940167151"/>
+      </p:ext>
+    </p:extLst>
+  </p:cSld>
+  <p:clrMapOvr>
+    <a:masterClrMapping/>
+  </p:clrMapOvr>
+  <p:timing>
+    <p:tnLst>
+      <p:par>
+        <p:cTn id="1" dur="indefinite" restart="never" nodeType="tmRoot">
+          <p:childTnLst>
+            <p:seq concurrent="1" nextAc="seek">
+              <p:cTn id="2" dur="indefinite" nodeType="mainSeq">
+                <p:childTnLst>
+                  <p:par>
+                    <p:cTn id="3" fill="hold">
+                      <p:stCondLst>
+                        <p:cond delay="indefinite"/>
+                      </p:stCondLst>
+                      <p:childTnLst>
+                        <p:par>
+                          <p:cTn id="4" fill="hold">
+                            <p:stCondLst>
+                              <p:cond delay="0"/>
+                            </p:stCondLst>
+                            <p:childTnLst>
+                              <p:par>
+                                <p:cTn id="5" presetID="22" presetClass="entr" presetSubtype="8" fill="hold" nodeType="clickEffect">
+                                  <p:stCondLst>
+                                    <p:cond delay="0"/>
+                                  </p:stCondLst>
+                                  <p:childTnLst>
+                                    <p:set>
+                                      <p:cBhvr>
+                                        <p:cTn id="6" dur="1" fill="hold">
+                                          <p:stCondLst>
+                                            <p:cond delay="0"/>
+                                          </p:stCondLst>
+                                        </p:cTn>
+                                        <p:tgtEl>
+                                          <p:spTgt spid="5"/>
+                                        </p:tgtEl>
+                                        <p:attrNameLst>
+                                          <p:attrName>style.visibility</p:attrName>
+                                        </p:attrNameLst>
+                                      </p:cBhvr>
+                                      <p:to>
+                                        <p:strVal val="visible"/>
+                                      </p:to>
+                                    </p:set>
+                                    <p:animEffect transition="in" filter="wipe(left)">
+                                      <p:cBhvr>
+                                        <p:cTn id="7" dur="500"/>
+                                        <p:tgtEl>
+                                          <p:spTgt spid="5"/>
+                                        </p:tgtEl>
+                                      </p:cBhvr>
+                                    </p:animEffect>
+                                  </p:childTnLst>
+                                </p:cTn>
+                              </p:par>
+                            </p:childTnLst>
+                          </p:cTn>
+                        </p:par>
+                      </p:childTnLst>
+                    </p:cTn>
+                  </p:par>
+                  <p:par>
+                    <p:cTn id="8" fill="hold">
+                      <p:stCondLst>
+                        <p:cond delay="indefinite"/>
+                      </p:stCondLst>
+                      <p:childTnLst>
+                        <p:par>
+                          <p:cTn id="9" fill="hold">
+                            <p:stCondLst>
+                              <p:cond delay="0"/>
+                            </p:stCondLst>
+                            <p:childTnLst>
+                              <p:par>
+                                <p:cTn id="10" presetID="22" presetClass="entr" presetSubtype="8" fill="hold" grpId="0" nodeType="clickEffect">
+                                  <p:stCondLst>
+                                    <p:cond delay="0"/>
+                                  </p:stCondLst>
+                                  <p:childTnLst>
+                                    <p:set>
+                                      <p:cBhvr>
+                                        <p:cTn id="11" dur="1" fill="hold">
+                                          <p:stCondLst>
+                                            <p:cond delay="0"/>
+                                          </p:stCondLst>
+                                        </p:cTn>
+                                        <p:tgtEl>
+                                          <p:spTgt spid="41"/>
+                                        </p:tgtEl>
+                                        <p:attrNameLst>
+                                          <p:attrName>style.visibility</p:attrName>
+                                        </p:attrNameLst>
+                                      </p:cBhvr>
+                                      <p:to>
+                                        <p:strVal val="visible"/>
+                                      </p:to>
+                                    </p:set>
+                                    <p:animEffect transition="in" filter="wipe(left)">
+                                      <p:cBhvr>
+                                        <p:cTn id="12" dur="500"/>
+                                        <p:tgtEl>
+                                          <p:spTgt spid="41"/>
+                                        </p:tgtEl>
+                                      </p:cBhvr>
+                                    </p:animEffect>
+                                  </p:childTnLst>
+                                </p:cTn>
+                              </p:par>
+                            </p:childTnLst>
+                          </p:cTn>
+                        </p:par>
+                        <p:par>
+                          <p:cTn id="13" fill="hold">
+                            <p:stCondLst>
+                              <p:cond delay="500"/>
+                            </p:stCondLst>
+                            <p:childTnLst>
+                              <p:par>
+                                <p:cTn id="14" presetID="22" presetClass="entr" presetSubtype="8" fill="hold" nodeType="afterEffect">
+                                  <p:stCondLst>
+                                    <p:cond delay="0"/>
+                                  </p:stCondLst>
+                                  <p:childTnLst>
+                                    <p:set>
+                                      <p:cBhvr>
+                                        <p:cTn id="15" dur="1" fill="hold">
+                                          <p:stCondLst>
+                                            <p:cond delay="0"/>
+                                          </p:stCondLst>
+                                        </p:cTn>
+                                        <p:tgtEl>
+                                          <p:spTgt spid="7"/>
+                                        </p:tgtEl>
+                                        <p:attrNameLst>
+                                          <p:attrName>style.visibility</p:attrName>
+                                        </p:attrNameLst>
+                                      </p:cBhvr>
+                                      <p:to>
+                                        <p:strVal val="visible"/>
+                                      </p:to>
+                                    </p:set>
+                                    <p:animEffect transition="in" filter="wipe(left)">
+                                      <p:cBhvr>
+                                        <p:cTn id="16" dur="500"/>
+                                        <p:tgtEl>
+                                          <p:spTgt spid="7"/>
+                                        </p:tgtEl>
+                                      </p:cBhvr>
+                                    </p:animEffect>
+                                  </p:childTnLst>
+                                </p:cTn>
+                              </p:par>
+                            </p:childTnLst>
+                          </p:cTn>
+                        </p:par>
+                        <p:par>
+                          <p:cTn id="17" fill="hold">
+                            <p:stCondLst>
+                              <p:cond delay="1000"/>
+                            </p:stCondLst>
+                            <p:childTnLst>
+                              <p:par>
+                                <p:cTn id="18" presetID="22" presetClass="entr" presetSubtype="8" fill="hold" grpId="0" nodeType="afterEffect">
+                                  <p:stCondLst>
+                                    <p:cond delay="0"/>
+                                  </p:stCondLst>
+                                  <p:childTnLst>
+                                    <p:set>
+                                      <p:cBhvr>
+                                        <p:cTn id="19" dur="1" fill="hold">
+                                          <p:stCondLst>
+                                            <p:cond delay="0"/>
+                                          </p:stCondLst>
+                                        </p:cTn>
+                                        <p:tgtEl>
+                                          <p:spTgt spid="43"/>
+                                        </p:tgtEl>
+                                        <p:attrNameLst>
+                                          <p:attrName>style.visibility</p:attrName>
+                                        </p:attrNameLst>
+                                      </p:cBhvr>
+                                      <p:to>
+                                        <p:strVal val="visible"/>
+                                      </p:to>
+                                    </p:set>
+                                    <p:animEffect transition="in" filter="wipe(left)">
+                                      <p:cBhvr>
+                                        <p:cTn id="20" dur="500"/>
+                                        <p:tgtEl>
+                                          <p:spTgt spid="43"/>
+                                        </p:tgtEl>
+                                      </p:cBhvr>
+                                    </p:animEffect>
+                                  </p:childTnLst>
+                                </p:cTn>
+                              </p:par>
+                            </p:childTnLst>
+                          </p:cTn>
+                        </p:par>
+                      </p:childTnLst>
+                    </p:cTn>
+                  </p:par>
+                  <p:par>
+                    <p:cTn id="21" fill="hold">
+                      <p:stCondLst>
+                        <p:cond delay="indefinite"/>
+                      </p:stCondLst>
+                      <p:childTnLst>
+                        <p:par>
+                          <p:cTn id="22" fill="hold">
+                            <p:stCondLst>
+                              <p:cond delay="0"/>
+                            </p:stCondLst>
+                            <p:childTnLst>
+                              <p:par>
+                                <p:cTn id="23" presetID="22" presetClass="entr" presetSubtype="8" fill="hold" grpId="0" nodeType="clickEffect">
+                                  <p:stCondLst>
+                                    <p:cond delay="0"/>
+                                  </p:stCondLst>
+                                  <p:childTnLst>
+                                    <p:set>
+                                      <p:cBhvr>
+                                        <p:cTn id="24" dur="1" fill="hold">
+                                          <p:stCondLst>
+                                            <p:cond delay="0"/>
+                                          </p:stCondLst>
+                                        </p:cTn>
+                                        <p:tgtEl>
+                                          <p:spTgt spid="44"/>
+                                        </p:tgtEl>
+                                        <p:attrNameLst>
+                                          <p:attrName>style.visibility</p:attrName>
+                                        </p:attrNameLst>
+                                      </p:cBhvr>
+                                      <p:to>
+                                        <p:strVal val="visible"/>
+                                      </p:to>
+                                    </p:set>
+                                    <p:animEffect transition="in" filter="wipe(left)">
+                                      <p:cBhvr>
+                                        <p:cTn id="25" dur="500"/>
+                                        <p:tgtEl>
+                                          <p:spTgt spid="44"/>
+                                        </p:tgtEl>
+                                      </p:cBhvr>
+                                    </p:animEffect>
+                                  </p:childTnLst>
+                                </p:cTn>
+                              </p:par>
+                            </p:childTnLst>
+                          </p:cTn>
+                        </p:par>
+                        <p:par>
+                          <p:cTn id="26" fill="hold">
+                            <p:stCondLst>
+                              <p:cond delay="500"/>
+                            </p:stCondLst>
+                            <p:childTnLst>
+                              <p:par>
+                                <p:cTn id="27" presetID="22" presetClass="entr" presetSubtype="1" fill="hold" nodeType="afterEffect">
+                                  <p:stCondLst>
+                                    <p:cond delay="0"/>
+                                  </p:stCondLst>
+                                  <p:childTnLst>
+                                    <p:set>
+                                      <p:cBhvr>
+                                        <p:cTn id="28" dur="1" fill="hold">
+                                          <p:stCondLst>
+                                            <p:cond delay="0"/>
+                                          </p:stCondLst>
+                                        </p:cTn>
+                                        <p:tgtEl>
+                                          <p:spTgt spid="47"/>
+                                        </p:tgtEl>
+                                        <p:attrNameLst>
+                                          <p:attrName>style.visibility</p:attrName>
+                                        </p:attrNameLst>
+                                      </p:cBhvr>
+                                      <p:to>
+                                        <p:strVal val="visible"/>
+                                      </p:to>
+                                    </p:set>
+                                    <p:animEffect transition="in" filter="wipe(up)">
+                                      <p:cBhvr>
+                                        <p:cTn id="29" dur="500"/>
+                                        <p:tgtEl>
+                                          <p:spTgt spid="47"/>
+                                        </p:tgtEl>
+                                      </p:cBhvr>
+                                    </p:animEffect>
+                                  </p:childTnLst>
+                                </p:cTn>
+                              </p:par>
+                            </p:childTnLst>
+                          </p:cTn>
+                        </p:par>
+                      </p:childTnLst>
+                    </p:cTn>
+                  </p:par>
+                </p:childTnLst>
+              </p:cTn>
+              <p:prevCondLst>
+                <p:cond evt="onPrev" delay="0">
+                  <p:tgtEl>
+                    <p:sldTgt/>
+                  </p:tgtEl>
+                </p:cond>
+              </p:prevCondLst>
+              <p:nextCondLst>
+                <p:cond evt="onNext" delay="0">
+                  <p:tgtEl>
+                    <p:sldTgt/>
+                  </p:tgtEl>
+                </p:cond>
+              </p:nextCondLst>
+            </p:seq>
+          </p:childTnLst>
+        </p:cTn>
+      </p:par>
+    </p:tnLst>
+    <p:bldLst>
+      <p:bldP spid="41" grpId="0"/>
+      <p:bldP spid="43" grpId="0"/>
+      <p:bldP spid="44" grpId="0"/>
+    </p:bldLst>
+  </p:timing>
+</p:sld>
+</file>
+
+<file path=ppt/slides/slide31.xml><?xml version="1.0" encoding="utf-8"?>
+<p:sld xmlns:a="http://schemas.openxmlformats.org/drawingml/2006/main" xmlns:r="http://schemas.openxmlformats.org/officeDocument/2006/relationships" xmlns:p="http://schemas.openxmlformats.org/presentationml/2006/main">
+  <p:cSld>
+    <p:spTree>
+      <p:nvGrpSpPr>
+        <p:cNvPr id="1" name=""/>
+        <p:cNvGrpSpPr/>
+        <p:nvPr/>
+      </p:nvGrpSpPr>
+      <p:grpSpPr>
+        <a:xfrm>
+          <a:off x="0" y="0"/>
+          <a:ext cx="0" cy="0"/>
+          <a:chOff x="0" y="0"/>
+          <a:chExt cx="0" cy="0"/>
+        </a:xfrm>
+      </p:grpSpPr>
+      <p:sp>
+        <p:nvSpPr>
+          <p:cNvPr id="4" name="Slide Number Placeholder 3"/>
+          <p:cNvSpPr>
+            <a:spLocks noGrp="1"/>
+          </p:cNvSpPr>
+          <p:nvPr>
+            <p:ph type="sldNum" sz="quarter" idx="12"/>
+          </p:nvPr>
+        </p:nvSpPr>
+        <p:spPr/>
+        <p:txBody>
+          <a:bodyPr/>
+          <a:lstStyle/>
+          <a:p>
+            <a:fld id="{650AD656-6FF9-465D-B7B0-1CD0DD39CD23}" type="slidenum">
+              <a:rPr lang="en-US" smtClean="0"/>
+              <a:t>31</a:t>
+            </a:fld>
+            <a:endParaRPr lang="en-US" dirty="0"/>
+          </a:p>
+        </p:txBody>
+      </p:sp>
+      <p:pic>
+        <p:nvPicPr>
+          <p:cNvPr id="8" name="Picture 7">
+            <a:extLst>
+              <a:ext uri="{FF2B5EF4-FFF2-40B4-BE49-F238E27FC236}">
+                <a16:creationId xmlns:a16="http://schemas.microsoft.com/office/drawing/2014/main" id="{FA557B32-0609-5E4A-5AD3-42C8E572934A}"/>
+              </a:ext>
+            </a:extLst>
+          </p:cNvPr>
+          <p:cNvPicPr>
+            <a:picLocks noChangeAspect="1"/>
+          </p:cNvPicPr>
+          <p:nvPr/>
+        </p:nvPicPr>
+        <p:blipFill>
+          <a:blip r:embed="rId2"/>
+          <a:stretch>
+            <a:fillRect/>
+          </a:stretch>
+        </p:blipFill>
+        <p:spPr>
+          <a:xfrm>
+            <a:off x="1006840" y="556922"/>
+            <a:ext cx="7130321" cy="6167728"/>
+          </a:xfrm>
+          <a:prstGeom prst="rect">
+            <a:avLst/>
+          </a:prstGeom>
+        </p:spPr>
+      </p:pic>
+    </p:spTree>
+    <p:extLst>
+      <p:ext uri="{BB962C8B-B14F-4D97-AF65-F5344CB8AC3E}">
+        <p14:creationId xmlns:p14="http://schemas.microsoft.com/office/powerpoint/2010/main" val="2450481744"/>
+      </p:ext>
+    </p:extLst>
+  </p:cSld>
+  <p:clrMapOvr>
+    <a:masterClrMapping/>
+  </p:clrMapOvr>
+</p:sld>
+</file>
+
+<file path=ppt/slides/slide32.xml><?xml version="1.0" encoding="utf-8"?>
+<p:sld xmlns:a="http://schemas.openxmlformats.org/drawingml/2006/main" xmlns:r="http://schemas.openxmlformats.org/officeDocument/2006/relationships" xmlns:p="http://schemas.openxmlformats.org/presentationml/2006/main">
+  <p:cSld>
+    <p:spTree>
+      <p:nvGrpSpPr>
+        <p:cNvPr id="1" name=""/>
+        <p:cNvGrpSpPr/>
+        <p:nvPr/>
+      </p:nvGrpSpPr>
+      <p:grpSpPr>
+        <a:xfrm>
+          <a:off x="0" y="0"/>
+          <a:ext cx="0" cy="0"/>
+          <a:chOff x="0" y="0"/>
+          <a:chExt cx="0" cy="0"/>
+        </a:xfrm>
+      </p:grpSpPr>
+      <p:pic>
+        <p:nvPicPr>
+          <p:cNvPr id="2" name="Picture 1">
+            <a:extLst>
+              <a:ext uri="{FF2B5EF4-FFF2-40B4-BE49-F238E27FC236}">
+                <a16:creationId xmlns:a16="http://schemas.microsoft.com/office/drawing/2014/main" id="{B02AD664-1B23-9A0E-C63E-46A41362F963}"/>
+              </a:ext>
+            </a:extLst>
+          </p:cNvPr>
+          <p:cNvPicPr>
+            <a:picLocks noChangeAspect="1"/>
+          </p:cNvPicPr>
+          <p:nvPr/>
+        </p:nvPicPr>
+        <p:blipFill>
+          <a:blip r:embed="rId2"/>
+          <a:stretch>
+            <a:fillRect/>
+          </a:stretch>
+        </p:blipFill>
+        <p:spPr>
+          <a:xfrm>
+            <a:off x="1006839" y="556922"/>
+            <a:ext cx="7143750" cy="6000750"/>
+          </a:xfrm>
+          <a:prstGeom prst="rect">
+            <a:avLst/>
+          </a:prstGeom>
+          <a:ln>
+            <a:noFill/>
+          </a:ln>
+        </p:spPr>
+      </p:pic>
+      <p:sp>
+        <p:nvSpPr>
+          <p:cNvPr id="4" name="Slide Number Placeholder 3"/>
+          <p:cNvSpPr>
+            <a:spLocks noGrp="1"/>
+          </p:cNvSpPr>
+          <p:nvPr>
+            <p:ph type="sldNum" sz="quarter" idx="12"/>
+          </p:nvPr>
+        </p:nvSpPr>
+        <p:spPr/>
+        <p:txBody>
+          <a:bodyPr/>
+          <a:lstStyle/>
+          <a:p>
+            <a:fld id="{650AD656-6FF9-465D-B7B0-1CD0DD39CD23}" type="slidenum">
+              <a:rPr lang="en-US" smtClean="0"/>
+              <a:t>32</a:t>
+            </a:fld>
+            <a:endParaRPr lang="en-US" dirty="0"/>
+          </a:p>
+        </p:txBody>
+      </p:sp>
+      <p:sp>
+        <p:nvSpPr>
+          <p:cNvPr id="3" name="Rectangle 2">
+            <a:extLst>
+              <a:ext uri="{FF2B5EF4-FFF2-40B4-BE49-F238E27FC236}">
+                <a16:creationId xmlns:a16="http://schemas.microsoft.com/office/drawing/2014/main" id="{F75BCCD9-4CD2-AA10-896B-1FD326F7F057}"/>
+              </a:ext>
+            </a:extLst>
+          </p:cNvPr>
+          <p:cNvSpPr/>
+          <p:nvPr/>
+        </p:nvSpPr>
+        <p:spPr>
+          <a:xfrm>
+            <a:off x="6955436" y="6183443"/>
+            <a:ext cx="1195153" cy="365125"/>
+          </a:xfrm>
+          <a:prstGeom prst="rect">
+            <a:avLst/>
+          </a:prstGeom>
+          <a:solidFill>
+            <a:schemeClr val="bg1"/>
+          </a:solidFill>
+          <a:ln>
+            <a:solidFill>
+              <a:schemeClr val="bg1"/>
+            </a:solidFill>
+          </a:ln>
+        </p:spPr>
+        <p:style>
+          <a:lnRef idx="2">
+            <a:schemeClr val="accent1">
+              <a:shade val="15000"/>
+            </a:schemeClr>
+          </a:lnRef>
+          <a:fillRef idx="1">
+            <a:schemeClr val="accent1"/>
+          </a:fillRef>
+          <a:effectRef idx="0">
+            <a:schemeClr val="accent1"/>
+          </a:effectRef>
+          <a:fontRef idx="minor">
+            <a:schemeClr val="lt1"/>
+          </a:fontRef>
+        </p:style>
+        <p:txBody>
+          <a:bodyPr rtlCol="0" anchor="ctr"/>
+          <a:lstStyle/>
+          <a:p>
+            <a:pPr algn="ctr"/>
+            <a:endParaRPr lang="en-US"/>
+          </a:p>
+        </p:txBody>
+      </p:sp>
+    </p:spTree>
+    <p:extLst>
+      <p:ext uri="{BB962C8B-B14F-4D97-AF65-F5344CB8AC3E}">
+        <p14:creationId xmlns:p14="http://schemas.microsoft.com/office/powerpoint/2010/main" val="1461045897"/>
+      </p:ext>
+    </p:extLst>
+  </p:cSld>
+  <p:clrMapOvr>
+    <a:masterClrMapping/>
+  </p:clrMapOvr>
+</p:sld>
+</file>
+
+<file path=ppt/slides/slide33.xml><?xml version="1.0" encoding="utf-8"?>
+<p:sld xmlns:a="http://schemas.openxmlformats.org/drawingml/2006/main" xmlns:r="http://schemas.openxmlformats.org/officeDocument/2006/relationships" xmlns:p="http://schemas.openxmlformats.org/presentationml/2006/main">
+  <p:cSld>
+    <p:spTree>
+      <p:nvGrpSpPr>
+        <p:cNvPr id="1" name=""/>
+        <p:cNvGrpSpPr/>
+        <p:nvPr/>
+      </p:nvGrpSpPr>
+      <p:grpSpPr>
+        <a:xfrm>
+          <a:off x="0" y="0"/>
+          <a:ext cx="0" cy="0"/>
+          <a:chOff x="0" y="0"/>
+          <a:chExt cx="0" cy="0"/>
+        </a:xfrm>
+      </p:grpSpPr>
+      <p:sp>
+        <p:nvSpPr>
+          <p:cNvPr id="2" name="Title 1">
+            <a:extLst>
+              <a:ext uri="{FF2B5EF4-FFF2-40B4-BE49-F238E27FC236}">
+                <a16:creationId xmlns:a16="http://schemas.microsoft.com/office/drawing/2014/main" id="{B15B6439-41E6-140A-FAE2-84DA1CCE9574}"/>
+              </a:ext>
+            </a:extLst>
+          </p:cNvPr>
+          <p:cNvSpPr>
+            <a:spLocks noGrp="1"/>
+          </p:cNvSpPr>
+          <p:nvPr>
+            <p:ph type="title"/>
+          </p:nvPr>
+        </p:nvSpPr>
+        <p:spPr/>
+        <p:txBody>
+          <a:bodyPr>
+            <a:normAutofit/>
+          </a:bodyPr>
+          <a:lstStyle/>
+          <a:p>
+            <a:pPr algn="ctr"/>
+            <a:r>
               <a:rPr lang="en-US" sz="3200" dirty="0">
                 <a:latin typeface="+mn-lt"/>
               </a:rPr>
@@ -23652,7 +27425,7 @@
             <a:fld id="{650AD656-6FF9-465D-B7B0-1CD0DD39CD23}" type="slidenum">
               <a:rPr lang="en-US" smtClean="0"/>
               <a:pPr/>
-              <a:t>28</a:t>
+              <a:t>33</a:t>
             </a:fld>
             <a:endParaRPr lang="en-US"/>
           </a:p>
@@ -23848,7 +27621,7 @@
 </p:sld>
 </file>
 
-<file path=ppt/slides/slide29.xml><?xml version="1.0" encoding="utf-8"?>
+<file path=ppt/slides/slide34.xml><?xml version="1.0" encoding="utf-8"?>
 <p:sld xmlns:a="http://schemas.openxmlformats.org/drawingml/2006/main" xmlns:r="http://schemas.openxmlformats.org/officeDocument/2006/relationships" xmlns:p="http://schemas.openxmlformats.org/presentationml/2006/main">
   <p:cSld>
     <p:spTree>
@@ -23898,8 +27671,8 @@
           </a:p>
         </p:txBody>
       </p:sp>
-      <mc:AlternateContent xmlns:mc="http://schemas.openxmlformats.org/markup-compatibility/2006">
-        <mc:Choice xmlns:a14="http://schemas.microsoft.com/office/drawing/2010/main" Requires="a14">
+      <mc:AlternateContent xmlns:mc="http://schemas.openxmlformats.org/markup-compatibility/2006" xmlns:a14="http://schemas.microsoft.com/office/drawing/2010/main">
+        <mc:Choice Requires="a14">
           <p:sp>
             <p:nvSpPr>
               <p:cNvPr id="3" name="Content Placeholder 2">
@@ -24011,7 +27784,7 @@
             </p:txBody>
           </p:sp>
         </mc:Choice>
-        <mc:Fallback>
+        <mc:Fallback xmlns="">
           <p:sp>
             <p:nvSpPr>
               <p:cNvPr id="3" name="Content Placeholder 2">
@@ -24075,7 +27848,7 @@
             <a:fld id="{650AD656-6FF9-465D-B7B0-1CD0DD39CD23}" type="slidenum">
               <a:rPr lang="en-US" smtClean="0"/>
               <a:pPr/>
-              <a:t>29</a:t>
+              <a:t>34</a:t>
             </a:fld>
             <a:endParaRPr lang="en-US"/>
           </a:p>
@@ -24170,218 +27943,6 @@
       </p:par>
     </p:tnLst>
   </p:timing>
-</p:sld>
-</file>
-
-<file path=ppt/slides/slide3.xml><?xml version="1.0" encoding="utf-8"?>
-<p:sld xmlns:a="http://schemas.openxmlformats.org/drawingml/2006/main" xmlns:r="http://schemas.openxmlformats.org/officeDocument/2006/relationships" xmlns:p="http://schemas.openxmlformats.org/presentationml/2006/main">
-  <p:cSld>
-    <p:spTree>
-      <p:nvGrpSpPr>
-        <p:cNvPr id="1" name=""/>
-        <p:cNvGrpSpPr/>
-        <p:nvPr/>
-      </p:nvGrpSpPr>
-      <p:grpSpPr>
-        <a:xfrm>
-          <a:off x="0" y="0"/>
-          <a:ext cx="0" cy="0"/>
-          <a:chOff x="0" y="0"/>
-          <a:chExt cx="0" cy="0"/>
-        </a:xfrm>
-      </p:grpSpPr>
-      <p:sp>
-        <p:nvSpPr>
-          <p:cNvPr id="2" name="Title 1"/>
-          <p:cNvSpPr>
-            <a:spLocks noGrp="1"/>
-          </p:cNvSpPr>
-          <p:nvPr>
-            <p:ph type="title"/>
-          </p:nvPr>
-        </p:nvSpPr>
-        <p:spPr/>
-        <p:txBody>
-          <a:bodyPr>
-            <a:noAutofit/>
-          </a:bodyPr>
-          <a:lstStyle/>
-          <a:p>
-            <a:pPr algn="ctr"/>
-            <a:r>
-              <a:rPr lang="en-US" sz="3200" dirty="0">
-                <a:latin typeface="+mn-lt"/>
-              </a:rPr>
-              <a:t>Python User Interfaces via </a:t>
-            </a:r>
-            <a:r>
-              <a:rPr lang="en-US" sz="3200" b="1" dirty="0">
-                <a:latin typeface="+mn-lt"/>
-              </a:rPr>
-              <a:t>Qt</a:t>
-            </a:r>
-          </a:p>
-        </p:txBody>
-      </p:sp>
-      <p:sp>
-        <p:nvSpPr>
-          <p:cNvPr id="3" name="Slide Number Placeholder 2"/>
-          <p:cNvSpPr>
-            <a:spLocks noGrp="1"/>
-          </p:cNvSpPr>
-          <p:nvPr>
-            <p:ph type="sldNum" sz="quarter" idx="12"/>
-          </p:nvPr>
-        </p:nvSpPr>
-        <p:spPr/>
-        <p:txBody>
-          <a:bodyPr/>
-          <a:lstStyle/>
-          <a:p>
-            <a:fld id="{650AD656-6FF9-465D-B7B0-1CD0DD39CD23}" type="slidenum">
-              <a:rPr lang="en-US" smtClean="0"/>
-              <a:t>3</a:t>
-            </a:fld>
-            <a:endParaRPr lang="en-US" dirty="0"/>
-          </a:p>
-        </p:txBody>
-      </p:sp>
-      <p:sp>
-        <p:nvSpPr>
-          <p:cNvPr id="10" name="TextBox 9">
-            <a:extLst>
-              <a:ext uri="{FF2B5EF4-FFF2-40B4-BE49-F238E27FC236}">
-                <a16:creationId xmlns:a16="http://schemas.microsoft.com/office/drawing/2014/main" id="{7EA28FBA-9A18-C43F-0200-822C69EF5FA4}"/>
-              </a:ext>
-            </a:extLst>
-          </p:cNvPr>
-          <p:cNvSpPr txBox="1"/>
-          <p:nvPr/>
-        </p:nvSpPr>
-        <p:spPr>
-          <a:xfrm>
-            <a:off x="1789451" y="1402598"/>
-            <a:ext cx="5565099" cy="369332"/>
-          </a:xfrm>
-          <a:prstGeom prst="rect">
-            <a:avLst/>
-          </a:prstGeom>
-          <a:noFill/>
-        </p:spPr>
-        <p:txBody>
-          <a:bodyPr wrap="square">
-            <a:spAutoFit/>
-          </a:bodyPr>
-          <a:lstStyle/>
-          <a:p>
-            <a:pPr algn="ctr"/>
-            <a:r>
-              <a:rPr lang="en-US" dirty="0">
-                <a:hlinkClick r:id="rId2"/>
-              </a:rPr>
-              <a:t>https://en.wikipedia.org/wiki/Qt_(software)</a:t>
-            </a:r>
-            <a:endParaRPr lang="en-US" dirty="0"/>
-          </a:p>
-        </p:txBody>
-      </p:sp>
-      <p:pic>
-        <p:nvPicPr>
-          <p:cNvPr id="5" name="Picture 4">
-            <a:extLst>
-              <a:ext uri="{FF2B5EF4-FFF2-40B4-BE49-F238E27FC236}">
-                <a16:creationId xmlns:a16="http://schemas.microsoft.com/office/drawing/2014/main" id="{34692001-A8CA-44A1-00F1-705CD7F94D97}"/>
-              </a:ext>
-            </a:extLst>
-          </p:cNvPr>
-          <p:cNvPicPr>
-            <a:picLocks noChangeAspect="1"/>
-          </p:cNvPicPr>
-          <p:nvPr/>
-        </p:nvPicPr>
-        <p:blipFill>
-          <a:blip r:embed="rId3"/>
-          <a:stretch>
-            <a:fillRect/>
-          </a:stretch>
-        </p:blipFill>
-        <p:spPr>
-          <a:xfrm>
-            <a:off x="1384241" y="1979883"/>
-            <a:ext cx="6375518" cy="4559030"/>
-          </a:xfrm>
-          <a:prstGeom prst="rect">
-            <a:avLst/>
-          </a:prstGeom>
-          <a:ln>
-            <a:solidFill>
-              <a:schemeClr val="tx1"/>
-            </a:solidFill>
-          </a:ln>
-        </p:spPr>
-      </p:pic>
-      <p:sp>
-        <p:nvSpPr>
-          <p:cNvPr id="7" name="Rectangle 6">
-            <a:extLst>
-              <a:ext uri="{FF2B5EF4-FFF2-40B4-BE49-F238E27FC236}">
-                <a16:creationId xmlns:a16="http://schemas.microsoft.com/office/drawing/2014/main" id="{8676569D-5D89-A3B4-AA8F-E5CAA10ED8F3}"/>
-              </a:ext>
-            </a:extLst>
-          </p:cNvPr>
-          <p:cNvSpPr/>
-          <p:nvPr/>
-        </p:nvSpPr>
-        <p:spPr>
-          <a:xfrm>
-            <a:off x="1469092" y="2728161"/>
-            <a:ext cx="4159715" cy="891964"/>
-          </a:xfrm>
-          <a:prstGeom prst="rect">
-            <a:avLst/>
-          </a:prstGeom>
-          <a:noFill/>
-          <a:ln w="28575">
-            <a:solidFill>
-              <a:srgbClr val="FF0000"/>
-            </a:solidFill>
-          </a:ln>
-        </p:spPr>
-        <p:style>
-          <a:lnRef idx="2">
-            <a:schemeClr val="accent1">
-              <a:shade val="15000"/>
-            </a:schemeClr>
-          </a:lnRef>
-          <a:fillRef idx="1">
-            <a:schemeClr val="accent1"/>
-          </a:fillRef>
-          <a:effectRef idx="0">
-            <a:schemeClr val="accent1"/>
-          </a:effectRef>
-          <a:fontRef idx="minor">
-            <a:schemeClr val="lt1"/>
-          </a:fontRef>
-        </p:style>
-        <p:txBody>
-          <a:bodyPr rtlCol="0" anchor="ctr"/>
-          <a:lstStyle/>
-          <a:p>
-            <a:pPr algn="ctr"/>
-            <a:endParaRPr lang="en-US"/>
-          </a:p>
-        </p:txBody>
-      </p:sp>
-    </p:spTree>
-    <p:extLst>
-      <p:ext uri="{BB962C8B-B14F-4D97-AF65-F5344CB8AC3E}">
-        <p14:creationId xmlns:p14="http://schemas.microsoft.com/office/powerpoint/2010/main" val="1221811580"/>
-      </p:ext>
-    </p:extLst>
-  </p:cSld>
-  <p:clrMapOvr>
-    <a:masterClrMapping/>
-  </p:clrMapOvr>
 </p:sld>
 </file>
 

--- a/Session 06 - Polar Coordinates/Session 06 - Polar Coordinates.pptx
+++ b/Session 06 - Polar Coordinates/Session 06 - Polar Coordinates.pptx
@@ -23440,8 +23440,8 @@
           </a:p>
         </p:txBody>
       </p:sp>
-      <mc:AlternateContent xmlns:mc="http://schemas.openxmlformats.org/markup-compatibility/2006">
-        <mc:Choice xmlns:a14="http://schemas.microsoft.com/office/drawing/2010/main" Requires="a14">
+      <mc:AlternateContent xmlns:mc="http://schemas.openxmlformats.org/markup-compatibility/2006" xmlns:a14="http://schemas.microsoft.com/office/drawing/2010/main">
+        <mc:Choice Requires="a14">
           <p:sp>
             <p:nvSpPr>
               <p:cNvPr id="3" name="Content Placeholder 2">
@@ -23597,7 +23597,7 @@
             </p:txBody>
           </p:sp>
         </mc:Choice>
-        <mc:Fallback>
+        <mc:Fallback xmlns="">
           <p:sp>
             <p:nvSpPr>
               <p:cNvPr id="3" name="Content Placeholder 2">
@@ -26379,8 +26379,8 @@
           </a:p>
         </p:txBody>
       </p:sp>
-      <mc:AlternateContent xmlns:mc="http://schemas.openxmlformats.org/markup-compatibility/2006">
-        <mc:Choice xmlns:a14="http://schemas.microsoft.com/office/drawing/2010/main" Requires="a14">
+      <mc:AlternateContent xmlns:mc="http://schemas.openxmlformats.org/markup-compatibility/2006" xmlns:a14="http://schemas.microsoft.com/office/drawing/2010/main">
+        <mc:Choice Requires="a14">
           <p:sp>
             <p:nvSpPr>
               <p:cNvPr id="44" name="TextBox 43">
@@ -26457,7 +26457,7 @@
             </p:txBody>
           </p:sp>
         </mc:Choice>
-        <mc:Fallback>
+        <mc:Fallback xmlns="">
           <p:sp>
             <p:nvSpPr>
               <p:cNvPr id="44" name="TextBox 43">
@@ -27005,6 +27005,181 @@
           </a:prstGeom>
         </p:spPr>
       </p:pic>
+      <p:grpSp>
+        <p:nvGrpSpPr>
+          <p:cNvPr id="10" name="Group 9">
+            <a:extLst>
+              <a:ext uri="{FF2B5EF4-FFF2-40B4-BE49-F238E27FC236}">
+                <a16:creationId xmlns:a16="http://schemas.microsoft.com/office/drawing/2014/main" id="{12BE3B9B-2D5D-9C5F-1220-F8D6C6913A56}"/>
+              </a:ext>
+            </a:extLst>
+          </p:cNvPr>
+          <p:cNvGrpSpPr/>
+          <p:nvPr/>
+        </p:nvGrpSpPr>
+        <p:grpSpPr>
+          <a:xfrm>
+            <a:off x="142407" y="438462"/>
+            <a:ext cx="1979911" cy="3110459"/>
+            <a:chOff x="6857999" y="562131"/>
+            <a:chExt cx="1979911" cy="3110459"/>
+          </a:xfrm>
+        </p:grpSpPr>
+        <p:sp>
+          <p:nvSpPr>
+            <p:cNvPr id="6" name="Rectangle 5">
+              <a:extLst>
+                <a:ext uri="{FF2B5EF4-FFF2-40B4-BE49-F238E27FC236}">
+                  <a16:creationId xmlns:a16="http://schemas.microsoft.com/office/drawing/2014/main" id="{20C6901C-158F-4D04-589A-870286B6A520}"/>
+                </a:ext>
+              </a:extLst>
+            </p:cNvPr>
+            <p:cNvSpPr/>
+            <p:nvPr/>
+          </p:nvSpPr>
+          <p:spPr>
+            <a:xfrm>
+              <a:off x="6857999" y="562131"/>
+              <a:ext cx="1979911" cy="3110459"/>
+            </a:xfrm>
+            <a:prstGeom prst="rect">
+              <a:avLst/>
+            </a:prstGeom>
+            <a:solidFill>
+              <a:schemeClr val="bg1"/>
+            </a:solidFill>
+            <a:ln>
+              <a:noFill/>
+            </a:ln>
+          </p:spPr>
+          <p:style>
+            <a:lnRef idx="2">
+              <a:schemeClr val="accent1">
+                <a:shade val="15000"/>
+              </a:schemeClr>
+            </a:lnRef>
+            <a:fillRef idx="1">
+              <a:schemeClr val="accent1"/>
+            </a:fillRef>
+            <a:effectRef idx="0">
+              <a:schemeClr val="accent1"/>
+            </a:effectRef>
+            <a:fontRef idx="minor">
+              <a:schemeClr val="lt1"/>
+            </a:fontRef>
+          </p:style>
+          <p:txBody>
+            <a:bodyPr rtlCol="0" anchor="ctr"/>
+            <a:lstStyle/>
+            <a:p>
+              <a:pPr algn="ctr"/>
+              <a:endParaRPr lang="en-US"/>
+            </a:p>
+          </p:txBody>
+        </p:sp>
+        <p:grpSp>
+          <p:nvGrpSpPr>
+            <p:cNvPr id="9" name="Group 8">
+              <a:extLst>
+                <a:ext uri="{FF2B5EF4-FFF2-40B4-BE49-F238E27FC236}">
+                  <a16:creationId xmlns:a16="http://schemas.microsoft.com/office/drawing/2014/main" id="{BB6A03C1-4A7E-F7F7-DC77-A89D7E0F7BA0}"/>
+                </a:ext>
+              </a:extLst>
+            </p:cNvPr>
+            <p:cNvGrpSpPr/>
+            <p:nvPr/>
+          </p:nvGrpSpPr>
+          <p:grpSpPr>
+            <a:xfrm>
+              <a:off x="7083457" y="651879"/>
+              <a:ext cx="1528996" cy="2736090"/>
+              <a:chOff x="7308915" y="556922"/>
+              <a:chExt cx="1528996" cy="2736090"/>
+            </a:xfrm>
+          </p:grpSpPr>
+          <p:pic>
+            <p:nvPicPr>
+              <p:cNvPr id="3" name="Picture 2">
+                <a:extLst>
+                  <a:ext uri="{FF2B5EF4-FFF2-40B4-BE49-F238E27FC236}">
+                    <a16:creationId xmlns:a16="http://schemas.microsoft.com/office/drawing/2014/main" id="{73142350-5A77-6F86-FA99-08289EF8D3E0}"/>
+                  </a:ext>
+                </a:extLst>
+              </p:cNvPr>
+              <p:cNvPicPr>
+                <a:picLocks noChangeAspect="1"/>
+              </p:cNvPicPr>
+              <p:nvPr/>
+            </p:nvPicPr>
+            <p:blipFill>
+              <a:blip r:embed="rId3"/>
+              <a:stretch>
+                <a:fillRect/>
+              </a:stretch>
+            </p:blipFill>
+            <p:spPr>
+              <a:xfrm>
+                <a:off x="7372370" y="556922"/>
+                <a:ext cx="1402087" cy="2119625"/>
+              </a:xfrm>
+              <a:prstGeom prst="rect">
+                <a:avLst/>
+              </a:prstGeom>
+              <a:ln>
+                <a:noFill/>
+              </a:ln>
+            </p:spPr>
+          </p:pic>
+          <p:sp>
+            <p:nvSpPr>
+              <p:cNvPr id="5" name="TextBox 4">
+                <a:extLst>
+                  <a:ext uri="{FF2B5EF4-FFF2-40B4-BE49-F238E27FC236}">
+                    <a16:creationId xmlns:a16="http://schemas.microsoft.com/office/drawing/2014/main" id="{601D94C3-56AC-09DC-968E-6DFDA93B68B5}"/>
+                  </a:ext>
+                </a:extLst>
+              </p:cNvPr>
+              <p:cNvSpPr txBox="1"/>
+              <p:nvPr/>
+            </p:nvSpPr>
+            <p:spPr>
+              <a:xfrm>
+                <a:off x="7308915" y="2739014"/>
+                <a:ext cx="1528996" cy="553998"/>
+              </a:xfrm>
+              <a:prstGeom prst="rect">
+                <a:avLst/>
+              </a:prstGeom>
+              <a:solidFill>
+                <a:schemeClr val="bg1"/>
+              </a:solidFill>
+              <a:ln>
+                <a:noFill/>
+              </a:ln>
+            </p:spPr>
+            <p:txBody>
+              <a:bodyPr wrap="square" rtlCol="0">
+                <a:spAutoFit/>
+              </a:bodyPr>
+              <a:lstStyle/>
+              <a:p>
+                <a:pPr algn="ctr"/>
+                <a:r>
+                  <a:rPr lang="en-US" sz="1600" b="1" dirty="0"/>
+                  <a:t>Robert Brown</a:t>
+                </a:r>
+              </a:p>
+              <a:p>
+                <a:pPr algn="ctr"/>
+                <a:r>
+                  <a:rPr lang="en-US" sz="1400" dirty="0"/>
+                  <a:t>(1773 – 1858)</a:t>
+                </a:r>
+              </a:p>
+            </p:txBody>
+          </p:sp>
+        </p:grpSp>
+      </p:grpSp>
     </p:spTree>
     <p:extLst>
       <p:ext uri="{BB962C8B-B14F-4D97-AF65-F5344CB8AC3E}">

--- a/Session 06 - Polar Coordinates/Session 06 - Polar Coordinates.pptx
+++ b/Session 06 - Polar Coordinates/Session 06 - Polar Coordinates.pptx
@@ -3031,7 +3031,7 @@
           <a:p>
             <a:fld id="{A241AC98-512A-4A35-865E-757B6C1F07A2}" type="datetimeFigureOut">
               <a:rPr lang="en-US" smtClean="0"/>
-              <a:t>10/10/2023</a:t>
+              <a:t>1/29/2024</a:t>
             </a:fld>
             <a:endParaRPr lang="en-US"/>
           </a:p>
@@ -3197,7 +3197,7 @@
           <a:p>
             <a:fld id="{3854CEE7-15DE-41D9-8CA2-D1E137B1D850}" type="datetimeFigureOut">
               <a:rPr lang="en-US" smtClean="0"/>
-              <a:t>10/10/2023</a:t>
+              <a:t>1/29/2024</a:t>
             </a:fld>
             <a:endParaRPr lang="en-US"/>
           </a:p>
@@ -4520,7 +4520,7 @@
           <a:p>
             <a:fld id="{5555EB2C-244D-4423-AD97-018ED6478B87}" type="datetime1">
               <a:rPr lang="en-US" smtClean="0"/>
-              <a:t>10/10/2023</a:t>
+              <a:t>1/29/2024</a:t>
             </a:fld>
             <a:endParaRPr lang="en-US"/>
           </a:p>
@@ -4699,7 +4699,7 @@
           <a:p>
             <a:fld id="{A2B41D1F-7576-4C60-B4EB-5115BC56CF40}" type="datetime1">
               <a:rPr lang="en-US" smtClean="0"/>
-              <a:t>10/10/2023</a:t>
+              <a:t>1/29/2024</a:t>
             </a:fld>
             <a:endParaRPr lang="en-US"/>
           </a:p>
@@ -4891,7 +4891,7 @@
           <a:p>
             <a:fld id="{E79D1398-4D56-44F9-BA35-34ACF3159A64}" type="datetime1">
               <a:rPr lang="en-US" smtClean="0"/>
-              <a:t>10/10/2023</a:t>
+              <a:t>1/29/2024</a:t>
             </a:fld>
             <a:endParaRPr lang="en-US"/>
           </a:p>
@@ -5073,7 +5073,7 @@
           <a:p>
             <a:fld id="{A3CF632E-48CB-4EEB-A6B6-DEC7AD7CC976}" type="datetime1">
               <a:rPr lang="en-US" smtClean="0"/>
-              <a:t>10/10/2023</a:t>
+              <a:t>1/29/2024</a:t>
             </a:fld>
             <a:endParaRPr lang="en-US"/>
           </a:p>
@@ -5326,7 +5326,7 @@
           <a:p>
             <a:fld id="{BAEEE52C-3A57-458E-95F6-96B2FA9D1DD4}" type="datetime1">
               <a:rPr lang="en-US" smtClean="0"/>
-              <a:t>10/10/2023</a:t>
+              <a:t>1/29/2024</a:t>
             </a:fld>
             <a:endParaRPr lang="en-US"/>
           </a:p>
@@ -5570,7 +5570,7 @@
           <a:p>
             <a:fld id="{766FC747-A48A-4FF2-8EE4-3E95ECD1C2A8}" type="datetime1">
               <a:rPr lang="en-US" smtClean="0"/>
-              <a:t>10/10/2023</a:t>
+              <a:t>1/29/2024</a:t>
             </a:fld>
             <a:endParaRPr lang="en-US"/>
           </a:p>
@@ -5949,7 +5949,7 @@
           <a:p>
             <a:fld id="{C9BF5758-AB7F-463D-B638-E1729B95E126}" type="datetime1">
               <a:rPr lang="en-US" smtClean="0"/>
-              <a:t>10/10/2023</a:t>
+              <a:t>1/29/2024</a:t>
             </a:fld>
             <a:endParaRPr lang="en-US"/>
           </a:p>
@@ -6079,7 +6079,7 @@
           <a:p>
             <a:fld id="{F3718C77-7DD0-4738-BF52-D0EC9F78A76E}" type="datetime1">
               <a:rPr lang="en-US" smtClean="0"/>
-              <a:t>10/10/2023</a:t>
+              <a:t>1/29/2024</a:t>
             </a:fld>
             <a:endParaRPr lang="en-US"/>
           </a:p>
@@ -6186,7 +6186,7 @@
           <a:p>
             <a:fld id="{948970CF-13D9-4E1D-A74F-2CFE4953FCDB}" type="datetime1">
               <a:rPr lang="en-US" smtClean="0"/>
-              <a:t>10/10/2023</a:t>
+              <a:t>1/29/2024</a:t>
             </a:fld>
             <a:endParaRPr lang="en-US"/>
           </a:p>
@@ -6475,7 +6475,7 @@
           <a:p>
             <a:fld id="{F68C49B9-4E1C-4967-B9CF-0BF9FECBE837}" type="datetime1">
               <a:rPr lang="en-US" smtClean="0"/>
-              <a:t>10/10/2023</a:t>
+              <a:t>1/29/2024</a:t>
             </a:fld>
             <a:endParaRPr lang="en-US"/>
           </a:p>
@@ -6743,7 +6743,7 @@
           <a:p>
             <a:fld id="{7E338CBB-1F06-4333-9BBF-66628B15E581}" type="datetime1">
               <a:rPr lang="en-US" smtClean="0"/>
-              <a:t>10/10/2023</a:t>
+              <a:t>1/29/2024</a:t>
             </a:fld>
             <a:endParaRPr lang="en-US"/>
           </a:p>
@@ -6968,7 +6968,7 @@
           <a:p>
             <a:fld id="{705EC883-F03C-4CA3-AF62-BEF30EEA4F65}" type="datetime1">
               <a:rPr lang="en-US" smtClean="0"/>
-              <a:t>10/10/2023</a:t>
+              <a:t>1/29/2024</a:t>
             </a:fld>
             <a:endParaRPr lang="en-US"/>
           </a:p>
@@ -19013,7 +19013,7 @@
         </p:blipFill>
         <p:spPr>
           <a:xfrm>
-            <a:off x="1786787" y="1851275"/>
+            <a:off x="1786787" y="1617008"/>
             <a:ext cx="5570427" cy="2941281"/>
           </a:xfrm>
           <a:prstGeom prst="rect">
@@ -19152,7 +19152,7 @@
         </p:nvGrpSpPr>
         <p:grpSpPr>
           <a:xfrm>
-            <a:off x="6216465" y="3037183"/>
+            <a:off x="6216465" y="2802916"/>
             <a:ext cx="1076632" cy="369332"/>
             <a:chOff x="4968362" y="2079211"/>
             <a:chExt cx="1076632" cy="369332"/>
@@ -19272,7 +19272,7 @@
         </p:nvGrpSpPr>
         <p:grpSpPr>
           <a:xfrm>
-            <a:off x="6947787" y="3267138"/>
+            <a:off x="6947787" y="3032871"/>
             <a:ext cx="1076632" cy="369332"/>
             <a:chOff x="4704120" y="2356972"/>
             <a:chExt cx="1076632" cy="369332"/>
@@ -19378,8 +19378,8 @@
           </p:txBody>
         </p:sp>
       </p:grpSp>
-      <mc:AlternateContent xmlns:mc="http://schemas.openxmlformats.org/markup-compatibility/2006" xmlns:a14="http://schemas.microsoft.com/office/drawing/2010/main">
-        <mc:Choice Requires="a14">
+      <mc:AlternateContent xmlns:mc="http://schemas.openxmlformats.org/markup-compatibility/2006">
+        <mc:Choice xmlns:a14="http://schemas.microsoft.com/office/drawing/2010/main" Requires="a14">
           <p:sp>
             <p:nvSpPr>
               <p:cNvPr id="43" name="TextBox 42">
@@ -19394,7 +19394,7 @@
             </p:nvSpPr>
             <p:spPr>
               <a:xfrm>
-                <a:off x="160742" y="3043642"/>
+                <a:off x="160742" y="2809375"/>
                 <a:ext cx="1618938" cy="369332"/>
               </a:xfrm>
               <a:prstGeom prst="rect">
@@ -19457,7 +19457,7 @@
             </p:txBody>
           </p:sp>
         </mc:Choice>
-        <mc:Fallback xmlns="">
+        <mc:Fallback>
           <p:sp>
             <p:nvSpPr>
               <p:cNvPr id="43" name="TextBox 42">
@@ -19474,7 +19474,7 @@
             </p:nvSpPr>
             <p:spPr>
               <a:xfrm>
-                <a:off x="160742" y="3043642"/>
+                <a:off x="160742" y="2809375"/>
                 <a:ext cx="1618938" cy="369332"/>
               </a:xfrm>
               <a:prstGeom prst="rect">
@@ -19502,8 +19502,8 @@
           </p:sp>
         </mc:Fallback>
       </mc:AlternateContent>
-      <mc:AlternateContent xmlns:mc="http://schemas.openxmlformats.org/markup-compatibility/2006" xmlns:a14="http://schemas.microsoft.com/office/drawing/2010/main">
-        <mc:Choice Requires="a14">
+      <mc:AlternateContent xmlns:mc="http://schemas.openxmlformats.org/markup-compatibility/2006">
+        <mc:Choice xmlns:a14="http://schemas.microsoft.com/office/drawing/2010/main" Requires="a14">
           <p:sp>
             <p:nvSpPr>
               <p:cNvPr id="45" name="TextBox 44">
@@ -19518,7 +19518,7 @@
             </p:nvSpPr>
             <p:spPr>
               <a:xfrm>
-                <a:off x="3078605" y="5048938"/>
+                <a:off x="3078605" y="4693759"/>
                 <a:ext cx="2986790" cy="369332"/>
               </a:xfrm>
               <a:prstGeom prst="rect">
@@ -19609,11 +19609,11 @@
                                 <m:t>11</m:t>
                               </m:r>
                               <m:r>
-                                <a:rPr lang="en-US" i="1">
+                                <a:rPr lang="en-US" b="0" i="1" smtClean="0">
                                   <a:latin typeface="Cambria Math" panose="02040503050406030204" pitchFamily="18" charset="0"/>
                                   <a:ea typeface="Cambria Math" panose="02040503050406030204" pitchFamily="18" charset="0"/>
                                 </a:rPr>
-                                <m:t>𝜃</m:t>
+                                <m:t>𝑡</m:t>
                               </m:r>
                             </m:e>
                           </m:d>
@@ -19655,11 +19655,10 @@
                                 <m:t>5</m:t>
                               </m:r>
                               <m:r>
-                                <a:rPr lang="en-US" sz="1800" i="1">
+                                <a:rPr lang="en-US" sz="1800" b="0" i="1" smtClean="0">
                                   <a:latin typeface="Cambria Math" panose="02040503050406030204" pitchFamily="18" charset="0"/>
-                                  <a:ea typeface="Cambria Math" panose="02040503050406030204" pitchFamily="18" charset="0"/>
                                 </a:rPr>
-                                <m:t>𝜃</m:t>
+                                <m:t>𝑡</m:t>
                               </m:r>
                             </m:e>
                           </m:d>
@@ -19673,7 +19672,7 @@
             </p:txBody>
           </p:sp>
         </mc:Choice>
-        <mc:Fallback xmlns="">
+        <mc:Fallback>
           <p:sp>
             <p:nvSpPr>
               <p:cNvPr id="45" name="TextBox 44">
@@ -19690,7 +19689,7 @@
             </p:nvSpPr>
             <p:spPr>
               <a:xfrm>
-                <a:off x="3078605" y="5048938"/>
+                <a:off x="3078605" y="4693759"/>
                 <a:ext cx="2986790" cy="369332"/>
               </a:xfrm>
               <a:prstGeom prst="rect">
@@ -19732,7 +19731,7 @@
         </p:nvGrpSpPr>
         <p:grpSpPr>
           <a:xfrm>
-            <a:off x="5631843" y="3988715"/>
+            <a:off x="5631843" y="3754448"/>
             <a:ext cx="1068643" cy="369332"/>
             <a:chOff x="3647644" y="4910075"/>
             <a:chExt cx="1068643" cy="369332"/>
@@ -19852,7 +19851,7 @@
         </p:nvSpPr>
         <p:spPr>
           <a:xfrm>
-            <a:off x="3974306" y="4072210"/>
+            <a:off x="3974306" y="3837943"/>
             <a:ext cx="1467124" cy="209863"/>
           </a:xfrm>
           <a:prstGeom prst="rect">
@@ -19890,8 +19889,8 @@
           </a:p>
         </p:txBody>
       </p:sp>
-      <mc:AlternateContent xmlns:mc="http://schemas.openxmlformats.org/markup-compatibility/2006" xmlns:a14="http://schemas.microsoft.com/office/drawing/2010/main">
-        <mc:Choice Requires="a14">
+      <mc:AlternateContent xmlns:mc="http://schemas.openxmlformats.org/markup-compatibility/2006">
+        <mc:Choice xmlns:a14="http://schemas.microsoft.com/office/drawing/2010/main" Requires="a14">
           <p:sp>
             <p:nvSpPr>
               <p:cNvPr id="54" name="TextBox 53">
@@ -19906,7 +19905,7 @@
             </p:nvSpPr>
             <p:spPr>
               <a:xfrm>
-                <a:off x="2685362" y="5684525"/>
+                <a:off x="2685362" y="5374688"/>
                 <a:ext cx="3773277" cy="535724"/>
               </a:xfrm>
               <a:prstGeom prst="rect">
@@ -20142,7 +20141,7 @@
             </p:txBody>
           </p:sp>
         </mc:Choice>
-        <mc:Fallback xmlns="">
+        <mc:Fallback>
           <p:sp>
             <p:nvSpPr>
               <p:cNvPr id="54" name="TextBox 53">
@@ -20159,7 +20158,7 @@
             </p:nvSpPr>
             <p:spPr>
               <a:xfrm>
-                <a:off x="2685362" y="5684525"/>
+                <a:off x="2685362" y="5374688"/>
                 <a:ext cx="3773277" cy="535724"/>
               </a:xfrm>
               <a:prstGeom prst="rect">
@@ -20201,7 +20200,7 @@
         </p:nvSpPr>
         <p:spPr>
           <a:xfrm>
-            <a:off x="6947787" y="5662040"/>
+            <a:off x="6781660" y="6118571"/>
             <a:ext cx="1607917" cy="369332"/>
           </a:xfrm>
           <a:prstGeom prst="rect">
@@ -20241,7 +20240,7 @@
         </p:nvSpPr>
         <p:spPr>
           <a:xfrm>
-            <a:off x="5119141" y="5684525"/>
+            <a:off x="5514765" y="6205765"/>
             <a:ext cx="209862" cy="274065"/>
           </a:xfrm>
           <a:prstGeom prst="rect">
@@ -20296,12 +20295,12 @@
         </p:nvCxnSpPr>
         <p:spPr>
           <a:xfrm rot="5400000" flipH="1" flipV="1">
-            <a:off x="6476667" y="4409446"/>
-            <a:ext cx="22485" cy="2527674"/>
+            <a:off x="6559060" y="5179207"/>
+            <a:ext cx="87194" cy="1965923"/>
           </a:xfrm>
           <a:prstGeom prst="bentConnector3">
             <a:avLst>
-              <a:gd name="adj1" fmla="val 1116678"/>
+              <a:gd name="adj1" fmla="val 362174"/>
             </a:avLst>
           </a:prstGeom>
           <a:ln w="19050">
@@ -20342,7 +20341,7 @@
         </p:nvCxnSpPr>
         <p:spPr>
           <a:xfrm flipH="1">
-            <a:off x="3188494" y="5343993"/>
+            <a:off x="3188494" y="5034156"/>
             <a:ext cx="1555893" cy="563888"/>
           </a:xfrm>
           <a:prstGeom prst="straightConnector1">
@@ -20386,7 +20385,7 @@
         </p:nvCxnSpPr>
         <p:spPr>
           <a:xfrm flipH="1">
-            <a:off x="3719513" y="5352877"/>
+            <a:off x="3719513" y="5043040"/>
             <a:ext cx="1851245" cy="578817"/>
           </a:xfrm>
           <a:prstGeom prst="straightConnector1">
@@ -20414,6 +20413,373 @@
           </a:fontRef>
         </p:style>
       </p:cxnSp>
+      <mc:AlternateContent xmlns:mc="http://schemas.openxmlformats.org/markup-compatibility/2006">
+        <mc:Choice xmlns:a14="http://schemas.microsoft.com/office/drawing/2010/main" Requires="a14">
+          <p:sp>
+            <p:nvSpPr>
+              <p:cNvPr id="3" name="TextBox 2">
+                <a:extLst>
+                  <a:ext uri="{FF2B5EF4-FFF2-40B4-BE49-F238E27FC236}">
+                    <a16:creationId xmlns:a16="http://schemas.microsoft.com/office/drawing/2014/main" id="{C3A1CA64-A399-6DA7-D497-4A440B68618A}"/>
+                  </a:ext>
+                </a:extLst>
+              </p:cNvPr>
+              <p:cNvSpPr txBox="1"/>
+              <p:nvPr/>
+            </p:nvSpPr>
+            <p:spPr>
+              <a:xfrm>
+                <a:off x="1779680" y="6043935"/>
+                <a:ext cx="4876207" cy="518604"/>
+              </a:xfrm>
+              <a:prstGeom prst="rect">
+                <a:avLst/>
+              </a:prstGeom>
+              <a:noFill/>
+            </p:spPr>
+            <p:txBody>
+              <a:bodyPr wrap="none" lIns="0" tIns="0" rIns="0" bIns="0" rtlCol="0">
+                <a:spAutoFit/>
+              </a:bodyPr>
+              <a:lstStyle/>
+              <a:p>
+                <a:pPr/>
+                <a14:m>
+                  <m:oMathPara xmlns:m="http://schemas.openxmlformats.org/officeDocument/2006/math">
+                    <m:oMathParaPr>
+                      <m:jc m:val="centerGroup"/>
+                    </m:oMathParaPr>
+                    <m:oMath xmlns:m="http://schemas.openxmlformats.org/officeDocument/2006/math">
+                      <m:func>
+                        <m:funcPr>
+                          <m:ctrlPr>
+                            <a:rPr lang="en-US" i="1" smtClean="0">
+                              <a:latin typeface="Cambria Math" panose="02040503050406030204" pitchFamily="18" charset="0"/>
+                            </a:rPr>
+                          </m:ctrlPr>
+                        </m:funcPr>
+                        <m:fName>
+                          <m:r>
+                            <a:rPr lang="en-US" b="0" i="0" smtClean="0">
+                              <a:latin typeface="Cambria Math" panose="02040503050406030204" pitchFamily="18" charset="0"/>
+                            </a:rPr>
+                            <m:t>7+7</m:t>
+                          </m:r>
+                          <m:r>
+                            <m:rPr>
+                              <m:sty m:val="p"/>
+                            </m:rPr>
+                            <a:rPr lang="en-US" i="0" smtClean="0">
+                              <a:latin typeface="Cambria Math" panose="02040503050406030204" pitchFamily="18" charset="0"/>
+                            </a:rPr>
+                            <m:t>sin</m:t>
+                          </m:r>
+                        </m:fName>
+                        <m:e>
+                          <m:r>
+                            <a:rPr lang="en-US" b="0" i="1" smtClean="0">
+                              <a:latin typeface="Cambria Math" panose="02040503050406030204" pitchFamily="18" charset="0"/>
+                            </a:rPr>
+                            <m:t>11</m:t>
+                          </m:r>
+                          <m:r>
+                            <a:rPr lang="en-US" b="0" i="1" smtClean="0">
+                              <a:latin typeface="Cambria Math" panose="02040503050406030204" pitchFamily="18" charset="0"/>
+                            </a:rPr>
+                            <m:t>𝑡</m:t>
+                          </m:r>
+                        </m:e>
+                      </m:func>
+                      <m:func>
+                        <m:funcPr>
+                          <m:ctrlPr>
+                            <a:rPr lang="en-US" i="1" smtClean="0">
+                              <a:latin typeface="Cambria Math" panose="02040503050406030204" pitchFamily="18" charset="0"/>
+                            </a:rPr>
+                          </m:ctrlPr>
+                        </m:funcPr>
+                        <m:fName>
+                          <m:r>
+                            <m:rPr>
+                              <m:sty m:val="p"/>
+                            </m:rPr>
+                            <a:rPr lang="en-US" i="0" smtClean="0">
+                              <a:latin typeface="Cambria Math" panose="02040503050406030204" pitchFamily="18" charset="0"/>
+                            </a:rPr>
+                            <m:t>cos</m:t>
+                          </m:r>
+                        </m:fName>
+                        <m:e>
+                          <m:r>
+                            <a:rPr lang="en-US" b="0" i="1" smtClean="0">
+                              <a:latin typeface="Cambria Math" panose="02040503050406030204" pitchFamily="18" charset="0"/>
+                            </a:rPr>
+                            <m:t>5</m:t>
+                          </m:r>
+                          <m:r>
+                            <a:rPr lang="en-US" b="0" i="1" smtClean="0">
+                              <a:latin typeface="Cambria Math" panose="02040503050406030204" pitchFamily="18" charset="0"/>
+                            </a:rPr>
+                            <m:t>𝑡</m:t>
+                          </m:r>
+                        </m:e>
+                      </m:func>
+                      <m:r>
+                        <a:rPr lang="en-US" i="1" smtClean="0">
+                          <a:latin typeface="Cambria Math" panose="02040503050406030204" pitchFamily="18" charset="0"/>
+                          <a:ea typeface="Cambria Math" panose="02040503050406030204" pitchFamily="18" charset="0"/>
+                        </a:rPr>
+                        <m:t>=</m:t>
+                      </m:r>
+                      <m:r>
+                        <a:rPr lang="en-US" b="0" i="1" smtClean="0">
+                          <a:latin typeface="Cambria Math" panose="02040503050406030204" pitchFamily="18" charset="0"/>
+                          <a:ea typeface="Cambria Math" panose="02040503050406030204" pitchFamily="18" charset="0"/>
+                        </a:rPr>
+                        <m:t>7+</m:t>
+                      </m:r>
+                      <m:f>
+                        <m:fPr>
+                          <m:ctrlPr>
+                            <a:rPr lang="en-US" i="1" smtClean="0">
+                              <a:latin typeface="Cambria Math" panose="02040503050406030204" pitchFamily="18" charset="0"/>
+                              <a:ea typeface="Cambria Math" panose="02040503050406030204" pitchFamily="18" charset="0"/>
+                            </a:rPr>
+                          </m:ctrlPr>
+                        </m:fPr>
+                        <m:num>
+                          <m:r>
+                            <a:rPr lang="en-US" b="0" i="1" smtClean="0">
+                              <a:latin typeface="Cambria Math" panose="02040503050406030204" pitchFamily="18" charset="0"/>
+                              <a:ea typeface="Cambria Math" panose="02040503050406030204" pitchFamily="18" charset="0"/>
+                            </a:rPr>
+                            <m:t>7</m:t>
+                          </m:r>
+                        </m:num>
+                        <m:den>
+                          <m:r>
+                            <a:rPr lang="en-US" b="0" i="1" smtClean="0">
+                              <a:latin typeface="Cambria Math" panose="02040503050406030204" pitchFamily="18" charset="0"/>
+                              <a:ea typeface="Cambria Math" panose="02040503050406030204" pitchFamily="18" charset="0"/>
+                            </a:rPr>
+                            <m:t>2</m:t>
+                          </m:r>
+                        </m:den>
+                      </m:f>
+                      <m:d>
+                        <m:dPr>
+                          <m:begChr m:val="["/>
+                          <m:endChr m:val="]"/>
+                          <m:ctrlPr>
+                            <a:rPr lang="en-US" i="1" smtClean="0">
+                              <a:latin typeface="Cambria Math" panose="02040503050406030204" pitchFamily="18" charset="0"/>
+                              <a:ea typeface="Cambria Math" panose="02040503050406030204" pitchFamily="18" charset="0"/>
+                            </a:rPr>
+                          </m:ctrlPr>
+                        </m:dPr>
+                        <m:e>
+                          <m:func>
+                            <m:funcPr>
+                              <m:ctrlPr>
+                                <a:rPr lang="en-US" i="1">
+                                  <a:latin typeface="Cambria Math" panose="02040503050406030204" pitchFamily="18" charset="0"/>
+                                  <a:ea typeface="Cambria Math" panose="02040503050406030204" pitchFamily="18" charset="0"/>
+                                </a:rPr>
+                              </m:ctrlPr>
+                            </m:funcPr>
+                            <m:fName>
+                              <m:r>
+                                <m:rPr>
+                                  <m:sty m:val="p"/>
+                                </m:rPr>
+                                <a:rPr lang="en-US">
+                                  <a:latin typeface="Cambria Math" panose="02040503050406030204" pitchFamily="18" charset="0"/>
+                                  <a:ea typeface="Cambria Math" panose="02040503050406030204" pitchFamily="18" charset="0"/>
+                                </a:rPr>
+                                <m:t>sin</m:t>
+                              </m:r>
+                            </m:fName>
+                            <m:e>
+                              <m:d>
+                                <m:dPr>
+                                  <m:ctrlPr>
+                                    <a:rPr lang="en-US" i="1">
+                                      <a:latin typeface="Cambria Math" panose="02040503050406030204" pitchFamily="18" charset="0"/>
+                                      <a:ea typeface="Cambria Math" panose="02040503050406030204" pitchFamily="18" charset="0"/>
+                                    </a:rPr>
+                                  </m:ctrlPr>
+                                </m:dPr>
+                                <m:e>
+                                  <m:r>
+                                    <a:rPr lang="en-US" i="1">
+                                      <a:latin typeface="Cambria Math" panose="02040503050406030204" pitchFamily="18" charset="0"/>
+                                      <a:ea typeface="Cambria Math" panose="02040503050406030204" pitchFamily="18" charset="0"/>
+                                    </a:rPr>
+                                    <m:t>16</m:t>
+                                  </m:r>
+                                  <m:r>
+                                    <a:rPr lang="en-US" b="0" i="1" smtClean="0">
+                                      <a:latin typeface="Cambria Math" panose="02040503050406030204" pitchFamily="18" charset="0"/>
+                                      <a:ea typeface="Cambria Math" panose="02040503050406030204" pitchFamily="18" charset="0"/>
+                                    </a:rPr>
+                                    <m:t>𝑡</m:t>
+                                  </m:r>
+                                </m:e>
+                              </m:d>
+                              <m:r>
+                                <a:rPr lang="en-US" i="1">
+                                  <a:latin typeface="Cambria Math" panose="02040503050406030204" pitchFamily="18" charset="0"/>
+                                  <a:ea typeface="Cambria Math" panose="02040503050406030204" pitchFamily="18" charset="0"/>
+                                </a:rPr>
+                                <m:t>+</m:t>
+                              </m:r>
+                              <m:func>
+                                <m:funcPr>
+                                  <m:ctrlPr>
+                                    <a:rPr lang="en-US" i="1">
+                                      <a:latin typeface="Cambria Math" panose="02040503050406030204" pitchFamily="18" charset="0"/>
+                                      <a:ea typeface="Cambria Math" panose="02040503050406030204" pitchFamily="18" charset="0"/>
+                                    </a:rPr>
+                                  </m:ctrlPr>
+                                </m:funcPr>
+                                <m:fName>
+                                  <m:r>
+                                    <m:rPr>
+                                      <m:sty m:val="p"/>
+                                    </m:rPr>
+                                    <a:rPr lang="en-US">
+                                      <a:latin typeface="Cambria Math" panose="02040503050406030204" pitchFamily="18" charset="0"/>
+                                      <a:ea typeface="Cambria Math" panose="02040503050406030204" pitchFamily="18" charset="0"/>
+                                    </a:rPr>
+                                    <m:t>sin</m:t>
+                                  </m:r>
+                                </m:fName>
+                                <m:e>
+                                  <m:d>
+                                    <m:dPr>
+                                      <m:ctrlPr>
+                                        <a:rPr lang="en-US" i="1">
+                                          <a:latin typeface="Cambria Math" panose="02040503050406030204" pitchFamily="18" charset="0"/>
+                                          <a:ea typeface="Cambria Math" panose="02040503050406030204" pitchFamily="18" charset="0"/>
+                                        </a:rPr>
+                                      </m:ctrlPr>
+                                    </m:dPr>
+                                    <m:e>
+                                      <m:r>
+                                        <a:rPr lang="en-US" i="1">
+                                          <a:latin typeface="Cambria Math" panose="02040503050406030204" pitchFamily="18" charset="0"/>
+                                          <a:ea typeface="Cambria Math" panose="02040503050406030204" pitchFamily="18" charset="0"/>
+                                        </a:rPr>
+                                        <m:t>6</m:t>
+                                      </m:r>
+                                      <m:r>
+                                        <a:rPr lang="en-US" b="0" i="1" smtClean="0">
+                                          <a:latin typeface="Cambria Math" panose="02040503050406030204" pitchFamily="18" charset="0"/>
+                                          <a:ea typeface="Cambria Math" panose="02040503050406030204" pitchFamily="18" charset="0"/>
+                                        </a:rPr>
+                                        <m:t>𝑡</m:t>
+                                      </m:r>
+                                    </m:e>
+                                  </m:d>
+                                </m:e>
+                              </m:func>
+                            </m:e>
+                          </m:func>
+                        </m:e>
+                      </m:d>
+                    </m:oMath>
+                  </m:oMathPara>
+                </a14:m>
+                <a:endParaRPr lang="en-US" dirty="0"/>
+              </a:p>
+            </p:txBody>
+          </p:sp>
+        </mc:Choice>
+        <mc:Fallback>
+          <p:sp>
+            <p:nvSpPr>
+              <p:cNvPr id="3" name="TextBox 2">
+                <a:extLst>
+                  <a:ext uri="{FF2B5EF4-FFF2-40B4-BE49-F238E27FC236}">
+                    <a16:creationId xmlns:a16="http://schemas.microsoft.com/office/drawing/2014/main" id="{C3A1CA64-A399-6DA7-D497-4A440B68618A}"/>
+                  </a:ext>
+                </a:extLst>
+              </p:cNvPr>
+              <p:cNvSpPr txBox="1">
+                <a:spLocks noRot="1" noChangeAspect="1" noMove="1" noResize="1" noEditPoints="1" noAdjustHandles="1" noChangeArrowheads="1" noChangeShapeType="1" noTextEdit="1"/>
+              </p:cNvSpPr>
+              <p:nvPr/>
+            </p:nvSpPr>
+            <p:spPr>
+              <a:xfrm>
+                <a:off x="1779680" y="6043935"/>
+                <a:ext cx="4876207" cy="518604"/>
+              </a:xfrm>
+              <a:prstGeom prst="rect">
+                <a:avLst/>
+              </a:prstGeom>
+              <a:blipFill>
+                <a:blip r:embed="rId6"/>
+                <a:stretch>
+                  <a:fillRect/>
+                </a:stretch>
+              </a:blipFill>
+            </p:spPr>
+            <p:txBody>
+              <a:bodyPr/>
+              <a:lstStyle/>
+              <a:p>
+                <a:r>
+                  <a:rPr lang="en-US">
+                    <a:noFill/>
+                  </a:rPr>
+                  <a:t> </a:t>
+                </a:r>
+              </a:p>
+            </p:txBody>
+          </p:sp>
+        </mc:Fallback>
+      </mc:AlternateContent>
+      <p:sp>
+        <p:nvSpPr>
+          <p:cNvPr id="6" name="TextBox 5">
+            <a:extLst>
+              <a:ext uri="{FF2B5EF4-FFF2-40B4-BE49-F238E27FC236}">
+                <a16:creationId xmlns:a16="http://schemas.microsoft.com/office/drawing/2014/main" id="{C7030E87-DDE7-B2FE-8A0B-6D912AC496A1}"/>
+              </a:ext>
+            </a:extLst>
+          </p:cNvPr>
+          <p:cNvSpPr txBox="1"/>
+          <p:nvPr/>
+        </p:nvSpPr>
+        <p:spPr>
+          <a:xfrm>
+            <a:off x="251372" y="5485438"/>
+            <a:ext cx="2379046" cy="369332"/>
+          </a:xfrm>
+          <a:prstGeom prst="rect">
+            <a:avLst/>
+          </a:prstGeom>
+          <a:noFill/>
+        </p:spPr>
+        <p:txBody>
+          <a:bodyPr wrap="square" rtlCol="0">
+            <a:spAutoFit/>
+          </a:bodyPr>
+          <a:lstStyle/>
+          <a:p>
+            <a:pPr algn="ctr"/>
+            <a:r>
+              <a:rPr lang="en-US" dirty="0">
+                <a:solidFill>
+                  <a:srgbClr val="7030A0"/>
+                </a:solidFill>
+              </a:rPr>
+              <a:t>Angle Product Identity</a:t>
+            </a:r>
+          </a:p>
+        </p:txBody>
+      </p:sp>
     </p:spTree>
     <p:extLst>
       <p:ext uri="{BB962C8B-B14F-4D97-AF65-F5344CB8AC3E}">
@@ -20853,7 +21219,7 @@
                             </p:stCondLst>
                             <p:childTnLst>
                               <p:par>
-                                <p:cTn id="35" presetID="2" presetClass="entr" presetSubtype="4" fill="hold" grpId="0" nodeType="clickEffect">
+                                <p:cTn id="35" presetID="2" presetClass="entr" presetSubtype="8" fill="hold" grpId="0" nodeType="clickEffect">
                                   <p:stCondLst>
                                     <p:cond delay="0"/>
                                   </p:stCondLst>
@@ -20861,6 +21227,88 @@
                                     <p:set>
                                       <p:cBhvr>
                                         <p:cTn id="36" dur="1" fill="hold">
+                                          <p:stCondLst>
+                                            <p:cond delay="0"/>
+                                          </p:stCondLst>
+                                        </p:cTn>
+                                        <p:tgtEl>
+                                          <p:spTgt spid="6"/>
+                                        </p:tgtEl>
+                                        <p:attrNameLst>
+                                          <p:attrName>style.visibility</p:attrName>
+                                        </p:attrNameLst>
+                                      </p:cBhvr>
+                                      <p:to>
+                                        <p:strVal val="visible"/>
+                                      </p:to>
+                                    </p:set>
+                                    <p:anim calcmode="lin" valueType="num">
+                                      <p:cBhvr additive="base">
+                                        <p:cTn id="37" dur="500" fill="hold"/>
+                                        <p:tgtEl>
+                                          <p:spTgt spid="6"/>
+                                        </p:tgtEl>
+                                        <p:attrNameLst>
+                                          <p:attrName>ppt_x</p:attrName>
+                                        </p:attrNameLst>
+                                      </p:cBhvr>
+                                      <p:tavLst>
+                                        <p:tav tm="0">
+                                          <p:val>
+                                            <p:strVal val="0-#ppt_w/2"/>
+                                          </p:val>
+                                        </p:tav>
+                                        <p:tav tm="100000">
+                                          <p:val>
+                                            <p:strVal val="#ppt_x"/>
+                                          </p:val>
+                                        </p:tav>
+                                      </p:tavLst>
+                                    </p:anim>
+                                    <p:anim calcmode="lin" valueType="num">
+                                      <p:cBhvr additive="base">
+                                        <p:cTn id="38" dur="500" fill="hold"/>
+                                        <p:tgtEl>
+                                          <p:spTgt spid="6"/>
+                                        </p:tgtEl>
+                                        <p:attrNameLst>
+                                          <p:attrName>ppt_y</p:attrName>
+                                        </p:attrNameLst>
+                                      </p:cBhvr>
+                                      <p:tavLst>
+                                        <p:tav tm="0">
+                                          <p:val>
+                                            <p:strVal val="#ppt_y"/>
+                                          </p:val>
+                                        </p:tav>
+                                        <p:tav tm="100000">
+                                          <p:val>
+                                            <p:strVal val="#ppt_y"/>
+                                          </p:val>
+                                        </p:tav>
+                                      </p:tavLst>
+                                    </p:anim>
+                                  </p:childTnLst>
+                                </p:cTn>
+                              </p:par>
+                            </p:childTnLst>
+                          </p:cTn>
+                        </p:par>
+                        <p:par>
+                          <p:cTn id="39" fill="hold">
+                            <p:stCondLst>
+                              <p:cond delay="500"/>
+                            </p:stCondLst>
+                            <p:childTnLst>
+                              <p:par>
+                                <p:cTn id="40" presetID="22" presetClass="entr" presetSubtype="8" fill="hold" grpId="0" nodeType="afterEffect">
+                                  <p:stCondLst>
+                                    <p:cond delay="0"/>
+                                  </p:stCondLst>
+                                  <p:childTnLst>
+                                    <p:set>
+                                      <p:cBhvr>
+                                        <p:cTn id="41" dur="1" fill="hold">
                                           <p:stCondLst>
                                             <p:cond delay="0"/>
                                           </p:stCondLst>
@@ -20876,11 +21324,215 @@
                                         <p:strVal val="visible"/>
                                       </p:to>
                                     </p:set>
+                                    <p:animEffect transition="in" filter="wipe(left)">
+                                      <p:cBhvr>
+                                        <p:cTn id="42" dur="500"/>
+                                        <p:tgtEl>
+                                          <p:spTgt spid="54"/>
+                                        </p:tgtEl>
+                                      </p:cBhvr>
+                                    </p:animEffect>
+                                  </p:childTnLst>
+                                </p:cTn>
+                              </p:par>
+                            </p:childTnLst>
+                          </p:cTn>
+                        </p:par>
+                      </p:childTnLst>
+                    </p:cTn>
+                  </p:par>
+                  <p:par>
+                    <p:cTn id="43" fill="hold">
+                      <p:stCondLst>
+                        <p:cond delay="indefinite"/>
+                      </p:stCondLst>
+                      <p:childTnLst>
+                        <p:par>
+                          <p:cTn id="44" fill="hold">
+                            <p:stCondLst>
+                              <p:cond delay="0"/>
+                            </p:stCondLst>
+                            <p:childTnLst>
+                              <p:par>
+                                <p:cTn id="45" presetID="22" presetClass="entr" presetSubtype="1" fill="hold" nodeType="clickEffect">
+                                  <p:stCondLst>
+                                    <p:cond delay="0"/>
+                                  </p:stCondLst>
+                                  <p:childTnLst>
+                                    <p:set>
+                                      <p:cBhvr>
+                                        <p:cTn id="46" dur="1" fill="hold">
+                                          <p:stCondLst>
+                                            <p:cond delay="0"/>
+                                          </p:stCondLst>
+                                        </p:cTn>
+                                        <p:tgtEl>
+                                          <p:spTgt spid="60"/>
+                                        </p:tgtEl>
+                                        <p:attrNameLst>
+                                          <p:attrName>style.visibility</p:attrName>
+                                        </p:attrNameLst>
+                                      </p:cBhvr>
+                                      <p:to>
+                                        <p:strVal val="visible"/>
+                                      </p:to>
+                                    </p:set>
+                                    <p:animEffect transition="in" filter="wipe(up)">
+                                      <p:cBhvr>
+                                        <p:cTn id="47" dur="500"/>
+                                        <p:tgtEl>
+                                          <p:spTgt spid="60"/>
+                                        </p:tgtEl>
+                                      </p:cBhvr>
+                                    </p:animEffect>
+                                  </p:childTnLst>
+                                </p:cTn>
+                              </p:par>
+                              <p:par>
+                                <p:cTn id="48" presetID="22" presetClass="entr" presetSubtype="1" fill="hold" nodeType="withEffect">
+                                  <p:stCondLst>
+                                    <p:cond delay="0"/>
+                                  </p:stCondLst>
+                                  <p:childTnLst>
+                                    <p:set>
+                                      <p:cBhvr>
+                                        <p:cTn id="49" dur="1" fill="hold">
+                                          <p:stCondLst>
+                                            <p:cond delay="0"/>
+                                          </p:stCondLst>
+                                        </p:cTn>
+                                        <p:tgtEl>
+                                          <p:spTgt spid="61"/>
+                                        </p:tgtEl>
+                                        <p:attrNameLst>
+                                          <p:attrName>style.visibility</p:attrName>
+                                        </p:attrNameLst>
+                                      </p:cBhvr>
+                                      <p:to>
+                                        <p:strVal val="visible"/>
+                                      </p:to>
+                                    </p:set>
+                                    <p:animEffect transition="in" filter="wipe(up)">
+                                      <p:cBhvr>
+                                        <p:cTn id="50" dur="500"/>
+                                        <p:tgtEl>
+                                          <p:spTgt spid="61"/>
+                                        </p:tgtEl>
+                                      </p:cBhvr>
+                                    </p:animEffect>
+                                  </p:childTnLst>
+                                </p:cTn>
+                              </p:par>
+                            </p:childTnLst>
+                          </p:cTn>
+                        </p:par>
+                      </p:childTnLst>
+                    </p:cTn>
+                  </p:par>
+                  <p:par>
+                    <p:cTn id="51" fill="hold">
+                      <p:stCondLst>
+                        <p:cond delay="indefinite"/>
+                      </p:stCondLst>
+                      <p:childTnLst>
+                        <p:par>
+                          <p:cTn id="52" fill="hold">
+                            <p:stCondLst>
+                              <p:cond delay="0"/>
+                            </p:stCondLst>
+                            <p:childTnLst>
+                              <p:par>
+                                <p:cTn id="53" presetID="1" presetClass="exit" presetSubtype="0" fill="hold" nodeType="clickEffect">
+                                  <p:stCondLst>
+                                    <p:cond delay="0"/>
+                                  </p:stCondLst>
+                                  <p:childTnLst>
+                                    <p:set>
+                                      <p:cBhvr>
+                                        <p:cTn id="54" dur="1" fill="hold">
+                                          <p:stCondLst>
+                                            <p:cond delay="0"/>
+                                          </p:stCondLst>
+                                        </p:cTn>
+                                        <p:tgtEl>
+                                          <p:spTgt spid="60"/>
+                                        </p:tgtEl>
+                                        <p:attrNameLst>
+                                          <p:attrName>style.visibility</p:attrName>
+                                        </p:attrNameLst>
+                                      </p:cBhvr>
+                                      <p:to>
+                                        <p:strVal val="hidden"/>
+                                      </p:to>
+                                    </p:set>
+                                  </p:childTnLst>
+                                </p:cTn>
+                              </p:par>
+                              <p:par>
+                                <p:cTn id="55" presetID="1" presetClass="exit" presetSubtype="0" fill="hold" nodeType="withEffect">
+                                  <p:stCondLst>
+                                    <p:cond delay="0"/>
+                                  </p:stCondLst>
+                                  <p:childTnLst>
+                                    <p:set>
+                                      <p:cBhvr>
+                                        <p:cTn id="56" dur="1" fill="hold">
+                                          <p:stCondLst>
+                                            <p:cond delay="0"/>
+                                          </p:stCondLst>
+                                        </p:cTn>
+                                        <p:tgtEl>
+                                          <p:spTgt spid="61"/>
+                                        </p:tgtEl>
+                                        <p:attrNameLst>
+                                          <p:attrName>style.visibility</p:attrName>
+                                        </p:attrNameLst>
+                                      </p:cBhvr>
+                                      <p:to>
+                                        <p:strVal val="hidden"/>
+                                      </p:to>
+                                    </p:set>
+                                  </p:childTnLst>
+                                </p:cTn>
+                              </p:par>
+                            </p:childTnLst>
+                          </p:cTn>
+                        </p:par>
+                        <p:par>
+                          <p:cTn id="57" fill="hold">
+                            <p:stCondLst>
+                              <p:cond delay="0"/>
+                            </p:stCondLst>
+                            <p:childTnLst>
+                              <p:par>
+                                <p:cTn id="58" presetID="2" presetClass="entr" presetSubtype="4" fill="hold" grpId="0" nodeType="afterEffect">
+                                  <p:stCondLst>
+                                    <p:cond delay="0"/>
+                                  </p:stCondLst>
+                                  <p:childTnLst>
+                                    <p:set>
+                                      <p:cBhvr>
+                                        <p:cTn id="59" dur="1" fill="hold">
+                                          <p:stCondLst>
+                                            <p:cond delay="0"/>
+                                          </p:stCondLst>
+                                        </p:cTn>
+                                        <p:tgtEl>
+                                          <p:spTgt spid="3"/>
+                                        </p:tgtEl>
+                                        <p:attrNameLst>
+                                          <p:attrName>style.visibility</p:attrName>
+                                        </p:attrNameLst>
+                                      </p:cBhvr>
+                                      <p:to>
+                                        <p:strVal val="visible"/>
+                                      </p:to>
+                                    </p:set>
                                     <p:anim calcmode="lin" valueType="num">
                                       <p:cBhvr additive="base">
-                                        <p:cTn id="37" dur="500" fill="hold"/>
+                                        <p:cTn id="60" dur="500" fill="hold"/>
                                         <p:tgtEl>
-                                          <p:spTgt spid="54"/>
+                                          <p:spTgt spid="3"/>
                                         </p:tgtEl>
                                         <p:attrNameLst>
                                           <p:attrName>ppt_x</p:attrName>
@@ -20901,9 +21553,9 @@
                                     </p:anim>
                                     <p:anim calcmode="lin" valueType="num">
                                       <p:cBhvr additive="base">
-                                        <p:cTn id="38" dur="500" fill="hold"/>
+                                        <p:cTn id="61" dur="500" fill="hold"/>
                                         <p:tgtEl>
-                                          <p:spTgt spid="54"/>
+                                          <p:spTgt spid="3"/>
                                         </p:tgtEl>
                                         <p:attrNameLst>
                                           <p:attrName>ppt_y</p:attrName>
@@ -20928,181 +21580,21 @@
                             </p:childTnLst>
                           </p:cTn>
                         </p:par>
-                      </p:childTnLst>
-                    </p:cTn>
-                  </p:par>
-                  <p:par>
-                    <p:cTn id="39" fill="hold">
-                      <p:stCondLst>
-                        <p:cond delay="indefinite"/>
-                      </p:stCondLst>
-                      <p:childTnLst>
                         <p:par>
-                          <p:cTn id="40" fill="hold">
+                          <p:cTn id="62" fill="hold">
                             <p:stCondLst>
-                              <p:cond delay="0"/>
+                              <p:cond delay="500"/>
                             </p:stCondLst>
                             <p:childTnLst>
                               <p:par>
-                                <p:cTn id="41" presetID="22" presetClass="entr" presetSubtype="1" fill="hold" nodeType="clickEffect">
+                                <p:cTn id="63" presetID="22" presetClass="entr" presetSubtype="4" fill="hold" grpId="0" nodeType="afterEffect">
                                   <p:stCondLst>
                                     <p:cond delay="0"/>
                                   </p:stCondLst>
                                   <p:childTnLst>
                                     <p:set>
                                       <p:cBhvr>
-                                        <p:cTn id="42" dur="1" fill="hold">
-                                          <p:stCondLst>
-                                            <p:cond delay="0"/>
-                                          </p:stCondLst>
-                                        </p:cTn>
-                                        <p:tgtEl>
-                                          <p:spTgt spid="60"/>
-                                        </p:tgtEl>
-                                        <p:attrNameLst>
-                                          <p:attrName>style.visibility</p:attrName>
-                                        </p:attrNameLst>
-                                      </p:cBhvr>
-                                      <p:to>
-                                        <p:strVal val="visible"/>
-                                      </p:to>
-                                    </p:set>
-                                    <p:animEffect transition="in" filter="wipe(up)">
-                                      <p:cBhvr>
-                                        <p:cTn id="43" dur="500"/>
-                                        <p:tgtEl>
-                                          <p:spTgt spid="60"/>
-                                        </p:tgtEl>
-                                      </p:cBhvr>
-                                    </p:animEffect>
-                                  </p:childTnLst>
-                                </p:cTn>
-                              </p:par>
-                              <p:par>
-                                <p:cTn id="44" presetID="22" presetClass="entr" presetSubtype="1" fill="hold" nodeType="withEffect">
-                                  <p:stCondLst>
-                                    <p:cond delay="0"/>
-                                  </p:stCondLst>
-                                  <p:childTnLst>
-                                    <p:set>
-                                      <p:cBhvr>
-                                        <p:cTn id="45" dur="1" fill="hold">
-                                          <p:stCondLst>
-                                            <p:cond delay="0"/>
-                                          </p:stCondLst>
-                                        </p:cTn>
-                                        <p:tgtEl>
-                                          <p:spTgt spid="61"/>
-                                        </p:tgtEl>
-                                        <p:attrNameLst>
-                                          <p:attrName>style.visibility</p:attrName>
-                                        </p:attrNameLst>
-                                      </p:cBhvr>
-                                      <p:to>
-                                        <p:strVal val="visible"/>
-                                      </p:to>
-                                    </p:set>
-                                    <p:animEffect transition="in" filter="wipe(up)">
-                                      <p:cBhvr>
-                                        <p:cTn id="46" dur="500"/>
-                                        <p:tgtEl>
-                                          <p:spTgt spid="61"/>
-                                        </p:tgtEl>
-                                      </p:cBhvr>
-                                    </p:animEffect>
-                                  </p:childTnLst>
-                                </p:cTn>
-                              </p:par>
-                            </p:childTnLst>
-                          </p:cTn>
-                        </p:par>
-                      </p:childTnLst>
-                    </p:cTn>
-                  </p:par>
-                  <p:par>
-                    <p:cTn id="47" fill="hold">
-                      <p:stCondLst>
-                        <p:cond delay="indefinite"/>
-                      </p:stCondLst>
-                      <p:childTnLst>
-                        <p:par>
-                          <p:cTn id="48" fill="hold">
-                            <p:stCondLst>
-                              <p:cond delay="0"/>
-                            </p:stCondLst>
-                            <p:childTnLst>
-                              <p:par>
-                                <p:cTn id="49" presetID="1" presetClass="exit" presetSubtype="0" fill="hold" nodeType="clickEffect">
-                                  <p:stCondLst>
-                                    <p:cond delay="0"/>
-                                  </p:stCondLst>
-                                  <p:childTnLst>
-                                    <p:set>
-                                      <p:cBhvr>
-                                        <p:cTn id="50" dur="1" fill="hold">
-                                          <p:stCondLst>
-                                            <p:cond delay="0"/>
-                                          </p:stCondLst>
-                                        </p:cTn>
-                                        <p:tgtEl>
-                                          <p:spTgt spid="60"/>
-                                        </p:tgtEl>
-                                        <p:attrNameLst>
-                                          <p:attrName>style.visibility</p:attrName>
-                                        </p:attrNameLst>
-                                      </p:cBhvr>
-                                      <p:to>
-                                        <p:strVal val="hidden"/>
-                                      </p:to>
-                                    </p:set>
-                                  </p:childTnLst>
-                                </p:cTn>
-                              </p:par>
-                              <p:par>
-                                <p:cTn id="51" presetID="1" presetClass="exit" presetSubtype="0" fill="hold" nodeType="withEffect">
-                                  <p:stCondLst>
-                                    <p:cond delay="0"/>
-                                  </p:stCondLst>
-                                  <p:childTnLst>
-                                    <p:set>
-                                      <p:cBhvr>
-                                        <p:cTn id="52" dur="1" fill="hold">
-                                          <p:stCondLst>
-                                            <p:cond delay="0"/>
-                                          </p:stCondLst>
-                                        </p:cTn>
-                                        <p:tgtEl>
-                                          <p:spTgt spid="61"/>
-                                        </p:tgtEl>
-                                        <p:attrNameLst>
-                                          <p:attrName>style.visibility</p:attrName>
-                                        </p:attrNameLst>
-                                      </p:cBhvr>
-                                      <p:to>
-                                        <p:strVal val="hidden"/>
-                                      </p:to>
-                                    </p:set>
-                                  </p:childTnLst>
-                                </p:cTn>
-                              </p:par>
-                            </p:childTnLst>
-                          </p:cTn>
-                        </p:par>
-                        <p:par>
-                          <p:cTn id="53" fill="hold">
-                            <p:stCondLst>
-                              <p:cond delay="0"/>
-                            </p:stCondLst>
-                            <p:childTnLst>
-                              <p:par>
-                                <p:cTn id="54" presetID="22" presetClass="entr" presetSubtype="4" fill="hold" grpId="0" nodeType="afterEffect">
-                                  <p:stCondLst>
-                                    <p:cond delay="0"/>
-                                  </p:stCondLst>
-                                  <p:childTnLst>
-                                    <p:set>
-                                      <p:cBhvr>
-                                        <p:cTn id="55" dur="1" fill="hold">
+                                        <p:cTn id="64" dur="1" fill="hold">
                                           <p:stCondLst>
                                             <p:cond delay="0"/>
                                           </p:stCondLst>
@@ -21120,7 +21612,7 @@
                                     </p:set>
                                     <p:animEffect transition="in" filter="wipe(down)">
                                       <p:cBhvr>
-                                        <p:cTn id="56" dur="500"/>
+                                        <p:cTn id="65" dur="500"/>
                                         <p:tgtEl>
                                           <p:spTgt spid="56"/>
                                         </p:tgtEl>
@@ -21133,20 +21625,20 @@
                           </p:cTn>
                         </p:par>
                         <p:par>
-                          <p:cTn id="57" fill="hold">
+                          <p:cTn id="66" fill="hold">
                             <p:stCondLst>
-                              <p:cond delay="500"/>
+                              <p:cond delay="1000"/>
                             </p:stCondLst>
                             <p:childTnLst>
                               <p:par>
-                                <p:cTn id="58" presetID="22" presetClass="entr" presetSubtype="8" fill="hold" nodeType="afterEffect">
+                                <p:cTn id="67" presetID="22" presetClass="entr" presetSubtype="8" fill="hold" nodeType="afterEffect">
                                   <p:stCondLst>
                                     <p:cond delay="0"/>
                                   </p:stCondLst>
                                   <p:childTnLst>
                                     <p:set>
                                       <p:cBhvr>
-                                        <p:cTn id="59" dur="1" fill="hold">
+                                        <p:cTn id="68" dur="1" fill="hold">
                                           <p:stCondLst>
                                             <p:cond delay="0"/>
                                           </p:stCondLst>
@@ -21164,7 +21656,7 @@
                                     </p:set>
                                     <p:animEffect transition="in" filter="wipe(left)">
                                       <p:cBhvr>
-                                        <p:cTn id="60" dur="500"/>
+                                        <p:cTn id="69" dur="500"/>
                                         <p:tgtEl>
                                           <p:spTgt spid="58"/>
                                         </p:tgtEl>
@@ -21177,20 +21669,20 @@
                           </p:cTn>
                         </p:par>
                         <p:par>
-                          <p:cTn id="61" fill="hold">
+                          <p:cTn id="70" fill="hold">
                             <p:stCondLst>
-                              <p:cond delay="1000"/>
+                              <p:cond delay="1500"/>
                             </p:stCondLst>
                             <p:childTnLst>
                               <p:par>
-                                <p:cTn id="62" presetID="22" presetClass="entr" presetSubtype="1" fill="hold" grpId="0" nodeType="afterEffect">
+                                <p:cTn id="71" presetID="22" presetClass="entr" presetSubtype="1" fill="hold" grpId="0" nodeType="afterEffect">
                                   <p:stCondLst>
                                     <p:cond delay="0"/>
                                   </p:stCondLst>
                                   <p:childTnLst>
                                     <p:set>
                                       <p:cBhvr>
-                                        <p:cTn id="63" dur="1" fill="hold">
+                                        <p:cTn id="72" dur="1" fill="hold">
                                           <p:stCondLst>
                                             <p:cond delay="0"/>
                                           </p:stCondLst>
@@ -21208,7 +21700,7 @@
                                     </p:set>
                                     <p:animEffect transition="in" filter="wipe(up)">
                                       <p:cBhvr>
-                                        <p:cTn id="64" dur="500"/>
+                                        <p:cTn id="73" dur="500"/>
                                         <p:tgtEl>
                                           <p:spTgt spid="55"/>
                                         </p:tgtEl>
@@ -21224,26 +21716,26 @@
                     </p:cTn>
                   </p:par>
                   <p:par>
-                    <p:cTn id="65" fill="hold">
+                    <p:cTn id="74" fill="hold">
                       <p:stCondLst>
                         <p:cond delay="indefinite"/>
                       </p:stCondLst>
                       <p:childTnLst>
                         <p:par>
-                          <p:cTn id="66" fill="hold">
+                          <p:cTn id="75" fill="hold">
                             <p:stCondLst>
                               <p:cond delay="0"/>
                             </p:stCondLst>
                             <p:childTnLst>
                               <p:par>
-                                <p:cTn id="67" presetID="22" presetClass="entr" presetSubtype="2" fill="hold" nodeType="clickEffect">
+                                <p:cTn id="76" presetID="22" presetClass="entr" presetSubtype="2" fill="hold" nodeType="clickEffect">
                                   <p:stCondLst>
                                     <p:cond delay="0"/>
                                   </p:stCondLst>
                                   <p:childTnLst>
                                     <p:set>
                                       <p:cBhvr>
-                                        <p:cTn id="68" dur="1" fill="hold">
+                                        <p:cTn id="77" dur="1" fill="hold">
                                           <p:stCondLst>
                                             <p:cond delay="0"/>
                                           </p:stCondLst>
@@ -21261,7 +21753,7 @@
                                     </p:set>
                                     <p:animEffect transition="in" filter="wipe(right)">
                                       <p:cBhvr>
-                                        <p:cTn id="69" dur="500"/>
+                                        <p:cTn id="78" dur="500"/>
                                         <p:tgtEl>
                                           <p:spTgt spid="46"/>
                                         </p:tgtEl>
@@ -21274,20 +21766,20 @@
                           </p:cTn>
                         </p:par>
                         <p:par>
-                          <p:cTn id="70" fill="hold">
+                          <p:cTn id="79" fill="hold">
                             <p:stCondLst>
                               <p:cond delay="500"/>
                             </p:stCondLst>
                             <p:childTnLst>
                               <p:par>
-                                <p:cTn id="71" presetID="16" presetClass="entr" presetSubtype="21" fill="hold" grpId="0" nodeType="afterEffect">
+                                <p:cTn id="80" presetID="16" presetClass="entr" presetSubtype="21" fill="hold" grpId="0" nodeType="afterEffect">
                                   <p:stCondLst>
                                     <p:cond delay="0"/>
                                   </p:stCondLst>
                                   <p:childTnLst>
                                     <p:set>
                                       <p:cBhvr>
-                                        <p:cTn id="72" dur="1" fill="hold">
+                                        <p:cTn id="81" dur="1" fill="hold">
                                           <p:stCondLst>
                                             <p:cond delay="0"/>
                                           </p:stCondLst>
@@ -21305,7 +21797,7 @@
                                     </p:set>
                                     <p:animEffect transition="in" filter="barn(inVertical)">
                                       <p:cBhvr>
-                                        <p:cTn id="73" dur="500"/>
+                                        <p:cTn id="82" dur="500"/>
                                         <p:tgtEl>
                                           <p:spTgt spid="49"/>
                                         </p:tgtEl>
@@ -21349,6 +21841,8 @@
       <p:bldP spid="54" grpId="0"/>
       <p:bldP spid="55" grpId="0"/>
       <p:bldP spid="56" grpId="0" animBg="1"/>
+      <p:bldP spid="3" grpId="0"/>
+      <p:bldP spid="6" grpId="0"/>
     </p:bldLst>
   </p:timing>
 </p:sld>
@@ -21972,7 +22466,39 @@
                   <a:srgbClr val="7030A0"/>
                 </a:solidFill>
               </a:rPr>
-              <a:t>Even just two simple waves when added together can produce complicated results!</a:t>
+              <a:t>Even </a:t>
+            </a:r>
+            <a:r>
+              <a:rPr lang="en-US" b="1" dirty="0">
+                <a:solidFill>
+                  <a:srgbClr val="7030A0"/>
+                </a:solidFill>
+              </a:rPr>
+              <a:t>just two simple waves </a:t>
+            </a:r>
+            <a:r>
+              <a:rPr lang="en-US" dirty="0">
+                <a:solidFill>
+                  <a:srgbClr val="7030A0"/>
+                </a:solidFill>
+              </a:rPr>
+              <a:t>when </a:t>
+            </a:r>
+            <a:r>
+              <a:rPr lang="en-US" u="sng" dirty="0">
+                <a:solidFill>
+                  <a:srgbClr val="7030A0"/>
+                </a:solidFill>
+              </a:rPr>
+              <a:t>added</a:t>
+            </a:r>
+            <a:r>
+              <a:rPr lang="en-US" dirty="0">
+                <a:solidFill>
+                  <a:srgbClr val="7030A0"/>
+                </a:solidFill>
+              </a:rPr>
+              <a:t> together can produce complicated results!</a:t>
             </a:r>
           </a:p>
         </p:txBody>

--- a/Session 06 - Polar Coordinates/Session 06 - Polar Coordinates.pptx
+++ b/Session 06 - Polar Coordinates/Session 06 - Polar Coordinates.pptx
@@ -3031,7 +3031,7 @@
           <a:p>
             <a:fld id="{A241AC98-512A-4A35-865E-757B6C1F07A2}" type="datetimeFigureOut">
               <a:rPr lang="en-US" smtClean="0"/>
-              <a:t>1/29/2024</a:t>
+              <a:t>2/12/2024</a:t>
             </a:fld>
             <a:endParaRPr lang="en-US"/>
           </a:p>
@@ -3197,7 +3197,7 @@
           <a:p>
             <a:fld id="{3854CEE7-15DE-41D9-8CA2-D1E137B1D850}" type="datetimeFigureOut">
               <a:rPr lang="en-US" smtClean="0"/>
-              <a:t>1/29/2024</a:t>
+              <a:t>2/12/2024</a:t>
             </a:fld>
             <a:endParaRPr lang="en-US"/>
           </a:p>
@@ -4520,7 +4520,7 @@
           <a:p>
             <a:fld id="{5555EB2C-244D-4423-AD97-018ED6478B87}" type="datetime1">
               <a:rPr lang="en-US" smtClean="0"/>
-              <a:t>1/29/2024</a:t>
+              <a:t>2/12/2024</a:t>
             </a:fld>
             <a:endParaRPr lang="en-US"/>
           </a:p>
@@ -4699,7 +4699,7 @@
           <a:p>
             <a:fld id="{A2B41D1F-7576-4C60-B4EB-5115BC56CF40}" type="datetime1">
               <a:rPr lang="en-US" smtClean="0"/>
-              <a:t>1/29/2024</a:t>
+              <a:t>2/12/2024</a:t>
             </a:fld>
             <a:endParaRPr lang="en-US"/>
           </a:p>
@@ -4891,7 +4891,7 @@
           <a:p>
             <a:fld id="{E79D1398-4D56-44F9-BA35-34ACF3159A64}" type="datetime1">
               <a:rPr lang="en-US" smtClean="0"/>
-              <a:t>1/29/2024</a:t>
+              <a:t>2/12/2024</a:t>
             </a:fld>
             <a:endParaRPr lang="en-US"/>
           </a:p>
@@ -5073,7 +5073,7 @@
           <a:p>
             <a:fld id="{A3CF632E-48CB-4EEB-A6B6-DEC7AD7CC976}" type="datetime1">
               <a:rPr lang="en-US" smtClean="0"/>
-              <a:t>1/29/2024</a:t>
+              <a:t>2/12/2024</a:t>
             </a:fld>
             <a:endParaRPr lang="en-US"/>
           </a:p>
@@ -5326,7 +5326,7 @@
           <a:p>
             <a:fld id="{BAEEE52C-3A57-458E-95F6-96B2FA9D1DD4}" type="datetime1">
               <a:rPr lang="en-US" smtClean="0"/>
-              <a:t>1/29/2024</a:t>
+              <a:t>2/12/2024</a:t>
             </a:fld>
             <a:endParaRPr lang="en-US"/>
           </a:p>
@@ -5570,7 +5570,7 @@
           <a:p>
             <a:fld id="{766FC747-A48A-4FF2-8EE4-3E95ECD1C2A8}" type="datetime1">
               <a:rPr lang="en-US" smtClean="0"/>
-              <a:t>1/29/2024</a:t>
+              <a:t>2/12/2024</a:t>
             </a:fld>
             <a:endParaRPr lang="en-US"/>
           </a:p>
@@ -5949,7 +5949,7 @@
           <a:p>
             <a:fld id="{C9BF5758-AB7F-463D-B638-E1729B95E126}" type="datetime1">
               <a:rPr lang="en-US" smtClean="0"/>
-              <a:t>1/29/2024</a:t>
+              <a:t>2/12/2024</a:t>
             </a:fld>
             <a:endParaRPr lang="en-US"/>
           </a:p>
@@ -6079,7 +6079,7 @@
           <a:p>
             <a:fld id="{F3718C77-7DD0-4738-BF52-D0EC9F78A76E}" type="datetime1">
               <a:rPr lang="en-US" smtClean="0"/>
-              <a:t>1/29/2024</a:t>
+              <a:t>2/12/2024</a:t>
             </a:fld>
             <a:endParaRPr lang="en-US"/>
           </a:p>
@@ -6186,7 +6186,7 @@
           <a:p>
             <a:fld id="{948970CF-13D9-4E1D-A74F-2CFE4953FCDB}" type="datetime1">
               <a:rPr lang="en-US" smtClean="0"/>
-              <a:t>1/29/2024</a:t>
+              <a:t>2/12/2024</a:t>
             </a:fld>
             <a:endParaRPr lang="en-US"/>
           </a:p>
@@ -6475,7 +6475,7 @@
           <a:p>
             <a:fld id="{F68C49B9-4E1C-4967-B9CF-0BF9FECBE837}" type="datetime1">
               <a:rPr lang="en-US" smtClean="0"/>
-              <a:t>1/29/2024</a:t>
+              <a:t>2/12/2024</a:t>
             </a:fld>
             <a:endParaRPr lang="en-US"/>
           </a:p>
@@ -6743,7 +6743,7 @@
           <a:p>
             <a:fld id="{7E338CBB-1F06-4333-9BBF-66628B15E581}" type="datetime1">
               <a:rPr lang="en-US" smtClean="0"/>
-              <a:t>1/29/2024</a:t>
+              <a:t>2/12/2024</a:t>
             </a:fld>
             <a:endParaRPr lang="en-US"/>
           </a:p>
@@ -6968,7 +6968,7 @@
           <a:p>
             <a:fld id="{705EC883-F03C-4CA3-AF62-BEF30EEA4F65}" type="datetime1">
               <a:rPr lang="en-US" smtClean="0"/>
-              <a:t>1/29/2024</a:t>
+              <a:t>2/12/2024</a:t>
             </a:fld>
             <a:endParaRPr lang="en-US"/>
           </a:p>
@@ -19378,8 +19378,8 @@
           </p:txBody>
         </p:sp>
       </p:grpSp>
-      <mc:AlternateContent xmlns:mc="http://schemas.openxmlformats.org/markup-compatibility/2006">
-        <mc:Choice xmlns:a14="http://schemas.microsoft.com/office/drawing/2010/main" Requires="a14">
+      <mc:AlternateContent xmlns:mc="http://schemas.openxmlformats.org/markup-compatibility/2006" xmlns:a14="http://schemas.microsoft.com/office/drawing/2010/main">
+        <mc:Choice Requires="a14">
           <p:sp>
             <p:nvSpPr>
               <p:cNvPr id="43" name="TextBox 42">
@@ -19457,7 +19457,7 @@
             </p:txBody>
           </p:sp>
         </mc:Choice>
-        <mc:Fallback>
+        <mc:Fallback xmlns="">
           <p:sp>
             <p:nvSpPr>
               <p:cNvPr id="43" name="TextBox 42">
@@ -19502,8 +19502,8 @@
           </p:sp>
         </mc:Fallback>
       </mc:AlternateContent>
-      <mc:AlternateContent xmlns:mc="http://schemas.openxmlformats.org/markup-compatibility/2006">
-        <mc:Choice xmlns:a14="http://schemas.microsoft.com/office/drawing/2010/main" Requires="a14">
+      <mc:AlternateContent xmlns:mc="http://schemas.openxmlformats.org/markup-compatibility/2006" xmlns:a14="http://schemas.microsoft.com/office/drawing/2010/main">
+        <mc:Choice Requires="a14">
           <p:sp>
             <p:nvSpPr>
               <p:cNvPr id="45" name="TextBox 44">
@@ -19672,7 +19672,7 @@
             </p:txBody>
           </p:sp>
         </mc:Choice>
-        <mc:Fallback>
+        <mc:Fallback xmlns="">
           <p:sp>
             <p:nvSpPr>
               <p:cNvPr id="45" name="TextBox 44">
@@ -19889,8 +19889,8 @@
           </a:p>
         </p:txBody>
       </p:sp>
-      <mc:AlternateContent xmlns:mc="http://schemas.openxmlformats.org/markup-compatibility/2006">
-        <mc:Choice xmlns:a14="http://schemas.microsoft.com/office/drawing/2010/main" Requires="a14">
+      <mc:AlternateContent xmlns:mc="http://schemas.openxmlformats.org/markup-compatibility/2006" xmlns:a14="http://schemas.microsoft.com/office/drawing/2010/main">
+        <mc:Choice Requires="a14">
           <p:sp>
             <p:nvSpPr>
               <p:cNvPr id="54" name="TextBox 53">
@@ -20141,7 +20141,7 @@
             </p:txBody>
           </p:sp>
         </mc:Choice>
-        <mc:Fallback>
+        <mc:Fallback xmlns="">
           <p:sp>
             <p:nvSpPr>
               <p:cNvPr id="54" name="TextBox 53">
@@ -20413,8 +20413,8 @@
           </a:fontRef>
         </p:style>
       </p:cxnSp>
-      <mc:AlternateContent xmlns:mc="http://schemas.openxmlformats.org/markup-compatibility/2006">
-        <mc:Choice xmlns:a14="http://schemas.microsoft.com/office/drawing/2010/main" Requires="a14">
+      <mc:AlternateContent xmlns:mc="http://schemas.openxmlformats.org/markup-compatibility/2006" xmlns:a14="http://schemas.microsoft.com/office/drawing/2010/main">
+        <mc:Choice Requires="a14">
           <p:sp>
             <p:nvSpPr>
               <p:cNvPr id="3" name="TextBox 2">
@@ -20695,7 +20695,7 @@
             </p:txBody>
           </p:sp>
         </mc:Choice>
-        <mc:Fallback>
+        <mc:Fallback xmlns="">
           <p:sp>
             <p:nvSpPr>
               <p:cNvPr id="3" name="TextBox 2">
@@ -27916,7 +27916,19 @@
               <a:rPr lang="en-US" sz="3200" dirty="0">
                 <a:latin typeface="+mn-lt"/>
               </a:rPr>
-              <a:t> – Know You Know…</a:t>
+              <a:t> </a:t>
+            </a:r>
+            <a:r>
+              <a:rPr lang="en-US" sz="3200">
+                <a:latin typeface="+mn-lt"/>
+              </a:rPr>
+              <a:t>– Now </a:t>
+            </a:r>
+            <a:r>
+              <a:rPr lang="en-US" sz="3200" dirty="0">
+                <a:latin typeface="+mn-lt"/>
+              </a:rPr>
+              <a:t>You Know…</a:t>
             </a:r>
           </a:p>
         </p:txBody>
